--- a/static/f/up/禅修要诀1.pptx
+++ b/static/f/up/禅修要诀1.pptx
@@ -1,37 +1,43 @@
 
 <file path=ppt/presentation.xml><?xml version="1.0" encoding="utf-8"?>
-<p:presentation xmlns:p14="http://schemas.microsoft.com/office/powerpoint/2010/main" xmlns:p15="http://schemas.microsoft.com/office/powerpoint/2012/main" xmlns:a="http://schemas.openxmlformats.org/drawingml/2006/main" xmlns:r="http://schemas.openxmlformats.org/officeDocument/2006/relationships" xmlns:p="http://schemas.openxmlformats.org/presentationml/2006/main" saveSubsetFonts="1">
+<p:presentation xmlns:a="http://schemas.openxmlformats.org/drawingml/2006/main" xmlns:r="http://schemas.openxmlformats.org/officeDocument/2006/relationships" xmlns:p="http://schemas.openxmlformats.org/presentationml/2006/main" embedTrueTypeFonts="1">
   <p:sldMasterIdLst>
     <p:sldMasterId id="2147483648" r:id="rId1"/>
   </p:sldMasterIdLst>
   <p:notesMasterIdLst>
-    <p:notesMasterId r:id="rId18"/>
+    <p:notesMasterId r:id="rId4"/>
   </p:notesMasterIdLst>
   <p:handoutMasterIdLst>
-    <p:handoutMasterId r:id="rId19"/>
+    <p:handoutMasterId r:id="rId20"/>
   </p:handoutMasterIdLst>
   <p:sldIdLst>
-    <p:sldId id="256" r:id="rId2"/>
-    <p:sldId id="281" r:id="rId3"/>
-    <p:sldId id="314" r:id="rId4"/>
-    <p:sldId id="262" r:id="rId5"/>
-    <p:sldId id="265" r:id="rId6"/>
-    <p:sldId id="297" r:id="rId7"/>
-    <p:sldId id="266" r:id="rId8"/>
-    <p:sldId id="268" r:id="rId9"/>
-    <p:sldId id="315" r:id="rId10"/>
-    <p:sldId id="298" r:id="rId11"/>
-    <p:sldId id="299" r:id="rId12"/>
-    <p:sldId id="316" r:id="rId13"/>
-    <p:sldId id="279" r:id="rId14"/>
-    <p:sldId id="300" r:id="rId15"/>
-    <p:sldId id="302" r:id="rId16"/>
-    <p:sldId id="303" r:id="rId17"/>
+    <p:sldId id="256" r:id="rId3"/>
+    <p:sldId id="281" r:id="rId5"/>
+    <p:sldId id="314" r:id="rId6"/>
+    <p:sldId id="262" r:id="rId7"/>
+    <p:sldId id="265" r:id="rId8"/>
+    <p:sldId id="297" r:id="rId9"/>
+    <p:sldId id="266" r:id="rId10"/>
+    <p:sldId id="268" r:id="rId11"/>
+    <p:sldId id="315" r:id="rId12"/>
+    <p:sldId id="298" r:id="rId13"/>
+    <p:sldId id="299" r:id="rId14"/>
+    <p:sldId id="316" r:id="rId15"/>
+    <p:sldId id="279" r:id="rId16"/>
+    <p:sldId id="300" r:id="rId17"/>
+    <p:sldId id="302" r:id="rId18"/>
+    <p:sldId id="303" r:id="rId19"/>
   </p:sldIdLst>
   <p:sldSz cx="12192000" cy="6858000"/>
   <p:notesSz cx="6858000" cy="9144000"/>
+  <p:embeddedFontLst>
+    <p:embeddedFont>
+      <p:font typeface="Rockwell" panose="02060503020205020403"/>
+      <p:regular r:id="rId25"/>
+    </p:embeddedFont>
+  </p:embeddedFontLst>
   <p:custDataLst>
-    <p:tags r:id="rId20"/>
+    <p:tags r:id="rId26"/>
   </p:custDataLst>
   <p:defaultTextStyle>
     <a:defPPr rtl="0">
@@ -174,9 +180,6 @@
         </p15:guide>
       </p15:sldGuideLst>
     </p:ext>
-    <p:ext uri="{2D200454-40CA-4A62-9FC3-DE9A4176ACB9}">
-      <p15:notesGuideLst xmlns:p15="http://schemas.microsoft.com/office/powerpoint/2012/main"/>
-    </p:ext>
   </p:extLst>
 </p:presentation>
 </file>
@@ -276,7 +279,6 @@
                 <a:latin typeface="Microsoft YaHei UI" panose="020B0503020204020204" pitchFamily="34" charset="-122"/>
                 <a:ea typeface="Microsoft YaHei UI" panose="020B0503020204020204" pitchFamily="34" charset="-122"/>
               </a:rPr>
-              <a:t>2023/11/5</a:t>
             </a:fld>
             <a:endParaRPr lang="zh-CN" altLang="en-US" noProof="1">
               <a:latin typeface="Microsoft YaHei UI" panose="020B0503020204020204" pitchFamily="34" charset="-122"/>
@@ -351,7 +353,6 @@
                 <a:latin typeface="Microsoft YaHei UI" panose="020B0503020204020204" pitchFamily="34" charset="-122"/>
                 <a:ea typeface="Microsoft YaHei UI" panose="020B0503020204020204" pitchFamily="34" charset="-122"/>
               </a:rPr>
-              <a:t>‹#›</a:t>
             </a:fld>
             <a:endParaRPr lang="zh-CN" altLang="en-US" noProof="1">
               <a:latin typeface="Microsoft YaHei UI" panose="020B0503020204020204" pitchFamily="34" charset="-122"/>
@@ -361,11 +362,6 @@
         </p:txBody>
       </p:sp>
     </p:spTree>
-    <p:extLst>
-      <p:ext uri="{BB962C8B-B14F-4D97-AF65-F5344CB8AC3E}">
-        <p14:creationId xmlns:p14="http://schemas.microsoft.com/office/powerpoint/2010/main" val="1"/>
-      </p:ext>
-    </p:extLst>
   </p:cSld>
   <p:clrMap bg1="lt1" tx1="dk1" bg2="lt2" tx2="dk2" accent1="accent1" accent2="accent2" accent3="accent3" accent4="accent4" accent5="accent5" accent6="accent6" hlink="hlink" folHlink="folHlink"/>
   <p:hf hdr="0" ftr="0" dt="0"/>
@@ -460,7 +456,6 @@
           <a:p>
             <a:fld id="{D3817120-FE20-47E6-92D2-B4094FC1BB7A}" type="datetime1">
               <a:rPr lang="zh-CN" altLang="en-US" noProof="1" smtClean="0"/>
-              <a:t>2023/11/5</a:t>
             </a:fld>
             <a:endParaRPr lang="zh-CN" altLang="en-US" noProof="1"/>
           </a:p>
@@ -528,6 +523,7 @@
               <a:rPr lang="zh-CN" altLang="en-US" noProof="1"/>
               <a:t>单击此处编辑母版文本样式</a:t>
             </a:r>
+            <a:endParaRPr lang="zh-CN" altLang="en-US" noProof="1"/>
           </a:p>
           <a:p>
             <a:pPr lvl="1" rtl="0"/>
@@ -535,6 +531,7 @@
               <a:rPr lang="zh-CN" altLang="en-US" noProof="1"/>
               <a:t>第二级</a:t>
             </a:r>
+            <a:endParaRPr lang="zh-CN" altLang="en-US" noProof="1"/>
           </a:p>
           <a:p>
             <a:pPr lvl="2" rtl="0"/>
@@ -542,6 +539,7 @@
               <a:rPr lang="zh-CN" altLang="en-US" noProof="1"/>
               <a:t>第三级</a:t>
             </a:r>
+            <a:endParaRPr lang="zh-CN" altLang="en-US" noProof="1"/>
           </a:p>
           <a:p>
             <a:pPr lvl="3" rtl="0"/>
@@ -549,6 +547,7 @@
               <a:rPr lang="zh-CN" altLang="en-US" noProof="1"/>
               <a:t>第四级</a:t>
             </a:r>
+            <a:endParaRPr lang="zh-CN" altLang="en-US" noProof="1"/>
           </a:p>
           <a:p>
             <a:pPr lvl="4" rtl="0"/>
@@ -556,6 +555,7 @@
               <a:rPr lang="zh-CN" altLang="en-US" noProof="1"/>
               <a:t>第五级</a:t>
             </a:r>
+            <a:endParaRPr lang="zh-CN" altLang="en-US" noProof="1"/>
           </a:p>
         </p:txBody>
       </p:sp>
@@ -625,7 +625,6 @@
           <a:p>
             <a:fld id="{DF61EA0F-A667-4B49-8422-0062BC55E249}" type="slidenum">
               <a:rPr lang="en-US" altLang="zh-CN" noProof="1" smtClean="0"/>
-              <a:t>‹#›</a:t>
             </a:fld>
             <a:endParaRPr lang="zh-CN" altLang="en-US" noProof="1"/>
           </a:p>
@@ -802,7 +801,6 @@
             <a:pPr rtl="0"/>
             <a:fld id="{DF61EA0F-A667-4B49-8422-0062BC55E249}" type="slidenum">
               <a:rPr lang="en-US" altLang="zh-CN" noProof="1" smtClean="0"/>
-              <a:t>1</a:t>
             </a:fld>
             <a:endParaRPr lang="zh-CN" altLang="en-US" noProof="1"/>
           </a:p>
@@ -885,7 +883,6 @@
                   <a:prstClr val="black"/>
                 </a:solidFill>
               </a:rPr>
-              <a:t>11</a:t>
             </a:fld>
             <a:endParaRPr lang="zh-CN" altLang="en-US" noProof="1">
               <a:solidFill>
@@ -972,7 +969,6 @@
                   <a:prstClr val="black"/>
                 </a:solidFill>
               </a:rPr>
-              <a:t>12</a:t>
             </a:fld>
             <a:endParaRPr lang="zh-CN" altLang="en-US" noProof="1">
               <a:solidFill>
@@ -1059,7 +1055,6 @@
                   <a:prstClr val="black"/>
                 </a:solidFill>
               </a:rPr>
-              <a:t>13</a:t>
             </a:fld>
             <a:endParaRPr lang="zh-CN" altLang="en-US" noProof="1">
               <a:solidFill>
@@ -1146,7 +1141,6 @@
                   <a:prstClr val="black"/>
                 </a:solidFill>
               </a:rPr>
-              <a:t>14</a:t>
             </a:fld>
             <a:endParaRPr lang="zh-CN" altLang="en-US" noProof="1">
               <a:solidFill>
@@ -1233,7 +1227,6 @@
                   <a:prstClr val="black"/>
                 </a:solidFill>
               </a:rPr>
-              <a:t>15</a:t>
             </a:fld>
             <a:endParaRPr lang="zh-CN" altLang="en-US" noProof="1">
               <a:solidFill>
@@ -1320,7 +1313,6 @@
                   <a:prstClr val="black"/>
                 </a:solidFill>
               </a:rPr>
-              <a:t>16</a:t>
             </a:fld>
             <a:endParaRPr lang="zh-CN" altLang="en-US" noProof="1">
               <a:solidFill>
@@ -1403,7 +1395,6 @@
           <a:p>
             <a:fld id="{DF61EA0F-A667-4B49-8422-0062BC55E249}" type="slidenum">
               <a:rPr lang="en-US" altLang="zh-CN" noProof="1" dirty="0" smtClean="0"/>
-              <a:t>3</a:t>
             </a:fld>
             <a:endParaRPr lang="zh-CN" altLang="en-US" noProof="1"/>
           </a:p>
@@ -1482,7 +1473,6 @@
           <a:p>
             <a:fld id="{DF61EA0F-A667-4B49-8422-0062BC55E249}" type="slidenum">
               <a:rPr lang="en-US" altLang="zh-CN" noProof="1" dirty="0" smtClean="0"/>
-              <a:t>4</a:t>
             </a:fld>
             <a:endParaRPr lang="zh-CN" altLang="en-US" noProof="1"/>
           </a:p>
@@ -1565,7 +1555,6 @@
                   <a:prstClr val="black"/>
                 </a:solidFill>
               </a:rPr>
-              <a:t>5</a:t>
             </a:fld>
             <a:endParaRPr lang="zh-CN" altLang="en-US" noProof="1">
               <a:solidFill>
@@ -1652,7 +1641,6 @@
                   <a:prstClr val="black"/>
                 </a:solidFill>
               </a:rPr>
-              <a:t>6</a:t>
             </a:fld>
             <a:endParaRPr lang="zh-CN" altLang="en-US" noProof="1">
               <a:solidFill>
@@ -1739,7 +1727,6 @@
                   <a:prstClr val="black"/>
                 </a:solidFill>
               </a:rPr>
-              <a:t>7</a:t>
             </a:fld>
             <a:endParaRPr lang="zh-CN" altLang="en-US" noProof="1">
               <a:solidFill>
@@ -1826,7 +1813,6 @@
                   <a:prstClr val="black"/>
                 </a:solidFill>
               </a:rPr>
-              <a:t>8</a:t>
             </a:fld>
             <a:endParaRPr lang="zh-CN" altLang="en-US" noProof="1">
               <a:solidFill>
@@ -1913,7 +1899,6 @@
                   <a:prstClr val="black"/>
                 </a:solidFill>
               </a:rPr>
-              <a:t>9</a:t>
             </a:fld>
             <a:endParaRPr lang="zh-CN" altLang="en-US" noProof="1">
               <a:solidFill>
@@ -2000,7 +1985,6 @@
                   <a:prstClr val="black"/>
                 </a:solidFill>
               </a:rPr>
-              <a:t>10</a:t>
             </a:fld>
             <a:endParaRPr lang="zh-CN" altLang="en-US" noProof="1">
               <a:solidFill>
@@ -2115,9 +2099,10 @@
           <a:p>
             <a:pPr rtl="0"/>
             <a:r>
-              <a:rPr lang="zh-CN" altLang="en-US" noProof="1"/>
+              <a:rPr lang="zh-CN" altLang="en-US" noProof="1" smtClean="0"/>
               <a:t>单击此处编辑母版标题样式</a:t>
             </a:r>
+            <a:endParaRPr lang="zh-CN" altLang="en-US" noProof="1"/>
           </a:p>
         </p:txBody>
       </p:sp>
@@ -2196,6 +2181,7 @@
               <a:rPr lang="zh-CN" altLang="en-US" noProof="1"/>
               <a:t>单击以编辑母版副标题样式</a:t>
             </a:r>
+            <a:endParaRPr lang="zh-CN" altLang="en-US" noProof="1"/>
           </a:p>
         </p:txBody>
       </p:sp>
@@ -2217,7 +2203,6 @@
             <a:pPr rtl="0"/>
             <a:fld id="{C6A1944A-E2DF-45B6-A60C-A27D14D72CBA}" type="datetime1">
               <a:rPr lang="zh-CN" altLang="en-US" noProof="1" smtClean="0"/>
-              <a:t>2023/11/5</a:t>
             </a:fld>
             <a:endParaRPr lang="zh-CN" altLang="en-US" noProof="1"/>
           </a:p>
@@ -2261,7 +2246,6 @@
             <a:pPr rtl="0"/>
             <a:fld id="{9860EDB8-5305-433F-BE41-D7A86D811DB3}" type="slidenum">
               <a:rPr lang="en-US" altLang="zh-CN" noProof="1" smtClean="0"/>
-              <a:t>‹#›</a:t>
             </a:fld>
             <a:endParaRPr lang="zh-CN" altLang="en-US" noProof="1"/>
           </a:p>
@@ -2277,6 +2261,575 @@
           <a:xfrm>
             <a:off x="0" y="0"/>
             <a:ext cx="12192000" cy="4866468"/>
+          </a:xfrm>
+          <a:prstGeom prst="rect">
+            <a:avLst/>
+          </a:prstGeom>
+          <a:solidFill>
+            <a:srgbClr val="D24726"/>
+          </a:solidFill>
+          <a:ln>
+            <a:noFill/>
+          </a:ln>
+        </p:spPr>
+        <p:style>
+          <a:lnRef idx="2">
+            <a:schemeClr val="accent1">
+              <a:shade val="50000"/>
+            </a:schemeClr>
+          </a:lnRef>
+          <a:fillRef idx="1">
+            <a:schemeClr val="accent1"/>
+          </a:fillRef>
+          <a:effectRef idx="0">
+            <a:schemeClr val="accent1"/>
+          </a:effectRef>
+          <a:fontRef idx="minor">
+            <a:schemeClr val="lt1"/>
+          </a:fontRef>
+        </p:style>
+        <p:txBody>
+          <a:bodyPr rtlCol="0" anchor="ctr"/>
+          <a:lstStyle/>
+          <a:p>
+            <a:pPr algn="ctr" rtl="0"/>
+            <a:endParaRPr lang="zh-CN" altLang="en-US" sz="1800" noProof="1">
+              <a:latin typeface="Microsoft YaHei UI" panose="020B0503020204020204" pitchFamily="34" charset="-122"/>
+            </a:endParaRPr>
+          </a:p>
+        </p:txBody>
+      </p:sp>
+    </p:spTree>
+  </p:cSld>
+  <p:clrMapOvr>
+    <a:masterClrMapping/>
+  </p:clrMapOvr>
+</p:sldLayout>
+</file>
+
+<file path=ppt/slideLayouts/slideLayout10.xml><?xml version="1.0" encoding="utf-8"?>
+<p:sldLayout xmlns:a="http://schemas.openxmlformats.org/drawingml/2006/main" xmlns:r="http://schemas.openxmlformats.org/officeDocument/2006/relationships" xmlns:p="http://schemas.openxmlformats.org/presentationml/2006/main" type="vertTx" preserve="1">
+  <p:cSld name="标题和竖排文字">
+    <p:spTree>
+      <p:nvGrpSpPr>
+        <p:cNvPr id="1" name=""/>
+        <p:cNvGrpSpPr/>
+        <p:nvPr/>
+      </p:nvGrpSpPr>
+      <p:grpSpPr>
+        <a:xfrm>
+          <a:off x="0" y="0"/>
+          <a:ext cx="0" cy="0"/>
+          <a:chOff x="0" y="0"/>
+          <a:chExt cx="0" cy="0"/>
+        </a:xfrm>
+      </p:grpSpPr>
+      <p:sp>
+        <p:nvSpPr>
+          <p:cNvPr id="7" name="长方形 6"/>
+          <p:cNvSpPr/>
+          <p:nvPr/>
+        </p:nvSpPr>
+        <p:spPr>
+          <a:xfrm>
+            <a:off x="0" y="0"/>
+            <a:ext cx="12192000" cy="1332854"/>
+          </a:xfrm>
+          <a:prstGeom prst="rect">
+            <a:avLst/>
+          </a:prstGeom>
+          <a:solidFill>
+            <a:srgbClr val="D24726"/>
+          </a:solidFill>
+          <a:ln>
+            <a:noFill/>
+          </a:ln>
+        </p:spPr>
+        <p:style>
+          <a:lnRef idx="2">
+            <a:schemeClr val="accent1">
+              <a:shade val="50000"/>
+            </a:schemeClr>
+          </a:lnRef>
+          <a:fillRef idx="1">
+            <a:schemeClr val="accent1"/>
+          </a:fillRef>
+          <a:effectRef idx="0">
+            <a:schemeClr val="accent1"/>
+          </a:effectRef>
+          <a:fontRef idx="minor">
+            <a:schemeClr val="lt1"/>
+          </a:fontRef>
+        </p:style>
+        <p:txBody>
+          <a:bodyPr rtlCol="0" anchor="ctr"/>
+          <a:lstStyle/>
+          <a:p>
+            <a:pPr algn="ctr" rtl="0"/>
+            <a:endParaRPr lang="zh-CN" altLang="en-US" sz="1800" noProof="1">
+              <a:latin typeface="Microsoft YaHei UI" panose="020B0503020204020204" pitchFamily="34" charset="-122"/>
+            </a:endParaRPr>
+          </a:p>
+        </p:txBody>
+      </p:sp>
+      <p:sp>
+        <p:nvSpPr>
+          <p:cNvPr id="2" name="标题 1"/>
+          <p:cNvSpPr>
+            <a:spLocks noGrp="1"/>
+          </p:cNvSpPr>
+          <p:nvPr>
+            <p:ph type="title"/>
+          </p:nvPr>
+        </p:nvSpPr>
+        <p:spPr>
+          <a:xfrm>
+            <a:off x="609600" y="1"/>
+            <a:ext cx="10744200" cy="1228436"/>
+          </a:xfrm>
+        </p:spPr>
+        <p:txBody>
+          <a:bodyPr rtlCol="0" anchor="b">
+            <a:normAutofit/>
+          </a:bodyPr>
+          <a:lstStyle>
+            <a:lvl1pPr>
+              <a:defRPr sz="3600">
+                <a:solidFill>
+                  <a:schemeClr val="bg1"/>
+                </a:solidFill>
+              </a:defRPr>
+            </a:lvl1pPr>
+          </a:lstStyle>
+          <a:p>
+            <a:pPr rtl="0"/>
+            <a:r>
+              <a:rPr lang="zh-CN" altLang="en-US" noProof="1" smtClean="0"/>
+              <a:t>单击此处编辑母版标题样式</a:t>
+            </a:r>
+            <a:endParaRPr lang="zh-CN" altLang="en-US" noProof="1"/>
+          </a:p>
+        </p:txBody>
+      </p:sp>
+      <p:sp>
+        <p:nvSpPr>
+          <p:cNvPr id="3" name="竖排文字占位符 2"/>
+          <p:cNvSpPr>
+            <a:spLocks noGrp="1"/>
+          </p:cNvSpPr>
+          <p:nvPr>
+            <p:ph type="body" orient="vert" idx="1"/>
+          </p:nvPr>
+        </p:nvSpPr>
+        <p:spPr/>
+        <p:txBody>
+          <a:bodyPr vert="eaVert" rtlCol="0"/>
+          <a:lstStyle/>
+          <a:p>
+            <a:pPr lvl="0" rtl="0"/>
+            <a:r>
+              <a:rPr lang="zh-CN" altLang="en-US" noProof="1" smtClean="0"/>
+              <a:t>单击此处编辑母版文本样式</a:t>
+            </a:r>
+            <a:endParaRPr lang="zh-CN" altLang="en-US" noProof="1" smtClean="0"/>
+          </a:p>
+          <a:p>
+            <a:pPr lvl="1" rtl="0"/>
+            <a:r>
+              <a:rPr lang="zh-CN" altLang="en-US" noProof="1" smtClean="0"/>
+              <a:t>第二级</a:t>
+            </a:r>
+            <a:endParaRPr lang="zh-CN" altLang="en-US" noProof="1" smtClean="0"/>
+          </a:p>
+          <a:p>
+            <a:pPr lvl="2" rtl="0"/>
+            <a:r>
+              <a:rPr lang="zh-CN" altLang="en-US" noProof="1" smtClean="0"/>
+              <a:t>第三级</a:t>
+            </a:r>
+            <a:endParaRPr lang="zh-CN" altLang="en-US" noProof="1" smtClean="0"/>
+          </a:p>
+          <a:p>
+            <a:pPr lvl="3" rtl="0"/>
+            <a:r>
+              <a:rPr lang="zh-CN" altLang="en-US" noProof="1" smtClean="0"/>
+              <a:t>第四级</a:t>
+            </a:r>
+            <a:endParaRPr lang="zh-CN" altLang="en-US" noProof="1" smtClean="0"/>
+          </a:p>
+          <a:p>
+            <a:pPr lvl="4" rtl="0"/>
+            <a:r>
+              <a:rPr lang="zh-CN" altLang="en-US" noProof="1" smtClean="0"/>
+              <a:t>第五级</a:t>
+            </a:r>
+            <a:endParaRPr lang="zh-CN" altLang="en-US" noProof="1"/>
+          </a:p>
+        </p:txBody>
+      </p:sp>
+      <p:sp>
+        <p:nvSpPr>
+          <p:cNvPr id="4" name="日期占位符 3"/>
+          <p:cNvSpPr>
+            <a:spLocks noGrp="1"/>
+          </p:cNvSpPr>
+          <p:nvPr>
+            <p:ph type="dt" sz="half" idx="10"/>
+          </p:nvPr>
+        </p:nvSpPr>
+        <p:spPr/>
+        <p:txBody>
+          <a:bodyPr rtlCol="0"/>
+          <a:lstStyle/>
+          <a:p>
+            <a:pPr rtl="0"/>
+            <a:fld id="{35B5E890-9DB2-4D03-993B-73937DBB0595}" type="datetime1">
+              <a:rPr lang="zh-CN" altLang="en-US" noProof="1" smtClean="0"/>
+            </a:fld>
+            <a:endParaRPr lang="zh-CN" altLang="en-US" noProof="1"/>
+          </a:p>
+        </p:txBody>
+      </p:sp>
+      <p:sp>
+        <p:nvSpPr>
+          <p:cNvPr id="5" name="页脚占位符 4"/>
+          <p:cNvSpPr>
+            <a:spLocks noGrp="1"/>
+          </p:cNvSpPr>
+          <p:nvPr>
+            <p:ph type="ftr" sz="quarter" idx="11"/>
+          </p:nvPr>
+        </p:nvSpPr>
+        <p:spPr/>
+        <p:txBody>
+          <a:bodyPr rtlCol="0"/>
+          <a:lstStyle/>
+          <a:p>
+            <a:pPr rtl="0"/>
+            <a:endParaRPr lang="zh-CN" altLang="en-US" noProof="1"/>
+          </a:p>
+        </p:txBody>
+      </p:sp>
+      <p:sp>
+        <p:nvSpPr>
+          <p:cNvPr id="6" name="灯片编号占位符 5"/>
+          <p:cNvSpPr>
+            <a:spLocks noGrp="1"/>
+          </p:cNvSpPr>
+          <p:nvPr>
+            <p:ph type="sldNum" sz="quarter" idx="12"/>
+          </p:nvPr>
+        </p:nvSpPr>
+        <p:spPr/>
+        <p:txBody>
+          <a:bodyPr rtlCol="0"/>
+          <a:lstStyle/>
+          <a:p>
+            <a:pPr rtl="0"/>
+            <a:fld id="{9860EDB8-5305-433F-BE41-D7A86D811DB3}" type="slidenum">
+              <a:rPr lang="en-US" altLang="zh-CN" noProof="1" smtClean="0"/>
+            </a:fld>
+            <a:endParaRPr lang="zh-CN" altLang="en-US" noProof="1"/>
+          </a:p>
+        </p:txBody>
+      </p:sp>
+      <p:sp>
+        <p:nvSpPr>
+          <p:cNvPr id="8" name="矩形 7"/>
+          <p:cNvSpPr/>
+          <p:nvPr userDrawn="1"/>
+        </p:nvSpPr>
+        <p:spPr>
+          <a:xfrm>
+            <a:off x="0" y="0"/>
+            <a:ext cx="12192000" cy="1332854"/>
+          </a:xfrm>
+          <a:prstGeom prst="rect">
+            <a:avLst/>
+          </a:prstGeom>
+          <a:solidFill>
+            <a:srgbClr val="D24726"/>
+          </a:solidFill>
+          <a:ln>
+            <a:noFill/>
+          </a:ln>
+        </p:spPr>
+        <p:style>
+          <a:lnRef idx="2">
+            <a:schemeClr val="accent1">
+              <a:shade val="50000"/>
+            </a:schemeClr>
+          </a:lnRef>
+          <a:fillRef idx="1">
+            <a:schemeClr val="accent1"/>
+          </a:fillRef>
+          <a:effectRef idx="0">
+            <a:schemeClr val="accent1"/>
+          </a:effectRef>
+          <a:fontRef idx="minor">
+            <a:schemeClr val="lt1"/>
+          </a:fontRef>
+        </p:style>
+        <p:txBody>
+          <a:bodyPr rtlCol="0" anchor="ctr"/>
+          <a:lstStyle/>
+          <a:p>
+            <a:pPr algn="ctr" rtl="0"/>
+            <a:endParaRPr lang="zh-CN" altLang="en-US" sz="1800" noProof="1">
+              <a:latin typeface="Microsoft YaHei UI" panose="020B0503020204020204" pitchFamily="34" charset="-122"/>
+            </a:endParaRPr>
+          </a:p>
+        </p:txBody>
+      </p:sp>
+    </p:spTree>
+  </p:cSld>
+  <p:clrMapOvr>
+    <a:masterClrMapping/>
+  </p:clrMapOvr>
+</p:sldLayout>
+</file>
+
+<file path=ppt/slideLayouts/slideLayout11.xml><?xml version="1.0" encoding="utf-8"?>
+<p:sldLayout xmlns:a="http://schemas.openxmlformats.org/drawingml/2006/main" xmlns:r="http://schemas.openxmlformats.org/officeDocument/2006/relationships" xmlns:p="http://schemas.openxmlformats.org/presentationml/2006/main" type="vertTitleAndTx" preserve="1">
+  <p:cSld name="垂直排列标题与文本">
+    <p:spTree>
+      <p:nvGrpSpPr>
+        <p:cNvPr id="1" name=""/>
+        <p:cNvGrpSpPr/>
+        <p:nvPr/>
+      </p:nvGrpSpPr>
+      <p:grpSpPr>
+        <a:xfrm>
+          <a:off x="0" y="0"/>
+          <a:ext cx="0" cy="0"/>
+          <a:chOff x="0" y="0"/>
+          <a:chExt cx="0" cy="0"/>
+        </a:xfrm>
+      </p:grpSpPr>
+      <p:sp>
+        <p:nvSpPr>
+          <p:cNvPr id="7" name="长方形 6"/>
+          <p:cNvSpPr/>
+          <p:nvPr/>
+        </p:nvSpPr>
+        <p:spPr>
+          <a:xfrm>
+            <a:off x="10095346" y="0"/>
+            <a:ext cx="2096655" cy="6858000"/>
+          </a:xfrm>
+          <a:prstGeom prst="rect">
+            <a:avLst/>
+          </a:prstGeom>
+          <a:solidFill>
+            <a:srgbClr val="D24726"/>
+          </a:solidFill>
+          <a:ln>
+            <a:noFill/>
+          </a:ln>
+        </p:spPr>
+        <p:style>
+          <a:lnRef idx="2">
+            <a:schemeClr val="accent1">
+              <a:shade val="50000"/>
+            </a:schemeClr>
+          </a:lnRef>
+          <a:fillRef idx="1">
+            <a:schemeClr val="accent1"/>
+          </a:fillRef>
+          <a:effectRef idx="0">
+            <a:schemeClr val="accent1"/>
+          </a:effectRef>
+          <a:fontRef idx="minor">
+            <a:schemeClr val="lt1"/>
+          </a:fontRef>
+        </p:style>
+        <p:txBody>
+          <a:bodyPr rtlCol="0" anchor="ctr"/>
+          <a:lstStyle/>
+          <a:p>
+            <a:pPr algn="ctr" rtl="0"/>
+            <a:endParaRPr lang="zh-CN" altLang="en-US" sz="1800" noProof="1">
+              <a:latin typeface="Microsoft YaHei UI" panose="020B0503020204020204" pitchFamily="34" charset="-122"/>
+            </a:endParaRPr>
+          </a:p>
+        </p:txBody>
+      </p:sp>
+      <p:sp>
+        <p:nvSpPr>
+          <p:cNvPr id="2" name="垂直标题 1"/>
+          <p:cNvSpPr>
+            <a:spLocks noGrp="1"/>
+          </p:cNvSpPr>
+          <p:nvPr>
+            <p:ph type="title" orient="vert"/>
+          </p:nvPr>
+        </p:nvSpPr>
+        <p:spPr>
+          <a:xfrm>
+            <a:off x="10215419" y="365125"/>
+            <a:ext cx="1819564" cy="5811838"/>
+          </a:xfrm>
+        </p:spPr>
+        <p:txBody>
+          <a:bodyPr vert="eaVert" rtlCol="0" anchor="b">
+            <a:normAutofit/>
+          </a:bodyPr>
+          <a:lstStyle>
+            <a:lvl1pPr>
+              <a:defRPr sz="3600">
+                <a:solidFill>
+                  <a:schemeClr val="bg1"/>
+                </a:solidFill>
+              </a:defRPr>
+            </a:lvl1pPr>
+          </a:lstStyle>
+          <a:p>
+            <a:pPr rtl="0"/>
+            <a:r>
+              <a:rPr lang="zh-CN" altLang="en-US" noProof="1" smtClean="0"/>
+              <a:t>单击此处编辑母版标题样式</a:t>
+            </a:r>
+            <a:endParaRPr lang="zh-CN" altLang="en-US" noProof="1"/>
+          </a:p>
+        </p:txBody>
+      </p:sp>
+      <p:sp>
+        <p:nvSpPr>
+          <p:cNvPr id="3" name="垂直文本占位符 2"/>
+          <p:cNvSpPr>
+            <a:spLocks noGrp="1"/>
+          </p:cNvSpPr>
+          <p:nvPr>
+            <p:ph type="body" orient="vert" idx="1"/>
+          </p:nvPr>
+        </p:nvSpPr>
+        <p:spPr>
+          <a:xfrm>
+            <a:off x="838201" y="365125"/>
+            <a:ext cx="7734300" cy="5811838"/>
+          </a:xfrm>
+        </p:spPr>
+        <p:txBody>
+          <a:bodyPr vert="eaVert" rtlCol="0"/>
+          <a:lstStyle/>
+          <a:p>
+            <a:pPr lvl="0" rtl="0"/>
+            <a:r>
+              <a:rPr lang="zh-CN" altLang="en-US" noProof="1" smtClean="0"/>
+              <a:t>单击此处编辑母版文本样式</a:t>
+            </a:r>
+            <a:endParaRPr lang="zh-CN" altLang="en-US" noProof="1" smtClean="0"/>
+          </a:p>
+          <a:p>
+            <a:pPr lvl="1" rtl="0"/>
+            <a:r>
+              <a:rPr lang="zh-CN" altLang="en-US" noProof="1" smtClean="0"/>
+              <a:t>第二级</a:t>
+            </a:r>
+            <a:endParaRPr lang="zh-CN" altLang="en-US" noProof="1" smtClean="0"/>
+          </a:p>
+          <a:p>
+            <a:pPr lvl="2" rtl="0"/>
+            <a:r>
+              <a:rPr lang="zh-CN" altLang="en-US" noProof="1" smtClean="0"/>
+              <a:t>第三级</a:t>
+            </a:r>
+            <a:endParaRPr lang="zh-CN" altLang="en-US" noProof="1" smtClean="0"/>
+          </a:p>
+          <a:p>
+            <a:pPr lvl="3" rtl="0"/>
+            <a:r>
+              <a:rPr lang="zh-CN" altLang="en-US" noProof="1" smtClean="0"/>
+              <a:t>第四级</a:t>
+            </a:r>
+            <a:endParaRPr lang="zh-CN" altLang="en-US" noProof="1" smtClean="0"/>
+          </a:p>
+          <a:p>
+            <a:pPr lvl="4" rtl="0"/>
+            <a:r>
+              <a:rPr lang="zh-CN" altLang="en-US" noProof="1" smtClean="0"/>
+              <a:t>第五级</a:t>
+            </a:r>
+            <a:endParaRPr lang="zh-CN" altLang="en-US" noProof="1"/>
+          </a:p>
+        </p:txBody>
+      </p:sp>
+      <p:sp>
+        <p:nvSpPr>
+          <p:cNvPr id="4" name="日期占位符 3"/>
+          <p:cNvSpPr>
+            <a:spLocks noGrp="1"/>
+          </p:cNvSpPr>
+          <p:nvPr>
+            <p:ph type="dt" sz="half" idx="10"/>
+          </p:nvPr>
+        </p:nvSpPr>
+        <p:spPr/>
+        <p:txBody>
+          <a:bodyPr rtlCol="0"/>
+          <a:lstStyle/>
+          <a:p>
+            <a:pPr rtl="0"/>
+            <a:fld id="{9D0576C9-7BD5-416B-83A6-3A459F90841D}" type="datetime1">
+              <a:rPr lang="zh-CN" altLang="en-US" noProof="1" smtClean="0"/>
+            </a:fld>
+            <a:endParaRPr lang="zh-CN" altLang="en-US" noProof="1"/>
+          </a:p>
+        </p:txBody>
+      </p:sp>
+      <p:sp>
+        <p:nvSpPr>
+          <p:cNvPr id="5" name="页脚占位符 4"/>
+          <p:cNvSpPr>
+            <a:spLocks noGrp="1"/>
+          </p:cNvSpPr>
+          <p:nvPr>
+            <p:ph type="ftr" sz="quarter" idx="11"/>
+          </p:nvPr>
+        </p:nvSpPr>
+        <p:spPr/>
+        <p:txBody>
+          <a:bodyPr rtlCol="0"/>
+          <a:lstStyle/>
+          <a:p>
+            <a:pPr rtl="0"/>
+            <a:endParaRPr lang="zh-CN" altLang="en-US" noProof="1"/>
+          </a:p>
+        </p:txBody>
+      </p:sp>
+      <p:sp>
+        <p:nvSpPr>
+          <p:cNvPr id="6" name="灯片编号占位符 5"/>
+          <p:cNvSpPr>
+            <a:spLocks noGrp="1"/>
+          </p:cNvSpPr>
+          <p:nvPr>
+            <p:ph type="sldNum" sz="quarter" idx="12"/>
+          </p:nvPr>
+        </p:nvSpPr>
+        <p:spPr/>
+        <p:txBody>
+          <a:bodyPr rtlCol="0"/>
+          <a:lstStyle/>
+          <a:p>
+            <a:pPr rtl="0"/>
+            <a:fld id="{9860EDB8-5305-433F-BE41-D7A86D811DB3}" type="slidenum">
+              <a:rPr lang="en-US" altLang="zh-CN" noProof="1" smtClean="0"/>
+            </a:fld>
+            <a:endParaRPr lang="zh-CN" altLang="en-US" noProof="1"/>
+          </a:p>
+        </p:txBody>
+      </p:sp>
+      <p:sp>
+        <p:nvSpPr>
+          <p:cNvPr id="8" name="矩形 7"/>
+          <p:cNvSpPr/>
+          <p:nvPr userDrawn="1"/>
+        </p:nvSpPr>
+        <p:spPr>
+          <a:xfrm>
+            <a:off x="10095346" y="0"/>
+            <a:ext cx="2096655" cy="6858000"/>
           </a:xfrm>
           <a:prstGeom prst="rect">
             <a:avLst/>
@@ -2420,9 +2973,10 @@
           <a:p>
             <a:pPr rtl="0"/>
             <a:r>
-              <a:rPr lang="zh-CN" altLang="en-US" noProof="1"/>
+              <a:rPr lang="zh-CN" altLang="en-US" noProof="1" smtClean="0"/>
               <a:t>单击此处编辑母版标题样式</a:t>
             </a:r>
+            <a:endParaRPr lang="zh-CN" altLang="en-US" noProof="1"/>
           </a:p>
         </p:txBody>
       </p:sp>
@@ -2527,37 +3081,42 @@
           <a:p>
             <a:pPr lvl="0" rtl="0"/>
             <a:r>
-              <a:rPr lang="zh-CN" altLang="en-US" noProof="1"/>
+              <a:rPr lang="zh-CN" altLang="en-US" noProof="1" smtClean="0"/>
               <a:t>单击此处编辑母版文本样式</a:t>
             </a:r>
+            <a:endParaRPr lang="zh-CN" altLang="en-US" noProof="1" smtClean="0"/>
           </a:p>
           <a:p>
             <a:pPr lvl="1" rtl="0"/>
             <a:r>
-              <a:rPr lang="zh-CN" altLang="en-US" noProof="1"/>
+              <a:rPr lang="zh-CN" altLang="en-US" noProof="1" smtClean="0"/>
               <a:t>第二级</a:t>
             </a:r>
+            <a:endParaRPr lang="zh-CN" altLang="en-US" noProof="1" smtClean="0"/>
           </a:p>
           <a:p>
             <a:pPr lvl="2" rtl="0"/>
             <a:r>
-              <a:rPr lang="zh-CN" altLang="en-US" noProof="1"/>
+              <a:rPr lang="zh-CN" altLang="en-US" noProof="1" smtClean="0"/>
               <a:t>第三级</a:t>
             </a:r>
+            <a:endParaRPr lang="zh-CN" altLang="en-US" noProof="1" smtClean="0"/>
           </a:p>
           <a:p>
             <a:pPr lvl="3" rtl="0"/>
             <a:r>
-              <a:rPr lang="zh-CN" altLang="en-US" noProof="1"/>
+              <a:rPr lang="zh-CN" altLang="en-US" noProof="1" smtClean="0"/>
               <a:t>第四级</a:t>
             </a:r>
+            <a:endParaRPr lang="zh-CN" altLang="en-US" noProof="1" smtClean="0"/>
           </a:p>
           <a:p>
             <a:pPr lvl="4" rtl="0"/>
             <a:r>
-              <a:rPr lang="zh-CN" altLang="en-US" noProof="1"/>
+              <a:rPr lang="zh-CN" altLang="en-US" noProof="1" smtClean="0"/>
               <a:t>第五级</a:t>
             </a:r>
+            <a:endParaRPr lang="zh-CN" altLang="en-US" noProof="1"/>
           </a:p>
         </p:txBody>
       </p:sp>
@@ -2579,7 +3138,6 @@
             <a:pPr rtl="0"/>
             <a:fld id="{C40868EE-4DD7-413D-AE5E-83AF066BD7BC}" type="datetime1">
               <a:rPr lang="zh-CN" altLang="en-US" noProof="1" smtClean="0"/>
-              <a:t>2023/11/5</a:t>
             </a:fld>
             <a:endParaRPr lang="zh-CN" altLang="en-US" noProof="1"/>
           </a:p>
@@ -2623,7 +3181,6 @@
             <a:pPr rtl="0"/>
             <a:fld id="{9860EDB8-5305-433F-BE41-D7A86D811DB3}" type="slidenum">
               <a:rPr lang="en-US" altLang="zh-CN" noProof="1" smtClean="0"/>
-              <a:t>‹#›</a:t>
             </a:fld>
             <a:endParaRPr lang="zh-CN" altLang="en-US" noProof="1"/>
           </a:p>
@@ -2674,6 +3231,2400 @@
             <a:endParaRPr lang="zh-CN" altLang="en-US" sz="1800" noProof="1">
               <a:latin typeface="Microsoft YaHei UI" panose="020B0503020204020204" pitchFamily="34" charset="-122"/>
             </a:endParaRPr>
+          </a:p>
+        </p:txBody>
+      </p:sp>
+    </p:spTree>
+  </p:cSld>
+  <p:clrMapOvr>
+    <a:masterClrMapping/>
+  </p:clrMapOvr>
+</p:sldLayout>
+</file>
+
+<file path=ppt/slideLayouts/slideLayout3.xml><?xml version="1.0" encoding="utf-8"?>
+<p:sldLayout xmlns:a="http://schemas.openxmlformats.org/drawingml/2006/main" xmlns:r="http://schemas.openxmlformats.org/officeDocument/2006/relationships" xmlns:p="http://schemas.openxmlformats.org/presentationml/2006/main" type="secHead" preserve="1">
+  <p:cSld name="节标题">
+    <p:spTree>
+      <p:nvGrpSpPr>
+        <p:cNvPr id="1" name=""/>
+        <p:cNvGrpSpPr/>
+        <p:nvPr/>
+      </p:nvGrpSpPr>
+      <p:grpSpPr>
+        <a:xfrm>
+          <a:off x="0" y="0"/>
+          <a:ext cx="0" cy="0"/>
+          <a:chOff x="0" y="0"/>
+          <a:chExt cx="0" cy="0"/>
+        </a:xfrm>
+      </p:grpSpPr>
+      <p:sp>
+        <p:nvSpPr>
+          <p:cNvPr id="7" name="长方形 6"/>
+          <p:cNvSpPr/>
+          <p:nvPr/>
+        </p:nvSpPr>
+        <p:spPr>
+          <a:xfrm>
+            <a:off x="5656882" y="1709738"/>
+            <a:ext cx="6535119" cy="3575184"/>
+          </a:xfrm>
+          <a:prstGeom prst="rect">
+            <a:avLst/>
+          </a:prstGeom>
+          <a:solidFill>
+            <a:srgbClr val="D24726"/>
+          </a:solidFill>
+          <a:ln>
+            <a:noFill/>
+          </a:ln>
+        </p:spPr>
+        <p:style>
+          <a:lnRef idx="2">
+            <a:schemeClr val="accent1">
+              <a:shade val="50000"/>
+            </a:schemeClr>
+          </a:lnRef>
+          <a:fillRef idx="1">
+            <a:schemeClr val="accent1"/>
+          </a:fillRef>
+          <a:effectRef idx="0">
+            <a:schemeClr val="accent1"/>
+          </a:effectRef>
+          <a:fontRef idx="minor">
+            <a:schemeClr val="lt1"/>
+          </a:fontRef>
+        </p:style>
+        <p:txBody>
+          <a:bodyPr rtlCol="0" anchor="ctr"/>
+          <a:lstStyle/>
+          <a:p>
+            <a:pPr algn="ctr" rtl="0"/>
+            <a:endParaRPr lang="zh-CN" altLang="en-US" sz="1800" noProof="1">
+              <a:latin typeface="Microsoft YaHei UI" panose="020B0503020204020204" pitchFamily="34" charset="-122"/>
+            </a:endParaRPr>
+          </a:p>
+        </p:txBody>
+      </p:sp>
+      <p:sp>
+        <p:nvSpPr>
+          <p:cNvPr id="2" name="标题 1"/>
+          <p:cNvSpPr>
+            <a:spLocks noGrp="1"/>
+          </p:cNvSpPr>
+          <p:nvPr>
+            <p:ph type="title"/>
+          </p:nvPr>
+        </p:nvSpPr>
+        <p:spPr>
+          <a:xfrm>
+            <a:off x="838201" y="2402238"/>
+            <a:ext cx="4508715" cy="2187227"/>
+          </a:xfrm>
+        </p:spPr>
+        <p:txBody>
+          <a:bodyPr rtlCol="0" anchor="ctr">
+            <a:noAutofit/>
+          </a:bodyPr>
+          <a:lstStyle>
+            <a:lvl1pPr algn="l">
+              <a:defRPr sz="4800">
+                <a:solidFill>
+                  <a:srgbClr val="D24726"/>
+                </a:solidFill>
+              </a:defRPr>
+            </a:lvl1pPr>
+          </a:lstStyle>
+          <a:p>
+            <a:pPr rtl="0"/>
+            <a:r>
+              <a:rPr lang="zh-CN" altLang="en-US" noProof="1" smtClean="0"/>
+              <a:t>单击此处编辑母版标题样式</a:t>
+            </a:r>
+            <a:endParaRPr lang="zh-CN" altLang="en-US" noProof="1"/>
+          </a:p>
+        </p:txBody>
+      </p:sp>
+      <p:sp>
+        <p:nvSpPr>
+          <p:cNvPr id="3" name="文本占位符 2"/>
+          <p:cNvSpPr>
+            <a:spLocks noGrp="1"/>
+          </p:cNvSpPr>
+          <p:nvPr>
+            <p:ph type="body" idx="1"/>
+          </p:nvPr>
+        </p:nvSpPr>
+        <p:spPr>
+          <a:xfrm>
+            <a:off x="6323308" y="2402237"/>
+            <a:ext cx="5269424" cy="2187226"/>
+          </a:xfrm>
+        </p:spPr>
+        <p:txBody>
+          <a:bodyPr rtlCol="0" anchor="ctr">
+            <a:normAutofit/>
+          </a:bodyPr>
+          <a:lstStyle>
+            <a:lvl1pPr marL="0" indent="0">
+              <a:lnSpc>
+                <a:spcPct val="150000"/>
+              </a:lnSpc>
+              <a:buNone/>
+              <a:defRPr sz="2800">
+                <a:solidFill>
+                  <a:schemeClr val="bg1"/>
+                </a:solidFill>
+                <a:latin typeface="Microsoft YaHei UI" panose="020B0503020204020204" pitchFamily="34" charset="-122"/>
+              </a:defRPr>
+            </a:lvl1pPr>
+            <a:lvl2pPr marL="457200" indent="0">
+              <a:buNone/>
+              <a:defRPr sz="2000"/>
+            </a:lvl2pPr>
+            <a:lvl3pPr marL="914400" indent="0">
+              <a:buNone/>
+              <a:defRPr sz="1800"/>
+            </a:lvl3pPr>
+            <a:lvl4pPr marL="1371600" indent="0">
+              <a:buNone/>
+              <a:defRPr sz="1600"/>
+            </a:lvl4pPr>
+            <a:lvl5pPr marL="1828800" indent="0">
+              <a:buNone/>
+              <a:defRPr sz="1600"/>
+            </a:lvl5pPr>
+            <a:lvl6pPr marL="2286000" indent="0">
+              <a:buNone/>
+              <a:defRPr sz="1600"/>
+            </a:lvl6pPr>
+            <a:lvl7pPr marL="2743200" indent="0">
+              <a:buNone/>
+              <a:defRPr sz="1600"/>
+            </a:lvl7pPr>
+            <a:lvl8pPr marL="3200400" indent="0">
+              <a:buNone/>
+              <a:defRPr sz="1600"/>
+            </a:lvl8pPr>
+            <a:lvl9pPr marL="3657600" indent="0">
+              <a:buNone/>
+              <a:defRPr sz="1600"/>
+            </a:lvl9pPr>
+          </a:lstStyle>
+          <a:p>
+            <a:pPr lvl="0" rtl="0"/>
+            <a:r>
+              <a:rPr lang="zh-CN" altLang="en-US" noProof="1" smtClean="0"/>
+              <a:t>单击此处编辑母版文本样式</a:t>
+            </a:r>
+            <a:endParaRPr lang="zh-CN" altLang="en-US" noProof="1" smtClean="0"/>
+          </a:p>
+        </p:txBody>
+      </p:sp>
+      <p:sp>
+        <p:nvSpPr>
+          <p:cNvPr id="4" name="日期占位符 3"/>
+          <p:cNvSpPr>
+            <a:spLocks noGrp="1"/>
+          </p:cNvSpPr>
+          <p:nvPr>
+            <p:ph type="dt" sz="half" idx="10"/>
+          </p:nvPr>
+        </p:nvSpPr>
+        <p:spPr/>
+        <p:txBody>
+          <a:bodyPr rtlCol="0"/>
+          <a:lstStyle/>
+          <a:p>
+            <a:pPr rtl="0"/>
+            <a:fld id="{2AA32019-F8E6-4A76-935C-E3414CA717C6}" type="datetime1">
+              <a:rPr lang="zh-CN" altLang="en-US" noProof="1" smtClean="0"/>
+            </a:fld>
+            <a:endParaRPr lang="zh-CN" altLang="en-US" noProof="1"/>
+          </a:p>
+        </p:txBody>
+      </p:sp>
+      <p:sp>
+        <p:nvSpPr>
+          <p:cNvPr id="5" name="页脚占位符 4"/>
+          <p:cNvSpPr>
+            <a:spLocks noGrp="1"/>
+          </p:cNvSpPr>
+          <p:nvPr>
+            <p:ph type="ftr" sz="quarter" idx="11"/>
+          </p:nvPr>
+        </p:nvSpPr>
+        <p:spPr/>
+        <p:txBody>
+          <a:bodyPr rtlCol="0"/>
+          <a:lstStyle/>
+          <a:p>
+            <a:pPr rtl="0"/>
+            <a:endParaRPr lang="zh-CN" altLang="en-US" noProof="1"/>
+          </a:p>
+        </p:txBody>
+      </p:sp>
+      <p:sp>
+        <p:nvSpPr>
+          <p:cNvPr id="6" name="灯片编号占位符 5"/>
+          <p:cNvSpPr>
+            <a:spLocks noGrp="1"/>
+          </p:cNvSpPr>
+          <p:nvPr>
+            <p:ph type="sldNum" sz="quarter" idx="12"/>
+          </p:nvPr>
+        </p:nvSpPr>
+        <p:spPr/>
+        <p:txBody>
+          <a:bodyPr rtlCol="0"/>
+          <a:lstStyle/>
+          <a:p>
+            <a:pPr rtl="0"/>
+            <a:fld id="{9860EDB8-5305-433F-BE41-D7A86D811DB3}" type="slidenum">
+              <a:rPr lang="en-US" altLang="zh-CN" noProof="1" smtClean="0"/>
+            </a:fld>
+            <a:endParaRPr lang="zh-CN" altLang="en-US" noProof="1"/>
+          </a:p>
+        </p:txBody>
+      </p:sp>
+      <p:sp>
+        <p:nvSpPr>
+          <p:cNvPr id="8" name="长方形 7"/>
+          <p:cNvSpPr/>
+          <p:nvPr userDrawn="1"/>
+        </p:nvSpPr>
+        <p:spPr>
+          <a:xfrm>
+            <a:off x="5656882" y="1709738"/>
+            <a:ext cx="6535119" cy="3575184"/>
+          </a:xfrm>
+          <a:prstGeom prst="rect">
+            <a:avLst/>
+          </a:prstGeom>
+          <a:solidFill>
+            <a:srgbClr val="D24726"/>
+          </a:solidFill>
+          <a:ln>
+            <a:noFill/>
+          </a:ln>
+        </p:spPr>
+        <p:style>
+          <a:lnRef idx="2">
+            <a:schemeClr val="accent1">
+              <a:shade val="50000"/>
+            </a:schemeClr>
+          </a:lnRef>
+          <a:fillRef idx="1">
+            <a:schemeClr val="accent1"/>
+          </a:fillRef>
+          <a:effectRef idx="0">
+            <a:schemeClr val="accent1"/>
+          </a:effectRef>
+          <a:fontRef idx="minor">
+            <a:schemeClr val="lt1"/>
+          </a:fontRef>
+        </p:style>
+        <p:txBody>
+          <a:bodyPr rtlCol="0" anchor="ctr"/>
+          <a:lstStyle/>
+          <a:p>
+            <a:pPr algn="ctr" rtl="0"/>
+            <a:endParaRPr lang="zh-CN" altLang="en-US" sz="1800" noProof="1">
+              <a:latin typeface="Microsoft YaHei UI" panose="020B0503020204020204" pitchFamily="34" charset="-122"/>
+            </a:endParaRPr>
+          </a:p>
+        </p:txBody>
+      </p:sp>
+    </p:spTree>
+  </p:cSld>
+  <p:clrMapOvr>
+    <a:masterClrMapping/>
+  </p:clrMapOvr>
+</p:sldLayout>
+</file>
+
+<file path=ppt/slideLayouts/slideLayout4.xml><?xml version="1.0" encoding="utf-8"?>
+<p:sldLayout xmlns:a="http://schemas.openxmlformats.org/drawingml/2006/main" xmlns:r="http://schemas.openxmlformats.org/officeDocument/2006/relationships" xmlns:p="http://schemas.openxmlformats.org/presentationml/2006/main" type="twoObj" preserve="1">
+  <p:cSld name="两栏内容">
+    <p:spTree>
+      <p:nvGrpSpPr>
+        <p:cNvPr id="1" name=""/>
+        <p:cNvGrpSpPr/>
+        <p:nvPr/>
+      </p:nvGrpSpPr>
+      <p:grpSpPr>
+        <a:xfrm>
+          <a:off x="0" y="0"/>
+          <a:ext cx="0" cy="0"/>
+          <a:chOff x="0" y="0"/>
+          <a:chExt cx="0" cy="0"/>
+        </a:xfrm>
+      </p:grpSpPr>
+      <p:sp>
+        <p:nvSpPr>
+          <p:cNvPr id="8" name="长方形 7"/>
+          <p:cNvSpPr/>
+          <p:nvPr/>
+        </p:nvSpPr>
+        <p:spPr>
+          <a:xfrm>
+            <a:off x="0" y="0"/>
+            <a:ext cx="12192000" cy="1332854"/>
+          </a:xfrm>
+          <a:prstGeom prst="rect">
+            <a:avLst/>
+          </a:prstGeom>
+          <a:solidFill>
+            <a:srgbClr val="D24726"/>
+          </a:solidFill>
+          <a:ln>
+            <a:noFill/>
+          </a:ln>
+        </p:spPr>
+        <p:style>
+          <a:lnRef idx="2">
+            <a:schemeClr val="accent1">
+              <a:shade val="50000"/>
+            </a:schemeClr>
+          </a:lnRef>
+          <a:fillRef idx="1">
+            <a:schemeClr val="accent1"/>
+          </a:fillRef>
+          <a:effectRef idx="0">
+            <a:schemeClr val="accent1"/>
+          </a:effectRef>
+          <a:fontRef idx="minor">
+            <a:schemeClr val="lt1"/>
+          </a:fontRef>
+        </p:style>
+        <p:txBody>
+          <a:bodyPr rtlCol="0" anchor="ctr"/>
+          <a:lstStyle/>
+          <a:p>
+            <a:pPr algn="ctr" rtl="0"/>
+            <a:endParaRPr lang="zh-CN" altLang="en-US" sz="1800" noProof="1">
+              <a:latin typeface="Microsoft YaHei UI" panose="020B0503020204020204" pitchFamily="34" charset="-122"/>
+            </a:endParaRPr>
+          </a:p>
+        </p:txBody>
+      </p:sp>
+      <p:sp>
+        <p:nvSpPr>
+          <p:cNvPr id="2" name="标题 1"/>
+          <p:cNvSpPr>
+            <a:spLocks noGrp="1"/>
+          </p:cNvSpPr>
+          <p:nvPr>
+            <p:ph type="title"/>
+          </p:nvPr>
+        </p:nvSpPr>
+        <p:spPr>
+          <a:xfrm>
+            <a:off x="609600" y="1"/>
+            <a:ext cx="10744200" cy="1228436"/>
+          </a:xfrm>
+        </p:spPr>
+        <p:txBody>
+          <a:bodyPr rtlCol="0" anchor="b">
+            <a:normAutofit/>
+          </a:bodyPr>
+          <a:lstStyle>
+            <a:lvl1pPr>
+              <a:defRPr sz="3600">
+                <a:solidFill>
+                  <a:schemeClr val="bg1"/>
+                </a:solidFill>
+              </a:defRPr>
+            </a:lvl1pPr>
+          </a:lstStyle>
+          <a:p>
+            <a:pPr rtl="0"/>
+            <a:r>
+              <a:rPr lang="zh-CN" altLang="en-US" noProof="1" smtClean="0"/>
+              <a:t>单击此处编辑母版标题样式</a:t>
+            </a:r>
+            <a:endParaRPr lang="zh-CN" altLang="en-US" noProof="1"/>
+          </a:p>
+        </p:txBody>
+      </p:sp>
+      <p:sp>
+        <p:nvSpPr>
+          <p:cNvPr id="3" name="内容占位符 2"/>
+          <p:cNvSpPr>
+            <a:spLocks noGrp="1"/>
+          </p:cNvSpPr>
+          <p:nvPr>
+            <p:ph sz="half" idx="1"/>
+          </p:nvPr>
+        </p:nvSpPr>
+        <p:spPr>
+          <a:xfrm>
+            <a:off x="838200" y="1825625"/>
+            <a:ext cx="5181600" cy="4351338"/>
+          </a:xfrm>
+        </p:spPr>
+        <p:txBody>
+          <a:bodyPr vert="horz" lIns="91440" tIns="45720" rIns="91440" bIns="45720" rtlCol="0">
+            <a:normAutofit/>
+          </a:bodyPr>
+          <a:lstStyle>
+            <a:lvl1pPr>
+              <a:defRPr lang="en-US" sz="1600" smtClean="0">
+                <a:solidFill>
+                  <a:schemeClr val="bg1">
+                    <a:lumMod val="50000"/>
+                  </a:schemeClr>
+                </a:solidFill>
+              </a:defRPr>
+            </a:lvl1pPr>
+            <a:lvl2pPr>
+              <a:defRPr lang="en-US" sz="1400" smtClean="0">
+                <a:solidFill>
+                  <a:schemeClr val="bg1">
+                    <a:lumMod val="50000"/>
+                  </a:schemeClr>
+                </a:solidFill>
+              </a:defRPr>
+            </a:lvl2pPr>
+            <a:lvl3pPr>
+              <a:defRPr lang="en-US" sz="1200" smtClean="0">
+                <a:solidFill>
+                  <a:schemeClr val="bg1">
+                    <a:lumMod val="50000"/>
+                  </a:schemeClr>
+                </a:solidFill>
+              </a:defRPr>
+            </a:lvl3pPr>
+            <a:lvl4pPr>
+              <a:defRPr lang="en-US" sz="1100" smtClean="0">
+                <a:solidFill>
+                  <a:schemeClr val="bg1">
+                    <a:lumMod val="50000"/>
+                  </a:schemeClr>
+                </a:solidFill>
+              </a:defRPr>
+            </a:lvl4pPr>
+            <a:lvl5pPr>
+              <a:defRPr lang="en-US" sz="1100">
+                <a:solidFill>
+                  <a:schemeClr val="bg1">
+                    <a:lumMod val="50000"/>
+                  </a:schemeClr>
+                </a:solidFill>
+              </a:defRPr>
+            </a:lvl5pPr>
+          </a:lstStyle>
+          <a:p>
+            <a:pPr marL="0" lvl="0" indent="0" rtl="0">
+              <a:lnSpc>
+                <a:spcPct val="150000"/>
+              </a:lnSpc>
+              <a:spcAft>
+                <a:spcPts val="1200"/>
+              </a:spcAft>
+              <a:buNone/>
+            </a:pPr>
+            <a:r>
+              <a:rPr lang="zh-CN" altLang="en-US" noProof="1" smtClean="0"/>
+              <a:t>单击此处编辑母版文本样式</a:t>
+            </a:r>
+            <a:endParaRPr lang="zh-CN" altLang="en-US" noProof="1" smtClean="0"/>
+          </a:p>
+          <a:p>
+            <a:pPr marL="0" lvl="1" indent="0" rtl="0">
+              <a:lnSpc>
+                <a:spcPct val="150000"/>
+              </a:lnSpc>
+              <a:spcAft>
+                <a:spcPts val="1200"/>
+              </a:spcAft>
+              <a:buNone/>
+            </a:pPr>
+            <a:r>
+              <a:rPr lang="zh-CN" altLang="en-US" noProof="1" smtClean="0"/>
+              <a:t>第二级</a:t>
+            </a:r>
+            <a:endParaRPr lang="zh-CN" altLang="en-US" noProof="1" smtClean="0"/>
+          </a:p>
+          <a:p>
+            <a:pPr marL="0" lvl="2" indent="0" rtl="0">
+              <a:lnSpc>
+                <a:spcPct val="150000"/>
+              </a:lnSpc>
+              <a:spcAft>
+                <a:spcPts val="1200"/>
+              </a:spcAft>
+              <a:buNone/>
+            </a:pPr>
+            <a:r>
+              <a:rPr lang="zh-CN" altLang="en-US" noProof="1" smtClean="0"/>
+              <a:t>第三级</a:t>
+            </a:r>
+            <a:endParaRPr lang="zh-CN" altLang="en-US" noProof="1" smtClean="0"/>
+          </a:p>
+          <a:p>
+            <a:pPr marL="0" lvl="3" indent="0" rtl="0">
+              <a:lnSpc>
+                <a:spcPct val="150000"/>
+              </a:lnSpc>
+              <a:spcAft>
+                <a:spcPts val="1200"/>
+              </a:spcAft>
+              <a:buNone/>
+            </a:pPr>
+            <a:r>
+              <a:rPr lang="zh-CN" altLang="en-US" noProof="1" smtClean="0"/>
+              <a:t>第四级</a:t>
+            </a:r>
+            <a:endParaRPr lang="zh-CN" altLang="en-US" noProof="1" smtClean="0"/>
+          </a:p>
+          <a:p>
+            <a:pPr marL="0" lvl="4" indent="0" rtl="0">
+              <a:lnSpc>
+                <a:spcPct val="150000"/>
+              </a:lnSpc>
+              <a:spcAft>
+                <a:spcPts val="1200"/>
+              </a:spcAft>
+              <a:buNone/>
+            </a:pPr>
+            <a:r>
+              <a:rPr lang="zh-CN" altLang="en-US" noProof="1" smtClean="0"/>
+              <a:t>第五级</a:t>
+            </a:r>
+            <a:endParaRPr lang="zh-CN" altLang="en-US" noProof="1"/>
+          </a:p>
+        </p:txBody>
+      </p:sp>
+      <p:sp>
+        <p:nvSpPr>
+          <p:cNvPr id="4" name="内容占位符 3"/>
+          <p:cNvSpPr>
+            <a:spLocks noGrp="1"/>
+          </p:cNvSpPr>
+          <p:nvPr>
+            <p:ph sz="half" idx="2"/>
+          </p:nvPr>
+        </p:nvSpPr>
+        <p:spPr>
+          <a:xfrm>
+            <a:off x="6172200" y="1825625"/>
+            <a:ext cx="5181600" cy="4351338"/>
+          </a:xfrm>
+        </p:spPr>
+        <p:txBody>
+          <a:bodyPr vert="horz" lIns="91440" tIns="45720" rIns="91440" bIns="45720" rtlCol="0">
+            <a:normAutofit/>
+          </a:bodyPr>
+          <a:lstStyle>
+            <a:lvl1pPr>
+              <a:defRPr lang="en-US" sz="1600" smtClean="0">
+                <a:solidFill>
+                  <a:schemeClr val="bg1">
+                    <a:lumMod val="50000"/>
+                  </a:schemeClr>
+                </a:solidFill>
+              </a:defRPr>
+            </a:lvl1pPr>
+            <a:lvl2pPr>
+              <a:defRPr lang="en-US" sz="1400" smtClean="0">
+                <a:solidFill>
+                  <a:schemeClr val="bg1">
+                    <a:lumMod val="50000"/>
+                  </a:schemeClr>
+                </a:solidFill>
+              </a:defRPr>
+            </a:lvl2pPr>
+            <a:lvl3pPr>
+              <a:defRPr lang="en-US" sz="1200" smtClean="0">
+                <a:solidFill>
+                  <a:schemeClr val="bg1">
+                    <a:lumMod val="50000"/>
+                  </a:schemeClr>
+                </a:solidFill>
+              </a:defRPr>
+            </a:lvl3pPr>
+            <a:lvl4pPr>
+              <a:defRPr lang="en-US" sz="1100" smtClean="0">
+                <a:solidFill>
+                  <a:schemeClr val="bg1">
+                    <a:lumMod val="50000"/>
+                  </a:schemeClr>
+                </a:solidFill>
+              </a:defRPr>
+            </a:lvl4pPr>
+            <a:lvl5pPr>
+              <a:defRPr lang="en-US" sz="1100">
+                <a:solidFill>
+                  <a:schemeClr val="bg1">
+                    <a:lumMod val="50000"/>
+                  </a:schemeClr>
+                </a:solidFill>
+              </a:defRPr>
+            </a:lvl5pPr>
+          </a:lstStyle>
+          <a:p>
+            <a:pPr marL="0" lvl="0" indent="0" rtl="0">
+              <a:lnSpc>
+                <a:spcPct val="150000"/>
+              </a:lnSpc>
+              <a:spcAft>
+                <a:spcPts val="1200"/>
+              </a:spcAft>
+              <a:buNone/>
+            </a:pPr>
+            <a:r>
+              <a:rPr lang="zh-CN" altLang="en-US" noProof="1" smtClean="0"/>
+              <a:t>单击此处编辑母版文本样式</a:t>
+            </a:r>
+            <a:endParaRPr lang="zh-CN" altLang="en-US" noProof="1" smtClean="0"/>
+          </a:p>
+          <a:p>
+            <a:pPr marL="0" lvl="1" indent="0" rtl="0">
+              <a:lnSpc>
+                <a:spcPct val="150000"/>
+              </a:lnSpc>
+              <a:spcAft>
+                <a:spcPts val="1200"/>
+              </a:spcAft>
+              <a:buNone/>
+            </a:pPr>
+            <a:r>
+              <a:rPr lang="zh-CN" altLang="en-US" noProof="1" smtClean="0"/>
+              <a:t>第二级</a:t>
+            </a:r>
+            <a:endParaRPr lang="zh-CN" altLang="en-US" noProof="1" smtClean="0"/>
+          </a:p>
+          <a:p>
+            <a:pPr marL="0" lvl="2" indent="0" rtl="0">
+              <a:lnSpc>
+                <a:spcPct val="150000"/>
+              </a:lnSpc>
+              <a:spcAft>
+                <a:spcPts val="1200"/>
+              </a:spcAft>
+              <a:buNone/>
+            </a:pPr>
+            <a:r>
+              <a:rPr lang="zh-CN" altLang="en-US" noProof="1" smtClean="0"/>
+              <a:t>第三级</a:t>
+            </a:r>
+            <a:endParaRPr lang="zh-CN" altLang="en-US" noProof="1" smtClean="0"/>
+          </a:p>
+          <a:p>
+            <a:pPr marL="0" lvl="3" indent="0" rtl="0">
+              <a:lnSpc>
+                <a:spcPct val="150000"/>
+              </a:lnSpc>
+              <a:spcAft>
+                <a:spcPts val="1200"/>
+              </a:spcAft>
+              <a:buNone/>
+            </a:pPr>
+            <a:r>
+              <a:rPr lang="zh-CN" altLang="en-US" noProof="1" smtClean="0"/>
+              <a:t>第四级</a:t>
+            </a:r>
+            <a:endParaRPr lang="zh-CN" altLang="en-US" noProof="1" smtClean="0"/>
+          </a:p>
+          <a:p>
+            <a:pPr marL="0" lvl="4" indent="0" rtl="0">
+              <a:lnSpc>
+                <a:spcPct val="150000"/>
+              </a:lnSpc>
+              <a:spcAft>
+                <a:spcPts val="1200"/>
+              </a:spcAft>
+              <a:buNone/>
+            </a:pPr>
+            <a:r>
+              <a:rPr lang="zh-CN" altLang="en-US" noProof="1" smtClean="0"/>
+              <a:t>第五级</a:t>
+            </a:r>
+            <a:endParaRPr lang="zh-CN" altLang="en-US" noProof="1"/>
+          </a:p>
+        </p:txBody>
+      </p:sp>
+      <p:sp>
+        <p:nvSpPr>
+          <p:cNvPr id="5" name="日期占位符 4"/>
+          <p:cNvSpPr>
+            <a:spLocks noGrp="1"/>
+          </p:cNvSpPr>
+          <p:nvPr>
+            <p:ph type="dt" sz="half" idx="10"/>
+          </p:nvPr>
+        </p:nvSpPr>
+        <p:spPr/>
+        <p:txBody>
+          <a:bodyPr rtlCol="0"/>
+          <a:lstStyle/>
+          <a:p>
+            <a:pPr rtl="0"/>
+            <a:fld id="{56EF131C-040A-4332-8DFE-B61A7733D541}" type="datetime1">
+              <a:rPr lang="zh-CN" altLang="en-US" noProof="1" smtClean="0"/>
+            </a:fld>
+            <a:endParaRPr lang="zh-CN" altLang="en-US" noProof="1"/>
+          </a:p>
+        </p:txBody>
+      </p:sp>
+      <p:sp>
+        <p:nvSpPr>
+          <p:cNvPr id="6" name="页脚占位符 5"/>
+          <p:cNvSpPr>
+            <a:spLocks noGrp="1"/>
+          </p:cNvSpPr>
+          <p:nvPr>
+            <p:ph type="ftr" sz="quarter" idx="11"/>
+          </p:nvPr>
+        </p:nvSpPr>
+        <p:spPr/>
+        <p:txBody>
+          <a:bodyPr rtlCol="0"/>
+          <a:lstStyle/>
+          <a:p>
+            <a:pPr rtl="0"/>
+            <a:endParaRPr lang="zh-CN" altLang="en-US" noProof="1"/>
+          </a:p>
+        </p:txBody>
+      </p:sp>
+      <p:sp>
+        <p:nvSpPr>
+          <p:cNvPr id="7" name="灯片编号占位符 6"/>
+          <p:cNvSpPr>
+            <a:spLocks noGrp="1"/>
+          </p:cNvSpPr>
+          <p:nvPr>
+            <p:ph type="sldNum" sz="quarter" idx="12"/>
+          </p:nvPr>
+        </p:nvSpPr>
+        <p:spPr/>
+        <p:txBody>
+          <a:bodyPr rtlCol="0"/>
+          <a:lstStyle/>
+          <a:p>
+            <a:pPr rtl="0"/>
+            <a:fld id="{9860EDB8-5305-433F-BE41-D7A86D811DB3}" type="slidenum">
+              <a:rPr lang="en-US" altLang="zh-CN" noProof="1" smtClean="0"/>
+            </a:fld>
+            <a:endParaRPr lang="zh-CN" altLang="en-US" noProof="1"/>
+          </a:p>
+        </p:txBody>
+      </p:sp>
+      <p:sp>
+        <p:nvSpPr>
+          <p:cNvPr id="9" name="长方形 8"/>
+          <p:cNvSpPr/>
+          <p:nvPr userDrawn="1"/>
+        </p:nvSpPr>
+        <p:spPr>
+          <a:xfrm>
+            <a:off x="0" y="0"/>
+            <a:ext cx="12192000" cy="1332854"/>
+          </a:xfrm>
+          <a:prstGeom prst="rect">
+            <a:avLst/>
+          </a:prstGeom>
+          <a:solidFill>
+            <a:srgbClr val="D24726"/>
+          </a:solidFill>
+          <a:ln>
+            <a:noFill/>
+          </a:ln>
+        </p:spPr>
+        <p:style>
+          <a:lnRef idx="2">
+            <a:schemeClr val="accent1">
+              <a:shade val="50000"/>
+            </a:schemeClr>
+          </a:lnRef>
+          <a:fillRef idx="1">
+            <a:schemeClr val="accent1"/>
+          </a:fillRef>
+          <a:effectRef idx="0">
+            <a:schemeClr val="accent1"/>
+          </a:effectRef>
+          <a:fontRef idx="minor">
+            <a:schemeClr val="lt1"/>
+          </a:fontRef>
+        </p:style>
+        <p:txBody>
+          <a:bodyPr rtlCol="0" anchor="ctr"/>
+          <a:lstStyle/>
+          <a:p>
+            <a:pPr algn="ctr" rtl="0"/>
+            <a:endParaRPr lang="zh-CN" altLang="en-US" sz="1800" noProof="1">
+              <a:latin typeface="Microsoft YaHei UI" panose="020B0503020204020204" pitchFamily="34" charset="-122"/>
+            </a:endParaRPr>
+          </a:p>
+        </p:txBody>
+      </p:sp>
+    </p:spTree>
+  </p:cSld>
+  <p:clrMapOvr>
+    <a:masterClrMapping/>
+  </p:clrMapOvr>
+</p:sldLayout>
+</file>
+
+<file path=ppt/slideLayouts/slideLayout5.xml><?xml version="1.0" encoding="utf-8"?>
+<p:sldLayout xmlns:a="http://schemas.openxmlformats.org/drawingml/2006/main" xmlns:r="http://schemas.openxmlformats.org/officeDocument/2006/relationships" xmlns:p="http://schemas.openxmlformats.org/presentationml/2006/main" type="twoTxTwoObj" preserve="1">
+  <p:cSld name="比较">
+    <p:spTree>
+      <p:nvGrpSpPr>
+        <p:cNvPr id="1" name=""/>
+        <p:cNvGrpSpPr/>
+        <p:nvPr/>
+      </p:nvGrpSpPr>
+      <p:grpSpPr>
+        <a:xfrm>
+          <a:off x="0" y="0"/>
+          <a:ext cx="0" cy="0"/>
+          <a:chOff x="0" y="0"/>
+          <a:chExt cx="0" cy="0"/>
+        </a:xfrm>
+      </p:grpSpPr>
+      <p:sp>
+        <p:nvSpPr>
+          <p:cNvPr id="10" name="长方形 9"/>
+          <p:cNvSpPr/>
+          <p:nvPr/>
+        </p:nvSpPr>
+        <p:spPr>
+          <a:xfrm>
+            <a:off x="0" y="0"/>
+            <a:ext cx="12192000" cy="1332854"/>
+          </a:xfrm>
+          <a:prstGeom prst="rect">
+            <a:avLst/>
+          </a:prstGeom>
+          <a:solidFill>
+            <a:srgbClr val="D24726"/>
+          </a:solidFill>
+          <a:ln>
+            <a:noFill/>
+          </a:ln>
+        </p:spPr>
+        <p:style>
+          <a:lnRef idx="2">
+            <a:schemeClr val="accent1">
+              <a:shade val="50000"/>
+            </a:schemeClr>
+          </a:lnRef>
+          <a:fillRef idx="1">
+            <a:schemeClr val="accent1"/>
+          </a:fillRef>
+          <a:effectRef idx="0">
+            <a:schemeClr val="accent1"/>
+          </a:effectRef>
+          <a:fontRef idx="minor">
+            <a:schemeClr val="lt1"/>
+          </a:fontRef>
+        </p:style>
+        <p:txBody>
+          <a:bodyPr rtlCol="0" anchor="ctr"/>
+          <a:lstStyle/>
+          <a:p>
+            <a:pPr algn="ctr" rtl="0"/>
+            <a:endParaRPr lang="zh-CN" altLang="en-US" sz="1800" noProof="1">
+              <a:latin typeface="Microsoft YaHei UI" panose="020B0503020204020204" pitchFamily="34" charset="-122"/>
+            </a:endParaRPr>
+          </a:p>
+        </p:txBody>
+      </p:sp>
+      <p:sp>
+        <p:nvSpPr>
+          <p:cNvPr id="2" name="标题 1"/>
+          <p:cNvSpPr>
+            <a:spLocks noGrp="1"/>
+          </p:cNvSpPr>
+          <p:nvPr>
+            <p:ph type="title"/>
+          </p:nvPr>
+        </p:nvSpPr>
+        <p:spPr>
+          <a:xfrm>
+            <a:off x="609600" y="0"/>
+            <a:ext cx="10737851" cy="1228436"/>
+          </a:xfrm>
+        </p:spPr>
+        <p:txBody>
+          <a:bodyPr rtlCol="0" anchor="b">
+            <a:normAutofit/>
+          </a:bodyPr>
+          <a:lstStyle>
+            <a:lvl1pPr>
+              <a:defRPr sz="3600">
+                <a:solidFill>
+                  <a:schemeClr val="bg1"/>
+                </a:solidFill>
+              </a:defRPr>
+            </a:lvl1pPr>
+          </a:lstStyle>
+          <a:p>
+            <a:pPr rtl="0"/>
+            <a:r>
+              <a:rPr lang="zh-CN" altLang="en-US" noProof="1" smtClean="0"/>
+              <a:t>单击此处编辑母版标题样式</a:t>
+            </a:r>
+            <a:endParaRPr lang="zh-CN" altLang="en-US" noProof="1"/>
+          </a:p>
+        </p:txBody>
+      </p:sp>
+      <p:sp>
+        <p:nvSpPr>
+          <p:cNvPr id="3" name="文本占位符 2"/>
+          <p:cNvSpPr>
+            <a:spLocks noGrp="1"/>
+          </p:cNvSpPr>
+          <p:nvPr>
+            <p:ph type="body" idx="1"/>
+          </p:nvPr>
+        </p:nvSpPr>
+        <p:spPr>
+          <a:xfrm>
+            <a:off x="831851" y="1489075"/>
+            <a:ext cx="5156200" cy="641350"/>
+          </a:xfrm>
+        </p:spPr>
+        <p:txBody>
+          <a:bodyPr rtlCol="0" anchor="b"/>
+          <a:lstStyle>
+            <a:lvl1pPr marL="0" indent="0">
+              <a:buNone/>
+              <a:defRPr sz="2400" b="1"/>
+            </a:lvl1pPr>
+            <a:lvl2pPr marL="457200" indent="0">
+              <a:buNone/>
+              <a:defRPr sz="2000" b="1"/>
+            </a:lvl2pPr>
+            <a:lvl3pPr marL="914400" indent="0">
+              <a:buNone/>
+              <a:defRPr sz="1800" b="1"/>
+            </a:lvl3pPr>
+            <a:lvl4pPr marL="1371600" indent="0">
+              <a:buNone/>
+              <a:defRPr sz="1600" b="1"/>
+            </a:lvl4pPr>
+            <a:lvl5pPr marL="1828800" indent="0">
+              <a:buNone/>
+              <a:defRPr sz="1600" b="1"/>
+            </a:lvl5pPr>
+            <a:lvl6pPr marL="2286000" indent="0">
+              <a:buNone/>
+              <a:defRPr sz="1600" b="1"/>
+            </a:lvl6pPr>
+            <a:lvl7pPr marL="2743200" indent="0">
+              <a:buNone/>
+              <a:defRPr sz="1600" b="1"/>
+            </a:lvl7pPr>
+            <a:lvl8pPr marL="3200400" indent="0">
+              <a:buNone/>
+              <a:defRPr sz="1600" b="1"/>
+            </a:lvl8pPr>
+            <a:lvl9pPr marL="3657600" indent="0">
+              <a:buNone/>
+              <a:defRPr sz="1600" b="1"/>
+            </a:lvl9pPr>
+          </a:lstStyle>
+          <a:p>
+            <a:pPr lvl="0" rtl="0"/>
+            <a:r>
+              <a:rPr lang="zh-CN" altLang="en-US" noProof="1" smtClean="0"/>
+              <a:t>单击此处编辑母版文本样式</a:t>
+            </a:r>
+            <a:endParaRPr lang="zh-CN" altLang="en-US" noProof="1" smtClean="0"/>
+          </a:p>
+        </p:txBody>
+      </p:sp>
+      <p:sp>
+        <p:nvSpPr>
+          <p:cNvPr id="4" name="内容占位符 3"/>
+          <p:cNvSpPr>
+            <a:spLocks noGrp="1"/>
+          </p:cNvSpPr>
+          <p:nvPr>
+            <p:ph sz="half" idx="2"/>
+          </p:nvPr>
+        </p:nvSpPr>
+        <p:spPr>
+          <a:xfrm>
+            <a:off x="831851" y="2193927"/>
+            <a:ext cx="5156200" cy="3978275"/>
+          </a:xfrm>
+        </p:spPr>
+        <p:txBody>
+          <a:bodyPr vert="horz" lIns="91440" tIns="45720" rIns="91440" bIns="45720" rtlCol="0">
+            <a:normAutofit/>
+          </a:bodyPr>
+          <a:lstStyle>
+            <a:lvl1pPr>
+              <a:defRPr lang="en-US" sz="1600" smtClean="0">
+                <a:solidFill>
+                  <a:schemeClr val="bg1">
+                    <a:lumMod val="50000"/>
+                  </a:schemeClr>
+                </a:solidFill>
+              </a:defRPr>
+            </a:lvl1pPr>
+            <a:lvl2pPr>
+              <a:defRPr lang="en-US" sz="1400" smtClean="0">
+                <a:solidFill>
+                  <a:schemeClr val="bg1">
+                    <a:lumMod val="50000"/>
+                  </a:schemeClr>
+                </a:solidFill>
+              </a:defRPr>
+            </a:lvl2pPr>
+            <a:lvl3pPr>
+              <a:defRPr lang="en-US" sz="1200" smtClean="0">
+                <a:solidFill>
+                  <a:schemeClr val="bg1">
+                    <a:lumMod val="50000"/>
+                  </a:schemeClr>
+                </a:solidFill>
+              </a:defRPr>
+            </a:lvl3pPr>
+            <a:lvl4pPr>
+              <a:defRPr lang="en-US" sz="1100" smtClean="0">
+                <a:solidFill>
+                  <a:schemeClr val="bg1">
+                    <a:lumMod val="50000"/>
+                  </a:schemeClr>
+                </a:solidFill>
+              </a:defRPr>
+            </a:lvl4pPr>
+            <a:lvl5pPr>
+              <a:defRPr lang="en-US" sz="1100">
+                <a:solidFill>
+                  <a:schemeClr val="bg1">
+                    <a:lumMod val="50000"/>
+                  </a:schemeClr>
+                </a:solidFill>
+              </a:defRPr>
+            </a:lvl5pPr>
+          </a:lstStyle>
+          <a:p>
+            <a:pPr marL="0" lvl="0" indent="0" rtl="0">
+              <a:lnSpc>
+                <a:spcPct val="150000"/>
+              </a:lnSpc>
+              <a:spcAft>
+                <a:spcPts val="1200"/>
+              </a:spcAft>
+              <a:buNone/>
+            </a:pPr>
+            <a:r>
+              <a:rPr lang="zh-CN" altLang="en-US" noProof="1" smtClean="0"/>
+              <a:t>单击此处编辑母版文本样式</a:t>
+            </a:r>
+            <a:endParaRPr lang="zh-CN" altLang="en-US" noProof="1" smtClean="0"/>
+          </a:p>
+          <a:p>
+            <a:pPr marL="0" lvl="1" indent="0" rtl="0">
+              <a:lnSpc>
+                <a:spcPct val="150000"/>
+              </a:lnSpc>
+              <a:spcAft>
+                <a:spcPts val="1200"/>
+              </a:spcAft>
+              <a:buNone/>
+            </a:pPr>
+            <a:r>
+              <a:rPr lang="zh-CN" altLang="en-US" noProof="1" smtClean="0"/>
+              <a:t>第二级</a:t>
+            </a:r>
+            <a:endParaRPr lang="zh-CN" altLang="en-US" noProof="1" smtClean="0"/>
+          </a:p>
+          <a:p>
+            <a:pPr marL="0" lvl="2" indent="0" rtl="0">
+              <a:lnSpc>
+                <a:spcPct val="150000"/>
+              </a:lnSpc>
+              <a:spcAft>
+                <a:spcPts val="1200"/>
+              </a:spcAft>
+              <a:buNone/>
+            </a:pPr>
+            <a:r>
+              <a:rPr lang="zh-CN" altLang="en-US" noProof="1" smtClean="0"/>
+              <a:t>第三级</a:t>
+            </a:r>
+            <a:endParaRPr lang="zh-CN" altLang="en-US" noProof="1" smtClean="0"/>
+          </a:p>
+          <a:p>
+            <a:pPr marL="0" lvl="3" indent="0" rtl="0">
+              <a:lnSpc>
+                <a:spcPct val="150000"/>
+              </a:lnSpc>
+              <a:spcAft>
+                <a:spcPts val="1200"/>
+              </a:spcAft>
+              <a:buNone/>
+            </a:pPr>
+            <a:r>
+              <a:rPr lang="zh-CN" altLang="en-US" noProof="1" smtClean="0"/>
+              <a:t>第四级</a:t>
+            </a:r>
+            <a:endParaRPr lang="zh-CN" altLang="en-US" noProof="1" smtClean="0"/>
+          </a:p>
+          <a:p>
+            <a:pPr marL="0" lvl="4" indent="0" rtl="0">
+              <a:lnSpc>
+                <a:spcPct val="150000"/>
+              </a:lnSpc>
+              <a:spcAft>
+                <a:spcPts val="1200"/>
+              </a:spcAft>
+              <a:buNone/>
+            </a:pPr>
+            <a:r>
+              <a:rPr lang="zh-CN" altLang="en-US" noProof="1" smtClean="0"/>
+              <a:t>第五级</a:t>
+            </a:r>
+            <a:endParaRPr lang="zh-CN" altLang="en-US" noProof="1"/>
+          </a:p>
+        </p:txBody>
+      </p:sp>
+      <p:sp>
+        <p:nvSpPr>
+          <p:cNvPr id="5" name="文本占位符 4"/>
+          <p:cNvSpPr>
+            <a:spLocks noGrp="1"/>
+          </p:cNvSpPr>
+          <p:nvPr>
+            <p:ph type="body" sz="quarter" idx="3"/>
+          </p:nvPr>
+        </p:nvSpPr>
+        <p:spPr>
+          <a:xfrm>
+            <a:off x="6189664" y="1489075"/>
+            <a:ext cx="5157787" cy="641350"/>
+          </a:xfrm>
+        </p:spPr>
+        <p:txBody>
+          <a:bodyPr rtlCol="0" anchor="b"/>
+          <a:lstStyle>
+            <a:lvl1pPr marL="0" indent="0">
+              <a:buNone/>
+              <a:defRPr sz="2400" b="1"/>
+            </a:lvl1pPr>
+            <a:lvl2pPr marL="457200" indent="0">
+              <a:buNone/>
+              <a:defRPr sz="2000" b="1"/>
+            </a:lvl2pPr>
+            <a:lvl3pPr marL="914400" indent="0">
+              <a:buNone/>
+              <a:defRPr sz="1800" b="1"/>
+            </a:lvl3pPr>
+            <a:lvl4pPr marL="1371600" indent="0">
+              <a:buNone/>
+              <a:defRPr sz="1600" b="1"/>
+            </a:lvl4pPr>
+            <a:lvl5pPr marL="1828800" indent="0">
+              <a:buNone/>
+              <a:defRPr sz="1600" b="1"/>
+            </a:lvl5pPr>
+            <a:lvl6pPr marL="2286000" indent="0">
+              <a:buNone/>
+              <a:defRPr sz="1600" b="1"/>
+            </a:lvl6pPr>
+            <a:lvl7pPr marL="2743200" indent="0">
+              <a:buNone/>
+              <a:defRPr sz="1600" b="1"/>
+            </a:lvl7pPr>
+            <a:lvl8pPr marL="3200400" indent="0">
+              <a:buNone/>
+              <a:defRPr sz="1600" b="1"/>
+            </a:lvl8pPr>
+            <a:lvl9pPr marL="3657600" indent="0">
+              <a:buNone/>
+              <a:defRPr sz="1600" b="1"/>
+            </a:lvl9pPr>
+          </a:lstStyle>
+          <a:p>
+            <a:pPr lvl="0" rtl="0"/>
+            <a:r>
+              <a:rPr lang="zh-CN" altLang="en-US" noProof="1" smtClean="0"/>
+              <a:t>单击此处编辑母版文本样式</a:t>
+            </a:r>
+            <a:endParaRPr lang="zh-CN" altLang="en-US" noProof="1" smtClean="0"/>
+          </a:p>
+        </p:txBody>
+      </p:sp>
+      <p:sp>
+        <p:nvSpPr>
+          <p:cNvPr id="6" name="内容占位符 5"/>
+          <p:cNvSpPr>
+            <a:spLocks noGrp="1"/>
+          </p:cNvSpPr>
+          <p:nvPr>
+            <p:ph sz="quarter" idx="4"/>
+          </p:nvPr>
+        </p:nvSpPr>
+        <p:spPr>
+          <a:xfrm>
+            <a:off x="6189664" y="2193927"/>
+            <a:ext cx="5157787" cy="3978275"/>
+          </a:xfrm>
+        </p:spPr>
+        <p:txBody>
+          <a:bodyPr vert="horz" lIns="91440" tIns="45720" rIns="91440" bIns="45720" rtlCol="0">
+            <a:normAutofit/>
+          </a:bodyPr>
+          <a:lstStyle>
+            <a:lvl1pPr>
+              <a:defRPr lang="en-US" sz="1600" smtClean="0">
+                <a:solidFill>
+                  <a:schemeClr val="bg1">
+                    <a:lumMod val="50000"/>
+                  </a:schemeClr>
+                </a:solidFill>
+              </a:defRPr>
+            </a:lvl1pPr>
+            <a:lvl2pPr>
+              <a:defRPr lang="en-US" sz="1400" smtClean="0">
+                <a:solidFill>
+                  <a:schemeClr val="bg1">
+                    <a:lumMod val="50000"/>
+                  </a:schemeClr>
+                </a:solidFill>
+              </a:defRPr>
+            </a:lvl2pPr>
+            <a:lvl3pPr>
+              <a:defRPr lang="en-US" sz="1200" smtClean="0">
+                <a:solidFill>
+                  <a:schemeClr val="bg1">
+                    <a:lumMod val="50000"/>
+                  </a:schemeClr>
+                </a:solidFill>
+              </a:defRPr>
+            </a:lvl3pPr>
+            <a:lvl4pPr>
+              <a:defRPr lang="en-US" sz="1100" smtClean="0">
+                <a:solidFill>
+                  <a:schemeClr val="bg1">
+                    <a:lumMod val="50000"/>
+                  </a:schemeClr>
+                </a:solidFill>
+              </a:defRPr>
+            </a:lvl4pPr>
+            <a:lvl5pPr>
+              <a:defRPr lang="en-US" sz="1100">
+                <a:solidFill>
+                  <a:schemeClr val="bg1">
+                    <a:lumMod val="50000"/>
+                  </a:schemeClr>
+                </a:solidFill>
+              </a:defRPr>
+            </a:lvl5pPr>
+          </a:lstStyle>
+          <a:p>
+            <a:pPr marL="0" lvl="0" indent="0" rtl="0">
+              <a:lnSpc>
+                <a:spcPct val="150000"/>
+              </a:lnSpc>
+              <a:spcAft>
+                <a:spcPts val="1200"/>
+              </a:spcAft>
+              <a:buNone/>
+            </a:pPr>
+            <a:r>
+              <a:rPr lang="zh-CN" altLang="en-US" noProof="1" smtClean="0"/>
+              <a:t>单击此处编辑母版文本样式</a:t>
+            </a:r>
+            <a:endParaRPr lang="zh-CN" altLang="en-US" noProof="1" smtClean="0"/>
+          </a:p>
+          <a:p>
+            <a:pPr marL="0" lvl="1" indent="0" rtl="0">
+              <a:lnSpc>
+                <a:spcPct val="150000"/>
+              </a:lnSpc>
+              <a:spcAft>
+                <a:spcPts val="1200"/>
+              </a:spcAft>
+              <a:buNone/>
+            </a:pPr>
+            <a:r>
+              <a:rPr lang="zh-CN" altLang="en-US" noProof="1" smtClean="0"/>
+              <a:t>第二级</a:t>
+            </a:r>
+            <a:endParaRPr lang="zh-CN" altLang="en-US" noProof="1" smtClean="0"/>
+          </a:p>
+          <a:p>
+            <a:pPr marL="0" lvl="2" indent="0" rtl="0">
+              <a:lnSpc>
+                <a:spcPct val="150000"/>
+              </a:lnSpc>
+              <a:spcAft>
+                <a:spcPts val="1200"/>
+              </a:spcAft>
+              <a:buNone/>
+            </a:pPr>
+            <a:r>
+              <a:rPr lang="zh-CN" altLang="en-US" noProof="1" smtClean="0"/>
+              <a:t>第三级</a:t>
+            </a:r>
+            <a:endParaRPr lang="zh-CN" altLang="en-US" noProof="1" smtClean="0"/>
+          </a:p>
+          <a:p>
+            <a:pPr marL="0" lvl="3" indent="0" rtl="0">
+              <a:lnSpc>
+                <a:spcPct val="150000"/>
+              </a:lnSpc>
+              <a:spcAft>
+                <a:spcPts val="1200"/>
+              </a:spcAft>
+              <a:buNone/>
+            </a:pPr>
+            <a:r>
+              <a:rPr lang="zh-CN" altLang="en-US" noProof="1" smtClean="0"/>
+              <a:t>第四级</a:t>
+            </a:r>
+            <a:endParaRPr lang="zh-CN" altLang="en-US" noProof="1" smtClean="0"/>
+          </a:p>
+          <a:p>
+            <a:pPr marL="0" lvl="4" indent="0" rtl="0">
+              <a:lnSpc>
+                <a:spcPct val="150000"/>
+              </a:lnSpc>
+              <a:spcAft>
+                <a:spcPts val="1200"/>
+              </a:spcAft>
+              <a:buNone/>
+            </a:pPr>
+            <a:r>
+              <a:rPr lang="zh-CN" altLang="en-US" noProof="1" smtClean="0"/>
+              <a:t>第五级</a:t>
+            </a:r>
+            <a:endParaRPr lang="zh-CN" altLang="en-US" noProof="1"/>
+          </a:p>
+        </p:txBody>
+      </p:sp>
+      <p:sp>
+        <p:nvSpPr>
+          <p:cNvPr id="7" name="日期占位符 6"/>
+          <p:cNvSpPr>
+            <a:spLocks noGrp="1"/>
+          </p:cNvSpPr>
+          <p:nvPr>
+            <p:ph type="dt" sz="half" idx="10"/>
+          </p:nvPr>
+        </p:nvSpPr>
+        <p:spPr/>
+        <p:txBody>
+          <a:bodyPr rtlCol="0"/>
+          <a:lstStyle/>
+          <a:p>
+            <a:pPr rtl="0"/>
+            <a:fld id="{7FEA2BFA-CB66-4899-A909-CE035F82A1F8}" type="datetime1">
+              <a:rPr lang="zh-CN" altLang="en-US" noProof="1" smtClean="0"/>
+            </a:fld>
+            <a:endParaRPr lang="zh-CN" altLang="en-US" noProof="1"/>
+          </a:p>
+        </p:txBody>
+      </p:sp>
+      <p:sp>
+        <p:nvSpPr>
+          <p:cNvPr id="8" name="页脚占位符 7"/>
+          <p:cNvSpPr>
+            <a:spLocks noGrp="1"/>
+          </p:cNvSpPr>
+          <p:nvPr>
+            <p:ph type="ftr" sz="quarter" idx="11"/>
+          </p:nvPr>
+        </p:nvSpPr>
+        <p:spPr/>
+        <p:txBody>
+          <a:bodyPr rtlCol="0"/>
+          <a:lstStyle/>
+          <a:p>
+            <a:pPr rtl="0"/>
+            <a:endParaRPr lang="zh-CN" altLang="en-US" noProof="1"/>
+          </a:p>
+        </p:txBody>
+      </p:sp>
+      <p:sp>
+        <p:nvSpPr>
+          <p:cNvPr id="9" name="灯片编号占位符 8"/>
+          <p:cNvSpPr>
+            <a:spLocks noGrp="1"/>
+          </p:cNvSpPr>
+          <p:nvPr>
+            <p:ph type="sldNum" sz="quarter" idx="12"/>
+          </p:nvPr>
+        </p:nvSpPr>
+        <p:spPr/>
+        <p:txBody>
+          <a:bodyPr rtlCol="0"/>
+          <a:lstStyle/>
+          <a:p>
+            <a:pPr rtl="0"/>
+            <a:fld id="{9860EDB8-5305-433F-BE41-D7A86D811DB3}" type="slidenum">
+              <a:rPr lang="en-US" altLang="zh-CN" noProof="1" smtClean="0"/>
+            </a:fld>
+            <a:endParaRPr lang="zh-CN" altLang="en-US" noProof="1"/>
+          </a:p>
+        </p:txBody>
+      </p:sp>
+      <p:sp>
+        <p:nvSpPr>
+          <p:cNvPr id="11" name="长方形 10"/>
+          <p:cNvSpPr/>
+          <p:nvPr userDrawn="1"/>
+        </p:nvSpPr>
+        <p:spPr>
+          <a:xfrm>
+            <a:off x="0" y="0"/>
+            <a:ext cx="12192000" cy="1332854"/>
+          </a:xfrm>
+          <a:prstGeom prst="rect">
+            <a:avLst/>
+          </a:prstGeom>
+          <a:solidFill>
+            <a:srgbClr val="D24726"/>
+          </a:solidFill>
+          <a:ln>
+            <a:noFill/>
+          </a:ln>
+        </p:spPr>
+        <p:style>
+          <a:lnRef idx="2">
+            <a:schemeClr val="accent1">
+              <a:shade val="50000"/>
+            </a:schemeClr>
+          </a:lnRef>
+          <a:fillRef idx="1">
+            <a:schemeClr val="accent1"/>
+          </a:fillRef>
+          <a:effectRef idx="0">
+            <a:schemeClr val="accent1"/>
+          </a:effectRef>
+          <a:fontRef idx="minor">
+            <a:schemeClr val="lt1"/>
+          </a:fontRef>
+        </p:style>
+        <p:txBody>
+          <a:bodyPr rtlCol="0" anchor="ctr"/>
+          <a:lstStyle/>
+          <a:p>
+            <a:pPr algn="ctr" rtl="0"/>
+            <a:endParaRPr lang="zh-CN" altLang="en-US" sz="1800" noProof="1">
+              <a:latin typeface="Microsoft YaHei UI" panose="020B0503020204020204" pitchFamily="34" charset="-122"/>
+            </a:endParaRPr>
+          </a:p>
+        </p:txBody>
+      </p:sp>
+    </p:spTree>
+  </p:cSld>
+  <p:clrMapOvr>
+    <a:masterClrMapping/>
+  </p:clrMapOvr>
+</p:sldLayout>
+</file>
+
+<file path=ppt/slideLayouts/slideLayout6.xml><?xml version="1.0" encoding="utf-8"?>
+<p:sldLayout xmlns:a="http://schemas.openxmlformats.org/drawingml/2006/main" xmlns:r="http://schemas.openxmlformats.org/officeDocument/2006/relationships" xmlns:p="http://schemas.openxmlformats.org/presentationml/2006/main" type="titleOnly" preserve="1">
+  <p:cSld name="仅标题">
+    <p:spTree>
+      <p:nvGrpSpPr>
+        <p:cNvPr id="1" name=""/>
+        <p:cNvGrpSpPr/>
+        <p:nvPr/>
+      </p:nvGrpSpPr>
+      <p:grpSpPr>
+        <a:xfrm>
+          <a:off x="0" y="0"/>
+          <a:ext cx="0" cy="0"/>
+          <a:chOff x="0" y="0"/>
+          <a:chExt cx="0" cy="0"/>
+        </a:xfrm>
+      </p:grpSpPr>
+      <p:sp>
+        <p:nvSpPr>
+          <p:cNvPr id="6" name="长方形 5"/>
+          <p:cNvSpPr/>
+          <p:nvPr/>
+        </p:nvSpPr>
+        <p:spPr>
+          <a:xfrm>
+            <a:off x="0" y="0"/>
+            <a:ext cx="12192000" cy="1332854"/>
+          </a:xfrm>
+          <a:prstGeom prst="rect">
+            <a:avLst/>
+          </a:prstGeom>
+          <a:solidFill>
+            <a:srgbClr val="D24726"/>
+          </a:solidFill>
+          <a:ln>
+            <a:noFill/>
+          </a:ln>
+        </p:spPr>
+        <p:style>
+          <a:lnRef idx="2">
+            <a:schemeClr val="accent1">
+              <a:shade val="50000"/>
+            </a:schemeClr>
+          </a:lnRef>
+          <a:fillRef idx="1">
+            <a:schemeClr val="accent1"/>
+          </a:fillRef>
+          <a:effectRef idx="0">
+            <a:schemeClr val="accent1"/>
+          </a:effectRef>
+          <a:fontRef idx="minor">
+            <a:schemeClr val="lt1"/>
+          </a:fontRef>
+        </p:style>
+        <p:txBody>
+          <a:bodyPr rtlCol="0" anchor="ctr"/>
+          <a:lstStyle/>
+          <a:p>
+            <a:pPr algn="ctr" rtl="0"/>
+            <a:endParaRPr lang="zh-CN" altLang="en-US" sz="1800" noProof="1">
+              <a:latin typeface="Microsoft YaHei UI" panose="020B0503020204020204" pitchFamily="34" charset="-122"/>
+            </a:endParaRPr>
+          </a:p>
+        </p:txBody>
+      </p:sp>
+      <p:sp>
+        <p:nvSpPr>
+          <p:cNvPr id="2" name="标题 1"/>
+          <p:cNvSpPr>
+            <a:spLocks noGrp="1"/>
+          </p:cNvSpPr>
+          <p:nvPr>
+            <p:ph type="title"/>
+          </p:nvPr>
+        </p:nvSpPr>
+        <p:spPr>
+          <a:xfrm>
+            <a:off x="609600" y="1"/>
+            <a:ext cx="10744200" cy="1228436"/>
+          </a:xfrm>
+        </p:spPr>
+        <p:txBody>
+          <a:bodyPr rtlCol="0" anchor="b">
+            <a:normAutofit/>
+          </a:bodyPr>
+          <a:lstStyle>
+            <a:lvl1pPr>
+              <a:defRPr sz="3600">
+                <a:solidFill>
+                  <a:schemeClr val="bg1"/>
+                </a:solidFill>
+              </a:defRPr>
+            </a:lvl1pPr>
+          </a:lstStyle>
+          <a:p>
+            <a:pPr rtl="0"/>
+            <a:r>
+              <a:rPr lang="zh-CN" altLang="en-US" noProof="1" smtClean="0"/>
+              <a:t>单击此处编辑母版标题样式</a:t>
+            </a:r>
+            <a:endParaRPr lang="zh-CN" altLang="en-US" noProof="1"/>
+          </a:p>
+        </p:txBody>
+      </p:sp>
+      <p:sp>
+        <p:nvSpPr>
+          <p:cNvPr id="3" name="日期占位符 2"/>
+          <p:cNvSpPr>
+            <a:spLocks noGrp="1"/>
+          </p:cNvSpPr>
+          <p:nvPr>
+            <p:ph type="dt" sz="half" idx="10"/>
+          </p:nvPr>
+        </p:nvSpPr>
+        <p:spPr/>
+        <p:txBody>
+          <a:bodyPr rtlCol="0"/>
+          <a:lstStyle/>
+          <a:p>
+            <a:pPr rtl="0"/>
+            <a:fld id="{60DE7923-DB5B-40E6-9799-766ACDC7575D}" type="datetime1">
+              <a:rPr lang="zh-CN" altLang="en-US" noProof="1" smtClean="0"/>
+            </a:fld>
+            <a:endParaRPr lang="zh-CN" altLang="en-US" noProof="1"/>
+          </a:p>
+        </p:txBody>
+      </p:sp>
+      <p:sp>
+        <p:nvSpPr>
+          <p:cNvPr id="4" name="页脚占位符 3"/>
+          <p:cNvSpPr>
+            <a:spLocks noGrp="1"/>
+          </p:cNvSpPr>
+          <p:nvPr>
+            <p:ph type="ftr" sz="quarter" idx="11"/>
+          </p:nvPr>
+        </p:nvSpPr>
+        <p:spPr/>
+        <p:txBody>
+          <a:bodyPr rtlCol="0"/>
+          <a:lstStyle/>
+          <a:p>
+            <a:pPr rtl="0"/>
+            <a:endParaRPr lang="zh-CN" altLang="en-US" noProof="1"/>
+          </a:p>
+        </p:txBody>
+      </p:sp>
+      <p:sp>
+        <p:nvSpPr>
+          <p:cNvPr id="5" name="灯片编号占位符 4"/>
+          <p:cNvSpPr>
+            <a:spLocks noGrp="1"/>
+          </p:cNvSpPr>
+          <p:nvPr>
+            <p:ph type="sldNum" sz="quarter" idx="12"/>
+          </p:nvPr>
+        </p:nvSpPr>
+        <p:spPr/>
+        <p:txBody>
+          <a:bodyPr rtlCol="0"/>
+          <a:lstStyle/>
+          <a:p>
+            <a:pPr rtl="0"/>
+            <a:fld id="{9860EDB8-5305-433F-BE41-D7A86D811DB3}" type="slidenum">
+              <a:rPr lang="en-US" altLang="zh-CN" noProof="1" smtClean="0"/>
+            </a:fld>
+            <a:endParaRPr lang="zh-CN" altLang="en-US" noProof="1"/>
+          </a:p>
+        </p:txBody>
+      </p:sp>
+      <p:sp>
+        <p:nvSpPr>
+          <p:cNvPr id="7" name="长方形 6"/>
+          <p:cNvSpPr/>
+          <p:nvPr userDrawn="1"/>
+        </p:nvSpPr>
+        <p:spPr>
+          <a:xfrm>
+            <a:off x="0" y="0"/>
+            <a:ext cx="12192000" cy="1332854"/>
+          </a:xfrm>
+          <a:prstGeom prst="rect">
+            <a:avLst/>
+          </a:prstGeom>
+          <a:solidFill>
+            <a:srgbClr val="D24726"/>
+          </a:solidFill>
+          <a:ln>
+            <a:noFill/>
+          </a:ln>
+        </p:spPr>
+        <p:style>
+          <a:lnRef idx="2">
+            <a:schemeClr val="accent1">
+              <a:shade val="50000"/>
+            </a:schemeClr>
+          </a:lnRef>
+          <a:fillRef idx="1">
+            <a:schemeClr val="accent1"/>
+          </a:fillRef>
+          <a:effectRef idx="0">
+            <a:schemeClr val="accent1"/>
+          </a:effectRef>
+          <a:fontRef idx="minor">
+            <a:schemeClr val="lt1"/>
+          </a:fontRef>
+        </p:style>
+        <p:txBody>
+          <a:bodyPr rtlCol="0" anchor="ctr"/>
+          <a:lstStyle/>
+          <a:p>
+            <a:pPr algn="ctr" rtl="0"/>
+            <a:endParaRPr lang="zh-CN" altLang="en-US" sz="1800" noProof="1">
+              <a:latin typeface="Microsoft YaHei UI" panose="020B0503020204020204" pitchFamily="34" charset="-122"/>
+            </a:endParaRPr>
+          </a:p>
+        </p:txBody>
+      </p:sp>
+    </p:spTree>
+  </p:cSld>
+  <p:clrMapOvr>
+    <a:masterClrMapping/>
+  </p:clrMapOvr>
+</p:sldLayout>
+</file>
+
+<file path=ppt/slideLayouts/slideLayout7.xml><?xml version="1.0" encoding="utf-8"?>
+<p:sldLayout xmlns:a="http://schemas.openxmlformats.org/drawingml/2006/main" xmlns:r="http://schemas.openxmlformats.org/officeDocument/2006/relationships" xmlns:p="http://schemas.openxmlformats.org/presentationml/2006/main" type="blank" preserve="1">
+  <p:cSld name="空白">
+    <p:spTree>
+      <p:nvGrpSpPr>
+        <p:cNvPr id="1" name=""/>
+        <p:cNvGrpSpPr/>
+        <p:nvPr/>
+      </p:nvGrpSpPr>
+      <p:grpSpPr>
+        <a:xfrm>
+          <a:off x="0" y="0"/>
+          <a:ext cx="0" cy="0"/>
+          <a:chOff x="0" y="0"/>
+          <a:chExt cx="0" cy="0"/>
+        </a:xfrm>
+      </p:grpSpPr>
+      <p:sp>
+        <p:nvSpPr>
+          <p:cNvPr id="2" name="日期占位符 1"/>
+          <p:cNvSpPr>
+            <a:spLocks noGrp="1"/>
+          </p:cNvSpPr>
+          <p:nvPr>
+            <p:ph type="dt" sz="half" idx="10"/>
+          </p:nvPr>
+        </p:nvSpPr>
+        <p:spPr/>
+        <p:txBody>
+          <a:bodyPr rtlCol="0"/>
+          <a:lstStyle/>
+          <a:p>
+            <a:pPr rtl="0"/>
+            <a:fld id="{F1D5EF73-3977-4FBD-9A1F-2AF86F4BA937}" type="datetime1">
+              <a:rPr lang="zh-CN" altLang="en-US" noProof="1" smtClean="0"/>
+            </a:fld>
+            <a:endParaRPr lang="zh-CN" altLang="en-US" noProof="1"/>
+          </a:p>
+        </p:txBody>
+      </p:sp>
+      <p:sp>
+        <p:nvSpPr>
+          <p:cNvPr id="3" name="页脚占位符 2"/>
+          <p:cNvSpPr>
+            <a:spLocks noGrp="1"/>
+          </p:cNvSpPr>
+          <p:nvPr>
+            <p:ph type="ftr" sz="quarter" idx="11"/>
+          </p:nvPr>
+        </p:nvSpPr>
+        <p:spPr/>
+        <p:txBody>
+          <a:bodyPr rtlCol="0"/>
+          <a:lstStyle/>
+          <a:p>
+            <a:pPr rtl="0"/>
+            <a:endParaRPr lang="zh-CN" altLang="en-US" noProof="1"/>
+          </a:p>
+        </p:txBody>
+      </p:sp>
+      <p:sp>
+        <p:nvSpPr>
+          <p:cNvPr id="4" name="灯片编号占位符 3"/>
+          <p:cNvSpPr>
+            <a:spLocks noGrp="1"/>
+          </p:cNvSpPr>
+          <p:nvPr>
+            <p:ph type="sldNum" sz="quarter" idx="12"/>
+          </p:nvPr>
+        </p:nvSpPr>
+        <p:spPr/>
+        <p:txBody>
+          <a:bodyPr rtlCol="0"/>
+          <a:lstStyle/>
+          <a:p>
+            <a:pPr rtl="0"/>
+            <a:fld id="{9860EDB8-5305-433F-BE41-D7A86D811DB3}" type="slidenum">
+              <a:rPr lang="en-US" altLang="zh-CN" noProof="1" smtClean="0"/>
+            </a:fld>
+            <a:endParaRPr lang="zh-CN" altLang="en-US" noProof="1"/>
+          </a:p>
+        </p:txBody>
+      </p:sp>
+    </p:spTree>
+  </p:cSld>
+  <p:clrMapOvr>
+    <a:masterClrMapping/>
+  </p:clrMapOvr>
+</p:sldLayout>
+</file>
+
+<file path=ppt/slideLayouts/slideLayout8.xml><?xml version="1.0" encoding="utf-8"?>
+<p:sldLayout xmlns:a="http://schemas.openxmlformats.org/drawingml/2006/main" xmlns:r="http://schemas.openxmlformats.org/officeDocument/2006/relationships" xmlns:p="http://schemas.openxmlformats.org/presentationml/2006/main" type="objTx" preserve="1">
+  <p:cSld name="带标题的内容">
+    <p:spTree>
+      <p:nvGrpSpPr>
+        <p:cNvPr id="1" name=""/>
+        <p:cNvGrpSpPr/>
+        <p:nvPr/>
+      </p:nvGrpSpPr>
+      <p:grpSpPr>
+        <a:xfrm>
+          <a:off x="0" y="0"/>
+          <a:ext cx="0" cy="0"/>
+          <a:chOff x="0" y="0"/>
+          <a:chExt cx="0" cy="0"/>
+        </a:xfrm>
+      </p:grpSpPr>
+      <p:sp>
+        <p:nvSpPr>
+          <p:cNvPr id="2" name="标题 1"/>
+          <p:cNvSpPr>
+            <a:spLocks noGrp="1"/>
+          </p:cNvSpPr>
+          <p:nvPr>
+            <p:ph type="title"/>
+          </p:nvPr>
+        </p:nvSpPr>
+        <p:spPr>
+          <a:xfrm>
+            <a:off x="839788" y="457200"/>
+            <a:ext cx="3932237" cy="1600200"/>
+          </a:xfrm>
+        </p:spPr>
+        <p:txBody>
+          <a:bodyPr rtlCol="0" anchor="b"/>
+          <a:lstStyle>
+            <a:lvl1pPr>
+              <a:defRPr sz="3200"/>
+            </a:lvl1pPr>
+          </a:lstStyle>
+          <a:p>
+            <a:pPr rtl="0"/>
+            <a:r>
+              <a:rPr lang="zh-CN" altLang="en-US" noProof="1" smtClean="0"/>
+              <a:t>单击此处编辑母版标题样式</a:t>
+            </a:r>
+            <a:endParaRPr lang="zh-CN" altLang="en-US" noProof="1"/>
+          </a:p>
+        </p:txBody>
+      </p:sp>
+      <p:sp>
+        <p:nvSpPr>
+          <p:cNvPr id="3" name="内容占位符 2"/>
+          <p:cNvSpPr>
+            <a:spLocks noGrp="1"/>
+          </p:cNvSpPr>
+          <p:nvPr>
+            <p:ph idx="1"/>
+          </p:nvPr>
+        </p:nvSpPr>
+        <p:spPr>
+          <a:xfrm>
+            <a:off x="5183188" y="987427"/>
+            <a:ext cx="6172200" cy="4873625"/>
+          </a:xfrm>
+        </p:spPr>
+        <p:txBody>
+          <a:bodyPr vert="horz" lIns="91440" tIns="45720" rIns="91440" bIns="45720" rtlCol="0">
+            <a:normAutofit/>
+          </a:bodyPr>
+          <a:lstStyle>
+            <a:lvl1pPr>
+              <a:defRPr lang="en-US" sz="1600" smtClean="0">
+                <a:solidFill>
+                  <a:schemeClr val="bg1">
+                    <a:lumMod val="50000"/>
+                  </a:schemeClr>
+                </a:solidFill>
+              </a:defRPr>
+            </a:lvl1pPr>
+            <a:lvl2pPr>
+              <a:defRPr lang="en-US" sz="1400" smtClean="0">
+                <a:solidFill>
+                  <a:schemeClr val="bg1">
+                    <a:lumMod val="50000"/>
+                  </a:schemeClr>
+                </a:solidFill>
+              </a:defRPr>
+            </a:lvl2pPr>
+            <a:lvl3pPr>
+              <a:defRPr lang="en-US" sz="1200" smtClean="0">
+                <a:solidFill>
+                  <a:schemeClr val="bg1">
+                    <a:lumMod val="50000"/>
+                  </a:schemeClr>
+                </a:solidFill>
+              </a:defRPr>
+            </a:lvl3pPr>
+            <a:lvl4pPr>
+              <a:defRPr lang="en-US" sz="1100" smtClean="0">
+                <a:solidFill>
+                  <a:schemeClr val="bg1">
+                    <a:lumMod val="50000"/>
+                  </a:schemeClr>
+                </a:solidFill>
+              </a:defRPr>
+            </a:lvl4pPr>
+            <a:lvl5pPr>
+              <a:defRPr lang="en-US" sz="1100">
+                <a:solidFill>
+                  <a:schemeClr val="bg1">
+                    <a:lumMod val="50000"/>
+                  </a:schemeClr>
+                </a:solidFill>
+              </a:defRPr>
+            </a:lvl5pPr>
+          </a:lstStyle>
+          <a:p>
+            <a:pPr marL="0" lvl="0" indent="0" rtl="0">
+              <a:lnSpc>
+                <a:spcPct val="150000"/>
+              </a:lnSpc>
+              <a:spcAft>
+                <a:spcPts val="1200"/>
+              </a:spcAft>
+              <a:buNone/>
+            </a:pPr>
+            <a:r>
+              <a:rPr lang="zh-CN" altLang="en-US" noProof="1" smtClean="0"/>
+              <a:t>单击此处编辑母版文本样式</a:t>
+            </a:r>
+            <a:endParaRPr lang="zh-CN" altLang="en-US" noProof="1" smtClean="0"/>
+          </a:p>
+          <a:p>
+            <a:pPr marL="0" lvl="1" indent="0" rtl="0">
+              <a:lnSpc>
+                <a:spcPct val="150000"/>
+              </a:lnSpc>
+              <a:spcAft>
+                <a:spcPts val="1200"/>
+              </a:spcAft>
+              <a:buNone/>
+            </a:pPr>
+            <a:r>
+              <a:rPr lang="zh-CN" altLang="en-US" noProof="1" smtClean="0"/>
+              <a:t>第二级</a:t>
+            </a:r>
+            <a:endParaRPr lang="zh-CN" altLang="en-US" noProof="1" smtClean="0"/>
+          </a:p>
+          <a:p>
+            <a:pPr marL="0" lvl="2" indent="0" rtl="0">
+              <a:lnSpc>
+                <a:spcPct val="150000"/>
+              </a:lnSpc>
+              <a:spcAft>
+                <a:spcPts val="1200"/>
+              </a:spcAft>
+              <a:buNone/>
+            </a:pPr>
+            <a:r>
+              <a:rPr lang="zh-CN" altLang="en-US" noProof="1" smtClean="0"/>
+              <a:t>第三级</a:t>
+            </a:r>
+            <a:endParaRPr lang="zh-CN" altLang="en-US" noProof="1" smtClean="0"/>
+          </a:p>
+          <a:p>
+            <a:pPr marL="0" lvl="3" indent="0" rtl="0">
+              <a:lnSpc>
+                <a:spcPct val="150000"/>
+              </a:lnSpc>
+              <a:spcAft>
+                <a:spcPts val="1200"/>
+              </a:spcAft>
+              <a:buNone/>
+            </a:pPr>
+            <a:r>
+              <a:rPr lang="zh-CN" altLang="en-US" noProof="1" smtClean="0"/>
+              <a:t>第四级</a:t>
+            </a:r>
+            <a:endParaRPr lang="zh-CN" altLang="en-US" noProof="1" smtClean="0"/>
+          </a:p>
+          <a:p>
+            <a:pPr marL="0" lvl="4" indent="0" rtl="0">
+              <a:lnSpc>
+                <a:spcPct val="150000"/>
+              </a:lnSpc>
+              <a:spcAft>
+                <a:spcPts val="1200"/>
+              </a:spcAft>
+              <a:buNone/>
+            </a:pPr>
+            <a:r>
+              <a:rPr lang="zh-CN" altLang="en-US" noProof="1" smtClean="0"/>
+              <a:t>第五级</a:t>
+            </a:r>
+            <a:endParaRPr lang="zh-CN" altLang="en-US" noProof="1"/>
+          </a:p>
+        </p:txBody>
+      </p:sp>
+      <p:sp>
+        <p:nvSpPr>
+          <p:cNvPr id="4" name="文本占位符 3"/>
+          <p:cNvSpPr>
+            <a:spLocks noGrp="1"/>
+          </p:cNvSpPr>
+          <p:nvPr>
+            <p:ph type="body" sz="half" idx="2"/>
+          </p:nvPr>
+        </p:nvSpPr>
+        <p:spPr>
+          <a:xfrm>
+            <a:off x="839788" y="2101850"/>
+            <a:ext cx="3932237" cy="3759200"/>
+          </a:xfrm>
+        </p:spPr>
+        <p:txBody>
+          <a:bodyPr rtlCol="0"/>
+          <a:lstStyle>
+            <a:lvl1pPr marL="0" indent="0">
+              <a:buNone/>
+              <a:defRPr sz="1600"/>
+            </a:lvl1pPr>
+            <a:lvl2pPr marL="457200" indent="0">
+              <a:buNone/>
+              <a:defRPr sz="1400"/>
+            </a:lvl2pPr>
+            <a:lvl3pPr marL="914400" indent="0">
+              <a:buNone/>
+              <a:defRPr sz="1200"/>
+            </a:lvl3pPr>
+            <a:lvl4pPr marL="1371600" indent="0">
+              <a:buNone/>
+              <a:defRPr sz="1000"/>
+            </a:lvl4pPr>
+            <a:lvl5pPr marL="1828800" indent="0">
+              <a:buNone/>
+              <a:defRPr sz="1000"/>
+            </a:lvl5pPr>
+            <a:lvl6pPr marL="2286000" indent="0">
+              <a:buNone/>
+              <a:defRPr sz="1000"/>
+            </a:lvl6pPr>
+            <a:lvl7pPr marL="2743200" indent="0">
+              <a:buNone/>
+              <a:defRPr sz="1000"/>
+            </a:lvl7pPr>
+            <a:lvl8pPr marL="3200400" indent="0">
+              <a:buNone/>
+              <a:defRPr sz="1000"/>
+            </a:lvl8pPr>
+            <a:lvl9pPr marL="3657600" indent="0">
+              <a:buNone/>
+              <a:defRPr sz="1000"/>
+            </a:lvl9pPr>
+          </a:lstStyle>
+          <a:p>
+            <a:pPr lvl="0" rtl="0"/>
+            <a:r>
+              <a:rPr lang="zh-CN" altLang="en-US" noProof="1" smtClean="0"/>
+              <a:t>单击此处编辑母版文本样式</a:t>
+            </a:r>
+            <a:endParaRPr lang="zh-CN" altLang="en-US" noProof="1" smtClean="0"/>
+          </a:p>
+        </p:txBody>
+      </p:sp>
+      <p:sp>
+        <p:nvSpPr>
+          <p:cNvPr id="5" name="日期占位符 4"/>
+          <p:cNvSpPr>
+            <a:spLocks noGrp="1"/>
+          </p:cNvSpPr>
+          <p:nvPr>
+            <p:ph type="dt" sz="half" idx="10"/>
+          </p:nvPr>
+        </p:nvSpPr>
+        <p:spPr/>
+        <p:txBody>
+          <a:bodyPr rtlCol="0"/>
+          <a:lstStyle/>
+          <a:p>
+            <a:pPr rtl="0"/>
+            <a:fld id="{FCA75697-E0B3-44C5-A484-742964AA8024}" type="datetime1">
+              <a:rPr lang="zh-CN" altLang="en-US" noProof="1" smtClean="0"/>
+            </a:fld>
+            <a:endParaRPr lang="zh-CN" altLang="en-US" noProof="1"/>
+          </a:p>
+        </p:txBody>
+      </p:sp>
+      <p:sp>
+        <p:nvSpPr>
+          <p:cNvPr id="6" name="页脚占位符 5"/>
+          <p:cNvSpPr>
+            <a:spLocks noGrp="1"/>
+          </p:cNvSpPr>
+          <p:nvPr>
+            <p:ph type="ftr" sz="quarter" idx="11"/>
+          </p:nvPr>
+        </p:nvSpPr>
+        <p:spPr/>
+        <p:txBody>
+          <a:bodyPr rtlCol="0"/>
+          <a:lstStyle/>
+          <a:p>
+            <a:pPr rtl="0"/>
+            <a:endParaRPr lang="zh-CN" altLang="en-US" noProof="1"/>
+          </a:p>
+        </p:txBody>
+      </p:sp>
+      <p:sp>
+        <p:nvSpPr>
+          <p:cNvPr id="7" name="灯片编号占位符 6"/>
+          <p:cNvSpPr>
+            <a:spLocks noGrp="1"/>
+          </p:cNvSpPr>
+          <p:nvPr>
+            <p:ph type="sldNum" sz="quarter" idx="12"/>
+          </p:nvPr>
+        </p:nvSpPr>
+        <p:spPr/>
+        <p:txBody>
+          <a:bodyPr rtlCol="0"/>
+          <a:lstStyle/>
+          <a:p>
+            <a:pPr rtl="0"/>
+            <a:fld id="{9860EDB8-5305-433F-BE41-D7A86D811DB3}" type="slidenum">
+              <a:rPr lang="en-US" altLang="zh-CN" noProof="1" smtClean="0"/>
+            </a:fld>
+            <a:endParaRPr lang="zh-CN" altLang="en-US" noProof="1"/>
+          </a:p>
+        </p:txBody>
+      </p:sp>
+    </p:spTree>
+  </p:cSld>
+  <p:clrMapOvr>
+    <a:masterClrMapping/>
+  </p:clrMapOvr>
+</p:sldLayout>
+</file>
+
+<file path=ppt/slideLayouts/slideLayout9.xml><?xml version="1.0" encoding="utf-8"?>
+<p:sldLayout xmlns:a="http://schemas.openxmlformats.org/drawingml/2006/main" xmlns:r="http://schemas.openxmlformats.org/officeDocument/2006/relationships" xmlns:p="http://schemas.openxmlformats.org/presentationml/2006/main" type="picTx" preserve="1">
+  <p:cSld name="带标题的图片">
+    <p:spTree>
+      <p:nvGrpSpPr>
+        <p:cNvPr id="1" name=""/>
+        <p:cNvGrpSpPr/>
+        <p:nvPr/>
+      </p:nvGrpSpPr>
+      <p:grpSpPr>
+        <a:xfrm>
+          <a:off x="0" y="0"/>
+          <a:ext cx="0" cy="0"/>
+          <a:chOff x="0" y="0"/>
+          <a:chExt cx="0" cy="0"/>
+        </a:xfrm>
+      </p:grpSpPr>
+      <p:sp>
+        <p:nvSpPr>
+          <p:cNvPr id="2" name="标题 1"/>
+          <p:cNvSpPr>
+            <a:spLocks noGrp="1"/>
+          </p:cNvSpPr>
+          <p:nvPr>
+            <p:ph type="title"/>
+          </p:nvPr>
+        </p:nvSpPr>
+        <p:spPr>
+          <a:xfrm>
+            <a:off x="839788" y="457200"/>
+            <a:ext cx="3932237" cy="1600200"/>
+          </a:xfrm>
+        </p:spPr>
+        <p:txBody>
+          <a:bodyPr rtlCol="0" anchor="b"/>
+          <a:lstStyle>
+            <a:lvl1pPr>
+              <a:defRPr sz="3200"/>
+            </a:lvl1pPr>
+          </a:lstStyle>
+          <a:p>
+            <a:pPr rtl="0"/>
+            <a:r>
+              <a:rPr lang="zh-CN" altLang="en-US" noProof="1" smtClean="0"/>
+              <a:t>单击此处编辑母版标题样式</a:t>
+            </a:r>
+            <a:endParaRPr lang="zh-CN" altLang="en-US" noProof="1"/>
+          </a:p>
+        </p:txBody>
+      </p:sp>
+      <p:sp>
+        <p:nvSpPr>
+          <p:cNvPr id="3" name="图片占位符 2"/>
+          <p:cNvSpPr>
+            <a:spLocks noGrp="1"/>
+          </p:cNvSpPr>
+          <p:nvPr>
+            <p:ph type="pic" idx="1" hasCustomPrompt="1"/>
+          </p:nvPr>
+        </p:nvSpPr>
+        <p:spPr>
+          <a:xfrm>
+            <a:off x="5183188" y="987427"/>
+            <a:ext cx="6172200" cy="4873625"/>
+          </a:xfrm>
+        </p:spPr>
+        <p:txBody>
+          <a:bodyPr rtlCol="0"/>
+          <a:lstStyle>
+            <a:lvl1pPr marL="0" indent="0">
+              <a:buNone/>
+              <a:defRPr sz="3200"/>
+            </a:lvl1pPr>
+            <a:lvl2pPr marL="457200" indent="0">
+              <a:buNone/>
+              <a:defRPr sz="2800"/>
+            </a:lvl2pPr>
+            <a:lvl3pPr marL="914400" indent="0">
+              <a:buNone/>
+              <a:defRPr sz="2400"/>
+            </a:lvl3pPr>
+            <a:lvl4pPr marL="1371600" indent="0">
+              <a:buNone/>
+              <a:defRPr sz="2000"/>
+            </a:lvl4pPr>
+            <a:lvl5pPr marL="1828800" indent="0">
+              <a:buNone/>
+              <a:defRPr sz="2000"/>
+            </a:lvl5pPr>
+            <a:lvl6pPr marL="2286000" indent="0">
+              <a:buNone/>
+              <a:defRPr sz="2000"/>
+            </a:lvl6pPr>
+            <a:lvl7pPr marL="2743200" indent="0">
+              <a:buNone/>
+              <a:defRPr sz="2000"/>
+            </a:lvl7pPr>
+            <a:lvl8pPr marL="3200400" indent="0">
+              <a:buNone/>
+              <a:defRPr sz="2000"/>
+            </a:lvl8pPr>
+            <a:lvl9pPr marL="3657600" indent="0">
+              <a:buNone/>
+              <a:defRPr sz="2000"/>
+            </a:lvl9pPr>
+          </a:lstStyle>
+          <a:p>
+            <a:pPr rtl="0"/>
+            <a:r>
+              <a:rPr lang="zh-CN" altLang="en-US" noProof="1"/>
+              <a:t>单击图标，添加图片</a:t>
+            </a:r>
+            <a:endParaRPr lang="zh-CN" altLang="en-US" noProof="1"/>
+          </a:p>
+        </p:txBody>
+      </p:sp>
+      <p:sp>
+        <p:nvSpPr>
+          <p:cNvPr id="4" name="文本占位符 3"/>
+          <p:cNvSpPr>
+            <a:spLocks noGrp="1"/>
+          </p:cNvSpPr>
+          <p:nvPr>
+            <p:ph type="body" sz="half" idx="2"/>
+          </p:nvPr>
+        </p:nvSpPr>
+        <p:spPr>
+          <a:xfrm>
+            <a:off x="839788" y="2101850"/>
+            <a:ext cx="3932237" cy="3759200"/>
+          </a:xfrm>
+        </p:spPr>
+        <p:txBody>
+          <a:bodyPr rtlCol="0"/>
+          <a:lstStyle>
+            <a:lvl1pPr marL="0" indent="0">
+              <a:buNone/>
+              <a:defRPr sz="1600"/>
+            </a:lvl1pPr>
+            <a:lvl2pPr marL="457200" indent="0">
+              <a:buNone/>
+              <a:defRPr sz="1400"/>
+            </a:lvl2pPr>
+            <a:lvl3pPr marL="914400" indent="0">
+              <a:buNone/>
+              <a:defRPr sz="1200"/>
+            </a:lvl3pPr>
+            <a:lvl4pPr marL="1371600" indent="0">
+              <a:buNone/>
+              <a:defRPr sz="1000"/>
+            </a:lvl4pPr>
+            <a:lvl5pPr marL="1828800" indent="0">
+              <a:buNone/>
+              <a:defRPr sz="1000"/>
+            </a:lvl5pPr>
+            <a:lvl6pPr marL="2286000" indent="0">
+              <a:buNone/>
+              <a:defRPr sz="1000"/>
+            </a:lvl6pPr>
+            <a:lvl7pPr marL="2743200" indent="0">
+              <a:buNone/>
+              <a:defRPr sz="1000"/>
+            </a:lvl7pPr>
+            <a:lvl8pPr marL="3200400" indent="0">
+              <a:buNone/>
+              <a:defRPr sz="1000"/>
+            </a:lvl8pPr>
+            <a:lvl9pPr marL="3657600" indent="0">
+              <a:buNone/>
+              <a:defRPr sz="1000"/>
+            </a:lvl9pPr>
+          </a:lstStyle>
+          <a:p>
+            <a:pPr lvl="0" rtl="0"/>
+            <a:r>
+              <a:rPr lang="zh-CN" altLang="en-US" noProof="1" smtClean="0"/>
+              <a:t>单击此处编辑母版文本样式</a:t>
+            </a:r>
+            <a:endParaRPr lang="zh-CN" altLang="en-US" noProof="1" smtClean="0"/>
+          </a:p>
+        </p:txBody>
+      </p:sp>
+      <p:sp>
+        <p:nvSpPr>
+          <p:cNvPr id="5" name="日期占位符 4"/>
+          <p:cNvSpPr>
+            <a:spLocks noGrp="1"/>
+          </p:cNvSpPr>
+          <p:nvPr>
+            <p:ph type="dt" sz="half" idx="10"/>
+          </p:nvPr>
+        </p:nvSpPr>
+        <p:spPr/>
+        <p:txBody>
+          <a:bodyPr rtlCol="0"/>
+          <a:lstStyle/>
+          <a:p>
+            <a:pPr rtl="0"/>
+            <a:fld id="{1D4BBF4C-9153-4173-BA0F-756B7E433659}" type="datetime1">
+              <a:rPr lang="zh-CN" altLang="en-US" noProof="1" smtClean="0"/>
+            </a:fld>
+            <a:endParaRPr lang="zh-CN" altLang="en-US" noProof="1"/>
+          </a:p>
+        </p:txBody>
+      </p:sp>
+      <p:sp>
+        <p:nvSpPr>
+          <p:cNvPr id="6" name="页脚占位符 5"/>
+          <p:cNvSpPr>
+            <a:spLocks noGrp="1"/>
+          </p:cNvSpPr>
+          <p:nvPr>
+            <p:ph type="ftr" sz="quarter" idx="11"/>
+          </p:nvPr>
+        </p:nvSpPr>
+        <p:spPr/>
+        <p:txBody>
+          <a:bodyPr rtlCol="0"/>
+          <a:lstStyle/>
+          <a:p>
+            <a:pPr rtl="0"/>
+            <a:endParaRPr lang="zh-CN" altLang="en-US" noProof="1"/>
+          </a:p>
+        </p:txBody>
+      </p:sp>
+      <p:sp>
+        <p:nvSpPr>
+          <p:cNvPr id="7" name="灯片编号占位符 6"/>
+          <p:cNvSpPr>
+            <a:spLocks noGrp="1"/>
+          </p:cNvSpPr>
+          <p:nvPr>
+            <p:ph type="sldNum" sz="quarter" idx="12"/>
+          </p:nvPr>
+        </p:nvSpPr>
+        <p:spPr/>
+        <p:txBody>
+          <a:bodyPr rtlCol="0"/>
+          <a:lstStyle/>
+          <a:p>
+            <a:pPr rtl="0"/>
+            <a:fld id="{9860EDB8-5305-433F-BE41-D7A86D811DB3}" type="slidenum">
+              <a:rPr lang="en-US" altLang="zh-CN" noProof="1" smtClean="0"/>
+            </a:fld>
+            <a:endParaRPr lang="zh-CN" altLang="en-US" noProof="1"/>
           </a:p>
         </p:txBody>
       </p:sp>
@@ -2737,6 +5688,7 @@
               <a:rPr lang="zh-CN" altLang="en-US" noProof="1"/>
               <a:t>单击此处编辑母版标题样式</a:t>
             </a:r>
+            <a:endParaRPr lang="zh-CN" altLang="en-US" noProof="1"/>
           </a:p>
         </p:txBody>
       </p:sp>
@@ -2770,6 +5722,7 @@
               <a:rPr lang="zh-CN" altLang="en-US" noProof="1"/>
               <a:t>单击此处编辑母版文本样式</a:t>
             </a:r>
+            <a:endParaRPr lang="zh-CN" altLang="en-US" noProof="1"/>
           </a:p>
           <a:p>
             <a:pPr lvl="1" rtl="0"/>
@@ -2777,6 +5730,7 @@
               <a:rPr lang="zh-CN" altLang="en-US" noProof="1"/>
               <a:t>第二级</a:t>
             </a:r>
+            <a:endParaRPr lang="zh-CN" altLang="en-US" noProof="1"/>
           </a:p>
           <a:p>
             <a:pPr lvl="2" rtl="0"/>
@@ -2784,6 +5738,7 @@
               <a:rPr lang="zh-CN" altLang="en-US" noProof="1"/>
               <a:t>第三级</a:t>
             </a:r>
+            <a:endParaRPr lang="zh-CN" altLang="en-US" noProof="1"/>
           </a:p>
           <a:p>
             <a:pPr lvl="3" rtl="0"/>
@@ -2791,6 +5746,7 @@
               <a:rPr lang="zh-CN" altLang="en-US" noProof="1"/>
               <a:t>第四级</a:t>
             </a:r>
+            <a:endParaRPr lang="zh-CN" altLang="en-US" noProof="1"/>
           </a:p>
           <a:p>
             <a:pPr lvl="4" rtl="0"/>
@@ -2798,6 +5754,7 @@
               <a:rPr lang="zh-CN" altLang="en-US" noProof="1"/>
               <a:t>第五级</a:t>
             </a:r>
+            <a:endParaRPr lang="zh-CN" altLang="en-US" noProof="1"/>
           </a:p>
         </p:txBody>
       </p:sp>
@@ -2837,7 +5794,6 @@
           <a:p>
             <a:fld id="{8B60F440-79C9-460C-BBC3-D47398EA736A}" type="datetime1">
               <a:rPr lang="zh-CN" altLang="en-US" noProof="1" smtClean="0"/>
-              <a:t>2023/11/5</a:t>
             </a:fld>
             <a:endParaRPr lang="zh-CN" altLang="en-US" noProof="1"/>
           </a:p>
@@ -2917,7 +5873,6 @@
           <a:p>
             <a:fld id="{9860EDB8-5305-433F-BE41-D7A86D811DB3}" type="slidenum">
               <a:rPr lang="en-US" altLang="zh-CN" noProof="1" smtClean="0"/>
-              <a:t>‹#›</a:t>
             </a:fld>
             <a:endParaRPr lang="zh-CN" altLang="en-US" noProof="1"/>
           </a:p>
@@ -2929,6 +5884,15 @@
   <p:sldLayoutIdLst>
     <p:sldLayoutId id="2147483649" r:id="rId1"/>
     <p:sldLayoutId id="2147483650" r:id="rId2"/>
+    <p:sldLayoutId id="2147483651" r:id="rId3"/>
+    <p:sldLayoutId id="2147483652" r:id="rId4"/>
+    <p:sldLayoutId id="2147483653" r:id="rId5"/>
+    <p:sldLayoutId id="2147483654" r:id="rId6"/>
+    <p:sldLayoutId id="2147483655" r:id="rId7"/>
+    <p:sldLayoutId id="2147483656" r:id="rId8"/>
+    <p:sldLayoutId id="2147483657" r:id="rId9"/>
+    <p:sldLayoutId id="2147483658" r:id="rId10"/>
+    <p:sldLayoutId id="2147483659" r:id="rId11"/>
   </p:sldLayoutIdLst>
   <p:hf sldNum="0" hdr="0" ftr="0" dt="0"/>
   <p:txStyles>
@@ -3212,7 +6176,7 @@
 </file>
 
 <file path=ppt/slides/slide1.xml><?xml version="1.0" encoding="utf-8"?>
-<p:sld xmlns:a14="http://schemas.microsoft.com/office/drawing/2010/main" xmlns:a="http://schemas.openxmlformats.org/drawingml/2006/main" xmlns:r="http://schemas.openxmlformats.org/officeDocument/2006/relationships" xmlns:p="http://schemas.openxmlformats.org/presentationml/2006/main">
+<p:sld xmlns:a="http://schemas.openxmlformats.org/drawingml/2006/main" xmlns:r="http://schemas.openxmlformats.org/officeDocument/2006/relationships" xmlns:p="http://schemas.openxmlformats.org/presentationml/2006/main">
   <p:cSld>
     <p:spTree>
       <p:nvGrpSpPr>
@@ -3263,6 +6227,9 @@
               </a:rPr>
               <a:t>禅修要诀</a:t>
             </a:r>
+            <a:endParaRPr lang="zh-CN" altLang="en-US" sz="6000" dirty="0">
+              <a:ea typeface="Microsoft YaHei UI" panose="020B0503020204020204" pitchFamily="34" charset="-122"/>
+            </a:endParaRPr>
           </a:p>
         </p:txBody>
       </p:sp>
@@ -3285,7 +6252,7 @@
           <a:p>
             <a:pPr rtl="0"/>
             <a:r>
-              <a:rPr lang="zh-CN" altLang="en-US" sz="5400" dirty="0">
+              <a:rPr lang="zh-CN" altLang="en-US" sz="5400" dirty="0" smtClean="0">
                 <a:ea typeface="Microsoft YaHei UI" panose="020B0503020204020204" pitchFamily="34" charset="-122"/>
               </a:rPr>
               <a:t>堪布 慈诚罗珠 讲授</a:t>
@@ -3303,13 +6270,7 @@
           <p:nvPr/>
         </p:nvPicPr>
         <p:blipFill rotWithShape="1">
-          <a:blip r:embed="rId3" cstate="screen">
-            <a:extLst>
-              <a:ext uri="{28A0092B-C50C-407E-A947-70E740481C1C}">
-                <a14:useLocalDpi xmlns:a14="http://schemas.microsoft.com/office/drawing/2010/main"/>
-              </a:ext>
-            </a:extLst>
-          </a:blip>
+          <a:blip r:embed="rId1"/>
           <a:srcRect/>
           <a:stretch>
             <a:fillRect/>
@@ -3338,10 +6299,10 @@
           <p:nvPr/>
         </p:nvPicPr>
         <p:blipFill>
-          <a:blip r:embed="rId4" cstate="screen">
+          <a:blip r:embed="rId2" cstate="print">
             <a:extLst>
               <a:ext uri="{28A0092B-C50C-407E-A947-70E740481C1C}">
-                <a14:useLocalDpi xmlns:a14="http://schemas.microsoft.com/office/drawing/2010/main"/>
+                <a14:useLocalDpi xmlns:a14="http://schemas.microsoft.com/office/drawing/2010/main" val="0"/>
               </a:ext>
             </a:extLst>
           </a:blip>
@@ -3368,7 +6329,7 @@
 </file>
 
 <file path=ppt/slides/slide10.xml><?xml version="1.0" encoding="utf-8"?>
-<p:sld xmlns:a14="http://schemas.microsoft.com/office/drawing/2010/main" xmlns:a="http://schemas.openxmlformats.org/drawingml/2006/main" xmlns:r="http://schemas.openxmlformats.org/officeDocument/2006/relationships" xmlns:p="http://schemas.openxmlformats.org/presentationml/2006/main">
+<p:sld xmlns:a="http://schemas.openxmlformats.org/drawingml/2006/main" xmlns:r="http://schemas.openxmlformats.org/officeDocument/2006/relationships" xmlns:p="http://schemas.openxmlformats.org/presentationml/2006/main">
   <p:cSld>
     <p:spTree>
       <p:nvGrpSpPr>
@@ -3411,14 +6372,23 @@
               <a:rPr lang="zh-CN" altLang="en-US" dirty="0">
                 <a:ea typeface="Microsoft YaHei UI" panose="020B0503020204020204" pitchFamily="34" charset="-122"/>
               </a:rPr>
-              <a:t>      五、</a:t>
-            </a:r>
-            <a:r>
-              <a:rPr lang="zh-CN" dirty="0">
+              <a:t> </a:t>
+            </a:r>
+            <a:r>
+              <a:rPr lang="zh-CN" altLang="en-US" dirty="0" smtClean="0">
+                <a:ea typeface="Microsoft YaHei UI" panose="020B0503020204020204" pitchFamily="34" charset="-122"/>
+              </a:rPr>
+              <a:t>     五、</a:t>
+            </a:r>
+            <a:r>
+              <a:rPr lang="zh-CN" dirty="0" smtClean="0">
                 <a:ea typeface="Microsoft YaHei UI" panose="020B0503020204020204" pitchFamily="34" charset="-122"/>
               </a:rPr>
               <a:t>五种验相</a:t>
             </a:r>
+            <a:endParaRPr lang="zh-CN" dirty="0">
+              <a:ea typeface="Microsoft YaHei UI" panose="020B0503020204020204" pitchFamily="34" charset="-122"/>
+            </a:endParaRPr>
           </a:p>
         </p:txBody>
       </p:sp>
@@ -3467,6 +6437,9 @@
               </a:rPr>
               <a:t>刚开始修行的时候，我们的内心一刹那都不能停下来，平时没有的杂念，这时候都会纷然出现，比不修行的时候还厉害。所以，此时的内心，就像陡坡上流下来的水一样，故称为陡山水。</a:t>
             </a:r>
+            <a:endParaRPr sz="2400" dirty="0">
+              <a:ea typeface="Microsoft YaHei UI" panose="020B0503020204020204" pitchFamily="34" charset="-122"/>
+            </a:endParaRPr>
           </a:p>
           <a:p>
             <a:pPr>
@@ -3475,11 +6448,14 @@
               </a:lnSpc>
             </a:pPr>
             <a:r>
-              <a:rPr lang="zh-CN" altLang="en-US" sz="2400" dirty="0">
+              <a:rPr lang="zh-CN" altLang="en-US" sz="2400" dirty="0" smtClean="0">
                 <a:ea typeface="Microsoft YaHei UI" panose="020B0503020204020204" pitchFamily="34" charset="-122"/>
               </a:rPr>
               <a:t>（二）峡谷水：虽然峡谷的水流很急，但和陡山水比较，还是好多了。此时的念头，也比上一阶段稍稍平静了一点。</a:t>
             </a:r>
+            <a:endParaRPr lang="zh-CN" altLang="en-US" sz="2400" dirty="0" smtClean="0">
+              <a:ea typeface="Microsoft YaHei UI" panose="020B0503020204020204" pitchFamily="34" charset="-122"/>
+            </a:endParaRPr>
           </a:p>
           <a:p>
             <a:pPr>
@@ -3488,11 +6464,14 @@
               </a:lnSpc>
             </a:pPr>
             <a:r>
-              <a:rPr lang="zh-CN" altLang="en-US" sz="2400" dirty="0">
+              <a:rPr lang="zh-CN" altLang="en-US" sz="2400" dirty="0" smtClean="0">
                 <a:ea typeface="Microsoft YaHei UI" panose="020B0503020204020204" pitchFamily="34" charset="-122"/>
               </a:rPr>
               <a:t>（三）大江河：虽然大江河的水在流动，但远没有峡谷水那么湍急，已经缓和多了。此时的念头，也比上一阶段平静了很多。</a:t>
             </a:r>
+            <a:endParaRPr lang="zh-CN" altLang="en-US" sz="2400" dirty="0" smtClean="0">
+              <a:ea typeface="Microsoft YaHei UI" panose="020B0503020204020204" pitchFamily="34" charset="-122"/>
+            </a:endParaRPr>
           </a:p>
           <a:p>
             <a:pPr>
@@ -3500,7 +6479,7 @@
                 <a:spcPct val="120000"/>
               </a:lnSpc>
             </a:pPr>
-            <a:endParaRPr lang="zh-CN" altLang="en-US" sz="2400" dirty="0">
+            <a:endParaRPr lang="zh-CN" altLang="en-US" sz="2400" dirty="0" smtClean="0">
               <a:ea typeface="Microsoft YaHei UI" panose="020B0503020204020204" pitchFamily="34" charset="-122"/>
             </a:endParaRPr>
           </a:p>
@@ -3515,10 +6494,10 @@
           <p:nvPr/>
         </p:nvPicPr>
         <p:blipFill>
-          <a:blip r:embed="rId3" cstate="screen">
+          <a:blip r:embed="rId1" cstate="print">
             <a:extLst>
               <a:ext uri="{28A0092B-C50C-407E-A947-70E740481C1C}">
-                <a14:useLocalDpi xmlns:a14="http://schemas.microsoft.com/office/drawing/2010/main"/>
+                <a14:useLocalDpi xmlns:a14="http://schemas.microsoft.com/office/drawing/2010/main" val="0"/>
               </a:ext>
             </a:extLst>
           </a:blip>
@@ -3543,13 +6522,7 @@
           <p:nvPr/>
         </p:nvPicPr>
         <p:blipFill rotWithShape="1">
-          <a:blip r:embed="rId4" cstate="screen">
-            <a:extLst>
-              <a:ext uri="{28A0092B-C50C-407E-A947-70E740481C1C}">
-                <a14:useLocalDpi xmlns:a14="http://schemas.microsoft.com/office/drawing/2010/main"/>
-              </a:ext>
-            </a:extLst>
-          </a:blip>
+          <a:blip r:embed="rId2"/>
           <a:srcRect/>
           <a:stretch>
             <a:fillRect/>
@@ -3578,7 +6551,7 @@
 </file>
 
 <file path=ppt/slides/slide11.xml><?xml version="1.0" encoding="utf-8"?>
-<p:sld xmlns:a14="http://schemas.microsoft.com/office/drawing/2010/main" xmlns:a="http://schemas.openxmlformats.org/drawingml/2006/main" xmlns:r="http://schemas.openxmlformats.org/officeDocument/2006/relationships" xmlns:p="http://schemas.openxmlformats.org/presentationml/2006/main">
+<p:sld xmlns:a="http://schemas.openxmlformats.org/drawingml/2006/main" xmlns:r="http://schemas.openxmlformats.org/officeDocument/2006/relationships" xmlns:p="http://schemas.openxmlformats.org/presentationml/2006/main">
   <p:cSld>
     <p:spTree>
       <p:nvGrpSpPr>
@@ -3621,14 +6594,23 @@
               <a:rPr lang="zh-CN" altLang="en-US" dirty="0">
                 <a:ea typeface="Microsoft YaHei UI" panose="020B0503020204020204" pitchFamily="34" charset="-122"/>
               </a:rPr>
-              <a:t>      五、</a:t>
-            </a:r>
-            <a:r>
-              <a:rPr lang="zh-CN" dirty="0">
+              <a:t> </a:t>
+            </a:r>
+            <a:r>
+              <a:rPr lang="zh-CN" altLang="en-US" dirty="0" smtClean="0">
+                <a:ea typeface="Microsoft YaHei UI" panose="020B0503020204020204" pitchFamily="34" charset="-122"/>
+              </a:rPr>
+              <a:t>     五、</a:t>
+            </a:r>
+            <a:r>
+              <a:rPr lang="zh-CN" dirty="0" smtClean="0">
                 <a:ea typeface="Microsoft YaHei UI" panose="020B0503020204020204" pitchFamily="34" charset="-122"/>
               </a:rPr>
               <a:t>五种验相</a:t>
             </a:r>
+            <a:endParaRPr lang="zh-CN" dirty="0">
+              <a:ea typeface="Microsoft YaHei UI" panose="020B0503020204020204" pitchFamily="34" charset="-122"/>
+            </a:endParaRPr>
           </a:p>
         </p:txBody>
       </p:sp>
@@ -3660,13 +6642,13 @@
               </a:lnSpc>
             </a:pPr>
             <a:r>
-              <a:rPr lang="zh-CN" altLang="en-US" sz="2400" dirty="0">
+              <a:rPr lang="zh-CN" altLang="en-US" sz="2400" dirty="0" smtClean="0">
                 <a:ea typeface="Microsoft YaHei UI" panose="020B0503020204020204" pitchFamily="34" charset="-122"/>
                 <a:sym typeface="+mn-ea"/>
               </a:rPr>
               <a:t>（四）离涛大海：远看大海，似乎一动不动，没有什么海浪，但到近处一看，它一直都在动摇。此时的心，也像看似没有波涛的大海一样，但已经比前面几个阶段平静多了。</a:t>
             </a:r>
-            <a:endParaRPr lang="zh-CN" altLang="en-US" sz="2400" dirty="0">
+            <a:endParaRPr lang="zh-CN" altLang="en-US" sz="2400" dirty="0" smtClean="0">
               <a:ea typeface="Microsoft YaHei UI" panose="020B0503020204020204" pitchFamily="34" charset="-122"/>
             </a:endParaRPr>
           </a:p>
@@ -3677,13 +6659,20 @@
               </a:lnSpc>
             </a:pPr>
             <a:r>
-              <a:rPr lang="zh-CN" altLang="en-US" sz="2400" dirty="0">
+              <a:rPr lang="zh-CN" altLang="en-US" sz="2400" dirty="0" smtClean="0">
                 <a:ea typeface="Microsoft YaHei UI" panose="020B0503020204020204" pitchFamily="34" charset="-122"/>
                 <a:sym typeface="+mn-ea"/>
               </a:rPr>
-              <a:t>（五）虽然此时的心已经非常稳定，所有的思维都放下来，身体像融入了虚空一样。出定的时候，身体就像从虚空当中突然间产生了一样，但这种境界也只是欲界一境心而已。</a:t>
-            </a:r>
-            <a:endParaRPr lang="zh-CN" altLang="en-US" sz="2400" dirty="0">
+              <a:t>（五）</a:t>
+            </a:r>
+            <a:r>
+              <a:rPr lang="zh-CN" altLang="en-US" sz="2400" dirty="0" smtClean="0">
+                <a:ea typeface="Microsoft YaHei UI" panose="020B0503020204020204" pitchFamily="34" charset="-122"/>
+                <a:sym typeface="+mn-ea"/>
+              </a:rPr>
+              <a:t>须弥山王：虽然此时的心已经非常稳定，所有的思维都放下来，身体像融入了虚空一样。出定的时候，身体就像从虚空当中突然间产生了一样，但这种境界也只是欲界一境心而已。</a:t>
+            </a:r>
+            <a:endParaRPr lang="zh-CN" altLang="en-US" sz="2400" dirty="0" smtClean="0">
               <a:ea typeface="Microsoft YaHei UI" panose="020B0503020204020204" pitchFamily="34" charset="-122"/>
             </a:endParaRPr>
           </a:p>
@@ -3699,6 +6688,9 @@
               </a:rPr>
               <a:t>如果没有出离心、菩提心与证悟空性的智慧，仅仅是山王一样稳定，就可能和解脱根本没有关系。虽然这个境界和证悟的境界有些相似，但却不是证悟。</a:t>
             </a:r>
+            <a:endParaRPr sz="2400" dirty="0">
+              <a:ea typeface="Microsoft YaHei UI" panose="020B0503020204020204" pitchFamily="34" charset="-122"/>
+            </a:endParaRPr>
           </a:p>
         </p:txBody>
       </p:sp>
@@ -3711,10 +6703,10 @@
           <p:nvPr/>
         </p:nvPicPr>
         <p:blipFill>
-          <a:blip r:embed="rId3" cstate="screen">
+          <a:blip r:embed="rId1" cstate="print">
             <a:extLst>
               <a:ext uri="{28A0092B-C50C-407E-A947-70E740481C1C}">
-                <a14:useLocalDpi xmlns:a14="http://schemas.microsoft.com/office/drawing/2010/main"/>
+                <a14:useLocalDpi xmlns:a14="http://schemas.microsoft.com/office/drawing/2010/main" val="0"/>
               </a:ext>
             </a:extLst>
           </a:blip>
@@ -3739,13 +6731,7 @@
           <p:nvPr/>
         </p:nvPicPr>
         <p:blipFill rotWithShape="1">
-          <a:blip r:embed="rId4" cstate="screen">
-            <a:extLst>
-              <a:ext uri="{28A0092B-C50C-407E-A947-70E740481C1C}">
-                <a14:useLocalDpi xmlns:a14="http://schemas.microsoft.com/office/drawing/2010/main"/>
-              </a:ext>
-            </a:extLst>
-          </a:blip>
+          <a:blip r:embed="rId2"/>
           <a:srcRect/>
           <a:stretch>
             <a:fillRect/>
@@ -3774,7 +6760,7 @@
 </file>
 
 <file path=ppt/slides/slide12.xml><?xml version="1.0" encoding="utf-8"?>
-<p:sld xmlns:a14="http://schemas.microsoft.com/office/drawing/2010/main" xmlns:a="http://schemas.openxmlformats.org/drawingml/2006/main" xmlns:r="http://schemas.openxmlformats.org/officeDocument/2006/relationships" xmlns:p="http://schemas.openxmlformats.org/presentationml/2006/main">
+<p:sld xmlns:a="http://schemas.openxmlformats.org/drawingml/2006/main" xmlns:r="http://schemas.openxmlformats.org/officeDocument/2006/relationships" xmlns:p="http://schemas.openxmlformats.org/presentationml/2006/main">
   <p:cSld>
     <p:spTree>
       <p:nvGrpSpPr>
@@ -3817,14 +6803,23 @@
               <a:rPr lang="zh-CN" altLang="en-US" dirty="0">
                 <a:ea typeface="Microsoft YaHei UI" panose="020B0503020204020204" pitchFamily="34" charset="-122"/>
               </a:rPr>
-              <a:t>      五、</a:t>
-            </a:r>
-            <a:r>
-              <a:rPr lang="zh-CN" dirty="0">
+              <a:t> </a:t>
+            </a:r>
+            <a:r>
+              <a:rPr lang="zh-CN" altLang="en-US" dirty="0" smtClean="0">
+                <a:ea typeface="Microsoft YaHei UI" panose="020B0503020204020204" pitchFamily="34" charset="-122"/>
+              </a:rPr>
+              <a:t>     五、</a:t>
+            </a:r>
+            <a:r>
+              <a:rPr lang="zh-CN" dirty="0" smtClean="0">
                 <a:ea typeface="Microsoft YaHei UI" panose="020B0503020204020204" pitchFamily="34" charset="-122"/>
               </a:rPr>
               <a:t>五种验相</a:t>
             </a:r>
+            <a:endParaRPr lang="zh-CN" dirty="0">
+              <a:ea typeface="Microsoft YaHei UI" panose="020B0503020204020204" pitchFamily="34" charset="-122"/>
+            </a:endParaRPr>
           </a:p>
         </p:txBody>
       </p:sp>
@@ -3859,9 +6854,15 @@
               <a:rPr lang="zh-CN" altLang="en-US" sz="2400" dirty="0">
                 <a:ea typeface="Microsoft YaHei UI" panose="020B0503020204020204" pitchFamily="34" charset="-122"/>
               </a:rPr>
-              <a:t>陡山水中第一要有勇气去面对这个状况，第二是心里要有充分的准备，这是每一个修行人都会遇到的问题，很多人在这里放弃了，要有足够的勇猛和信心，绝不能轻言放弃。</a:t>
-            </a:r>
-            <a:endParaRPr lang="en-US" altLang="zh-CN" sz="2400" dirty="0">
+              <a:t>陡山水中第一要有勇气去面对这个状况，第二是心里要有充分的准备，这是每一个修行人都会遇到的问题，很多人在这里放弃了，要有足够的勇猛和信心，绝不能轻言放弃</a:t>
+            </a:r>
+            <a:r>
+              <a:rPr lang="zh-CN" altLang="en-US" sz="2400" dirty="0" smtClean="0">
+                <a:ea typeface="Microsoft YaHei UI" panose="020B0503020204020204" pitchFamily="34" charset="-122"/>
+              </a:rPr>
+              <a:t>。</a:t>
+            </a:r>
+            <a:endParaRPr lang="en-US" altLang="zh-CN" sz="2400" dirty="0" smtClean="0">
               <a:ea typeface="Microsoft YaHei UI" panose="020B0503020204020204" pitchFamily="34" charset="-122"/>
             </a:endParaRPr>
           </a:p>
@@ -3872,10 +6873,16 @@
               </a:lnSpc>
             </a:pPr>
             <a:r>
+              <a:rPr lang="zh-CN" altLang="en-US" sz="2400" dirty="0" smtClean="0">
+                <a:ea typeface="Microsoft YaHei UI" panose="020B0503020204020204" pitchFamily="34" charset="-122"/>
+              </a:rPr>
+              <a:t>须弥</a:t>
+            </a:r>
+            <a:r>
               <a:rPr lang="zh-CN" altLang="en-US" sz="2400" dirty="0">
                 <a:ea typeface="Microsoft YaHei UI" panose="020B0503020204020204" pitchFamily="34" charset="-122"/>
               </a:rPr>
-              <a:t>须弥山王的境界是欲界一境心，这个境界修四禅八定外道也能达到。心静下来，重点是必须要有出离心、菩提心和证悟空性的智慧，否则与解脱根本没有关系。</a:t>
+              <a:t>山王的境界是欲界一境心，这个境界修四禅八定外道也能达到。心静下来，重点是必须要有出离心、菩提心和证悟空性的智慧，否则与解脱根本没有关系。</a:t>
             </a:r>
             <a:endParaRPr sz="2400" dirty="0">
               <a:ea typeface="Microsoft YaHei UI" panose="020B0503020204020204" pitchFamily="34" charset="-122"/>
@@ -3892,10 +6899,10 @@
           <p:nvPr/>
         </p:nvPicPr>
         <p:blipFill>
-          <a:blip r:embed="rId3" cstate="screen">
+          <a:blip r:embed="rId1" cstate="print">
             <a:extLst>
               <a:ext uri="{28A0092B-C50C-407E-A947-70E740481C1C}">
-                <a14:useLocalDpi xmlns:a14="http://schemas.microsoft.com/office/drawing/2010/main"/>
+                <a14:useLocalDpi xmlns:a14="http://schemas.microsoft.com/office/drawing/2010/main" val="0"/>
               </a:ext>
             </a:extLst>
           </a:blip>
@@ -3920,13 +6927,7 @@
           <p:nvPr/>
         </p:nvPicPr>
         <p:blipFill rotWithShape="1">
-          <a:blip r:embed="rId4" cstate="screen">
-            <a:extLst>
-              <a:ext uri="{28A0092B-C50C-407E-A947-70E740481C1C}">
-                <a14:useLocalDpi xmlns:a14="http://schemas.microsoft.com/office/drawing/2010/main"/>
-              </a:ext>
-            </a:extLst>
-          </a:blip>
+          <a:blip r:embed="rId2"/>
           <a:srcRect/>
           <a:stretch>
             <a:fillRect/>
@@ -3955,7 +6956,7 @@
 </file>
 
 <file path=ppt/slides/slide13.xml><?xml version="1.0" encoding="utf-8"?>
-<p:sld xmlns:a14="http://schemas.microsoft.com/office/drawing/2010/main" xmlns:a="http://schemas.openxmlformats.org/drawingml/2006/main" xmlns:r="http://schemas.openxmlformats.org/officeDocument/2006/relationships" xmlns:p="http://schemas.openxmlformats.org/presentationml/2006/main">
+<p:sld xmlns:a="http://schemas.openxmlformats.org/drawingml/2006/main" xmlns:r="http://schemas.openxmlformats.org/officeDocument/2006/relationships" xmlns:p="http://schemas.openxmlformats.org/presentationml/2006/main">
   <p:cSld>
     <p:spTree>
       <p:nvGrpSpPr>
@@ -3997,8 +6998,23 @@
               <a:rPr lang="zh-CN" altLang="en-US" dirty="0">
                 <a:ea typeface="Microsoft YaHei UI" panose="020B0503020204020204" pitchFamily="34" charset="-122"/>
               </a:rPr>
-              <a:t>      六、九住心（实修，真正的修行，非常重要）</a:t>
-            </a:r>
+              <a:t> </a:t>
+            </a:r>
+            <a:r>
+              <a:rPr lang="zh-CN" altLang="en-US" dirty="0" smtClean="0">
+                <a:ea typeface="Microsoft YaHei UI" panose="020B0503020204020204" pitchFamily="34" charset="-122"/>
+              </a:rPr>
+              <a:t>     六、九住</a:t>
+            </a:r>
+            <a:r>
+              <a:rPr lang="zh-CN" altLang="en-US" dirty="0">
+                <a:ea typeface="Microsoft YaHei UI" panose="020B0503020204020204" pitchFamily="34" charset="-122"/>
+              </a:rPr>
+              <a:t>心（实修，真正的修行，非常重要）</a:t>
+            </a:r>
+            <a:endParaRPr lang="zh-CN" altLang="en-US" dirty="0" smtClean="0">
+              <a:ea typeface="Microsoft YaHei UI" panose="020B0503020204020204" pitchFamily="34" charset="-122"/>
+            </a:endParaRPr>
           </a:p>
         </p:txBody>
       </p:sp>
@@ -4059,7 +7075,7 @@
               </a:rPr>
               <a:t>中禅定品中开始部分讲的很清楚。通过闻力培养对禅定的信心、希求、精进，就会驱除懈怠，精进的修行。对禅定有了信、欲、勤。</a:t>
             </a:r>
-            <a:endParaRPr lang="en-US" altLang="zh-CN" sz="2400" dirty="0">
+            <a:endParaRPr lang="en-US" altLang="zh-CN" sz="2400" dirty="0" smtClean="0">
               <a:ea typeface="Microsoft YaHei UI" panose="020B0503020204020204" pitchFamily="34" charset="-122"/>
             </a:endParaRPr>
           </a:p>
@@ -4070,10 +7086,16 @@
               </a:lnSpc>
             </a:pPr>
             <a:r>
+              <a:rPr lang="zh-CN" altLang="en-US" sz="2400" dirty="0" smtClean="0">
+                <a:ea typeface="Microsoft YaHei UI" panose="020B0503020204020204" pitchFamily="34" charset="-122"/>
+              </a:rPr>
+              <a:t>（</a:t>
+            </a:r>
+            <a:r>
               <a:rPr lang="zh-CN" altLang="en-US" sz="2400" dirty="0">
                 <a:ea typeface="Microsoft YaHei UI" panose="020B0503020204020204" pitchFamily="34" charset="-122"/>
               </a:rPr>
-              <a:t>（一）安住心</a:t>
+              <a:t>一）安住心</a:t>
             </a:r>
             <a:endParaRPr lang="en-US" sz="2400" dirty="0">
               <a:ea typeface="Microsoft YaHei UI" panose="020B0503020204020204" pitchFamily="34" charset="-122"/>
@@ -4118,10 +7140,10 @@
           <p:nvPr/>
         </p:nvPicPr>
         <p:blipFill>
-          <a:blip r:embed="rId3" cstate="screen">
+          <a:blip r:embed="rId1" cstate="print">
             <a:extLst>
               <a:ext uri="{28A0092B-C50C-407E-A947-70E740481C1C}">
-                <a14:useLocalDpi xmlns:a14="http://schemas.microsoft.com/office/drawing/2010/main"/>
+                <a14:useLocalDpi xmlns:a14="http://schemas.microsoft.com/office/drawing/2010/main" val="0"/>
               </a:ext>
             </a:extLst>
           </a:blip>
@@ -4146,13 +7168,7 @@
           <p:nvPr/>
         </p:nvPicPr>
         <p:blipFill rotWithShape="1">
-          <a:blip r:embed="rId4" cstate="screen">
-            <a:extLst>
-              <a:ext uri="{28A0092B-C50C-407E-A947-70E740481C1C}">
-                <a14:useLocalDpi xmlns:a14="http://schemas.microsoft.com/office/drawing/2010/main"/>
-              </a:ext>
-            </a:extLst>
-          </a:blip>
+          <a:blip r:embed="rId2"/>
           <a:srcRect/>
           <a:stretch>
             <a:fillRect/>
@@ -4181,7 +7197,7 @@
 </file>
 
 <file path=ppt/slides/slide14.xml><?xml version="1.0" encoding="utf-8"?>
-<p:sld xmlns:a14="http://schemas.microsoft.com/office/drawing/2010/main" xmlns:a="http://schemas.openxmlformats.org/drawingml/2006/main" xmlns:r="http://schemas.openxmlformats.org/officeDocument/2006/relationships" xmlns:p="http://schemas.openxmlformats.org/presentationml/2006/main">
+<p:sld xmlns:a="http://schemas.openxmlformats.org/drawingml/2006/main" xmlns:r="http://schemas.openxmlformats.org/officeDocument/2006/relationships" xmlns:p="http://schemas.openxmlformats.org/presentationml/2006/main">
   <p:cSld>
     <p:spTree>
       <p:nvGrpSpPr>
@@ -4224,8 +7240,17 @@
               <a:rPr lang="zh-CN" altLang="en-US" dirty="0">
                 <a:ea typeface="Microsoft YaHei UI" panose="020B0503020204020204" pitchFamily="34" charset="-122"/>
               </a:rPr>
-              <a:t>      六、九住心</a:t>
-            </a:r>
+              <a:t> </a:t>
+            </a:r>
+            <a:r>
+              <a:rPr lang="zh-CN" altLang="en-US" dirty="0" smtClean="0">
+                <a:ea typeface="Microsoft YaHei UI" panose="020B0503020204020204" pitchFamily="34" charset="-122"/>
+              </a:rPr>
+              <a:t>     六、九住心</a:t>
+            </a:r>
+            <a:endParaRPr lang="zh-CN" altLang="en-US" dirty="0" smtClean="0">
+              <a:ea typeface="Microsoft YaHei UI" panose="020B0503020204020204" pitchFamily="34" charset="-122"/>
+            </a:endParaRPr>
           </a:p>
         </p:txBody>
       </p:sp>
@@ -4276,9 +7301,15 @@
               <a:rPr lang="zh-CN" altLang="en-US" sz="2400" dirty="0">
                 <a:ea typeface="Microsoft YaHei UI" panose="020B0503020204020204" pitchFamily="34" charset="-122"/>
               </a:rPr>
-              <a:t>心很散乱了，最重要的是思考，反复思考修行利益，把心摄收回来。</a:t>
-            </a:r>
-            <a:endParaRPr lang="en-US" altLang="zh-CN" sz="2400" dirty="0">
+              <a:t>心很散乱了，最重要的是思考，反复思考修行利益，把心摄收回来</a:t>
+            </a:r>
+            <a:r>
+              <a:rPr lang="zh-CN" altLang="en-US" sz="2400" dirty="0" smtClean="0">
+                <a:ea typeface="Microsoft YaHei UI" panose="020B0503020204020204" pitchFamily="34" charset="-122"/>
+              </a:rPr>
+              <a:t>。</a:t>
+            </a:r>
+            <a:endParaRPr lang="en-US" altLang="zh-CN" sz="2400" dirty="0" smtClean="0">
               <a:ea typeface="Microsoft YaHei UI" panose="020B0503020204020204" pitchFamily="34" charset="-122"/>
             </a:endParaRPr>
           </a:p>
@@ -4289,10 +7320,16 @@
               </a:lnSpc>
             </a:pPr>
             <a:r>
+              <a:rPr lang="zh-CN" altLang="en-US" sz="2400" dirty="0" smtClean="0">
+                <a:ea typeface="Microsoft YaHei UI" panose="020B0503020204020204" pitchFamily="34" charset="-122"/>
+              </a:rPr>
+              <a:t>对</a:t>
+            </a:r>
+            <a:r>
               <a:rPr lang="zh-CN" altLang="en-US" sz="2400" dirty="0">
                 <a:ea typeface="Microsoft YaHei UI" panose="020B0503020204020204" pitchFamily="34" charset="-122"/>
               </a:rPr>
-              <a:t>对治</a:t>
+              <a:t>治</a:t>
             </a:r>
             <a:r>
               <a:rPr lang="en-US" altLang="zh-CN" sz="2400" dirty="0">
@@ -4321,10 +7358,10 @@
           <p:nvPr/>
         </p:nvPicPr>
         <p:blipFill>
-          <a:blip r:embed="rId3" cstate="screen">
+          <a:blip r:embed="rId1" cstate="print">
             <a:extLst>
               <a:ext uri="{28A0092B-C50C-407E-A947-70E740481C1C}">
-                <a14:useLocalDpi xmlns:a14="http://schemas.microsoft.com/office/drawing/2010/main"/>
+                <a14:useLocalDpi xmlns:a14="http://schemas.microsoft.com/office/drawing/2010/main" val="0"/>
               </a:ext>
             </a:extLst>
           </a:blip>
@@ -4349,13 +7386,7 @@
           <p:nvPr/>
         </p:nvPicPr>
         <p:blipFill rotWithShape="1">
-          <a:blip r:embed="rId4" cstate="screen">
-            <a:extLst>
-              <a:ext uri="{28A0092B-C50C-407E-A947-70E740481C1C}">
-                <a14:useLocalDpi xmlns:a14="http://schemas.microsoft.com/office/drawing/2010/main"/>
-              </a:ext>
-            </a:extLst>
-          </a:blip>
+          <a:blip r:embed="rId2"/>
           <a:srcRect/>
           <a:stretch>
             <a:fillRect/>
@@ -4384,7 +7415,7 @@
 </file>
 
 <file path=ppt/slides/slide15.xml><?xml version="1.0" encoding="utf-8"?>
-<p:sld xmlns:a14="http://schemas.microsoft.com/office/drawing/2010/main" xmlns:a="http://schemas.openxmlformats.org/drawingml/2006/main" xmlns:r="http://schemas.openxmlformats.org/officeDocument/2006/relationships" xmlns:p="http://schemas.openxmlformats.org/presentationml/2006/main">
+<p:sld xmlns:a="http://schemas.openxmlformats.org/drawingml/2006/main" xmlns:r="http://schemas.openxmlformats.org/officeDocument/2006/relationships" xmlns:p="http://schemas.openxmlformats.org/presentationml/2006/main">
   <p:cSld>
     <p:spTree>
       <p:nvGrpSpPr>
@@ -4427,8 +7458,17 @@
               <a:rPr lang="zh-CN" altLang="en-US" dirty="0">
                 <a:ea typeface="Microsoft YaHei UI" panose="020B0503020204020204" pitchFamily="34" charset="-122"/>
               </a:rPr>
-              <a:t>      六、九住心</a:t>
-            </a:r>
+              <a:t> </a:t>
+            </a:r>
+            <a:r>
+              <a:rPr lang="zh-CN" altLang="en-US" dirty="0" smtClean="0">
+                <a:ea typeface="Microsoft YaHei UI" panose="020B0503020204020204" pitchFamily="34" charset="-122"/>
+              </a:rPr>
+              <a:t>     六、九住心</a:t>
+            </a:r>
+            <a:endParaRPr lang="zh-CN" altLang="en-US" dirty="0" smtClean="0">
+              <a:ea typeface="Microsoft YaHei UI" panose="020B0503020204020204" pitchFamily="34" charset="-122"/>
+            </a:endParaRPr>
           </a:p>
         </p:txBody>
       </p:sp>
@@ -4463,7 +7503,13 @@
               <a:rPr lang="zh-CN" altLang="en-US" sz="2400" dirty="0">
                 <a:ea typeface="Microsoft YaHei UI" panose="020B0503020204020204" pitchFamily="34" charset="-122"/>
               </a:rPr>
-              <a:t>（三）解住心</a:t>
+              <a:t>（三）解住</a:t>
+            </a:r>
+            <a:r>
+              <a:rPr lang="zh-CN" altLang="en-US" sz="2400" dirty="0" smtClean="0">
+                <a:ea typeface="Microsoft YaHei UI" panose="020B0503020204020204" pitchFamily="34" charset="-122"/>
+              </a:rPr>
+              <a:t>心</a:t>
             </a:r>
             <a:endParaRPr lang="en-US" altLang="zh-CN" sz="2400" dirty="0">
               <a:ea typeface="Microsoft YaHei UI" panose="020B0503020204020204" pitchFamily="34" charset="-122"/>
@@ -4476,12 +7522,24 @@
               </a:lnSpc>
             </a:pPr>
             <a:r>
+              <a:rPr lang="zh-CN" altLang="en-US" sz="2400" dirty="0" smtClean="0">
+                <a:ea typeface="Microsoft YaHei UI" panose="020B0503020204020204" pitchFamily="34" charset="-122"/>
+              </a:rPr>
+              <a:t>心</a:t>
+            </a:r>
+            <a:r>
               <a:rPr lang="zh-CN" altLang="en-US" sz="2400" dirty="0">
                 <a:ea typeface="Microsoft YaHei UI" panose="020B0503020204020204" pitchFamily="34" charset="-122"/>
               </a:rPr>
-              <a:t>心散乱了以后，通过正知、正念，把心引入、停留在目标上。</a:t>
-            </a:r>
-            <a:endParaRPr lang="en-US" altLang="zh-CN" sz="2400" dirty="0">
+              <a:t>散乱了以后，通过正知、正念，把心引入、停留在目标上</a:t>
+            </a:r>
+            <a:r>
+              <a:rPr lang="zh-CN" altLang="en-US" sz="2400" dirty="0" smtClean="0">
+                <a:ea typeface="Microsoft YaHei UI" panose="020B0503020204020204" pitchFamily="34" charset="-122"/>
+              </a:rPr>
+              <a:t>。</a:t>
+            </a:r>
+            <a:endParaRPr lang="en-US" altLang="zh-CN" sz="2400" dirty="0" smtClean="0">
               <a:ea typeface="Microsoft YaHei UI" panose="020B0503020204020204" pitchFamily="34" charset="-122"/>
             </a:endParaRPr>
           </a:p>
@@ -4492,10 +7550,16 @@
               </a:lnSpc>
             </a:pPr>
             <a:r>
+              <a:rPr lang="zh-CN" altLang="en-US" sz="2400" dirty="0" smtClean="0">
+                <a:ea typeface="Microsoft YaHei UI" panose="020B0503020204020204" pitchFamily="34" charset="-122"/>
+              </a:rPr>
+              <a:t>对</a:t>
+            </a:r>
+            <a:r>
               <a:rPr lang="zh-CN" altLang="en-US" sz="2400" dirty="0">
                 <a:ea typeface="Microsoft YaHei UI" panose="020B0503020204020204" pitchFamily="34" charset="-122"/>
               </a:rPr>
-              <a:t>对治</a:t>
+              <a:t>治</a:t>
             </a:r>
             <a:r>
               <a:rPr lang="en-US" altLang="zh-CN" sz="2400" dirty="0">
@@ -4507,9 +7571,15 @@
               <a:rPr lang="zh-CN" altLang="en-US" sz="2400" dirty="0">
                 <a:ea typeface="Microsoft YaHei UI" panose="020B0503020204020204" pitchFamily="34" charset="-122"/>
               </a:rPr>
-              <a:t>八个对治力中的正知、正念、作思。这个阶段是最难的时候，心没有自由，我们的心会会被各种各样的杂念扰乱，但一定要坚定信心，一定要用功，设法突破的最关键时刻，来调伏这些念头。</a:t>
-            </a:r>
-            <a:endParaRPr lang="en-US" altLang="zh-CN" sz="2400" dirty="0">
+              <a:t>八个对治力中的正知、正念、作思。这个阶段是最难的时候，心没有自由，我们的心会会被各种各样的杂念扰乱，但一定要坚定信心，一定要用功，设法突破的最关键时刻，来调伏这些念头</a:t>
+            </a:r>
+            <a:r>
+              <a:rPr lang="zh-CN" altLang="en-US" sz="2400" dirty="0" smtClean="0">
+                <a:ea typeface="Microsoft YaHei UI" panose="020B0503020204020204" pitchFamily="34" charset="-122"/>
+              </a:rPr>
+              <a:t>。</a:t>
+            </a:r>
+            <a:endParaRPr lang="en-US" altLang="zh-CN" sz="2400" dirty="0" smtClean="0">
               <a:ea typeface="Microsoft YaHei UI" panose="020B0503020204020204" pitchFamily="34" charset="-122"/>
             </a:endParaRPr>
           </a:p>
@@ -4520,11 +7590,20 @@
               </a:lnSpc>
             </a:pPr>
             <a:r>
+              <a:rPr lang="zh-CN" altLang="en-US" sz="2400" dirty="0" smtClean="0">
+                <a:ea typeface="Microsoft YaHei UI" panose="020B0503020204020204" pitchFamily="34" charset="-122"/>
+              </a:rPr>
+              <a:t>方法</a:t>
+            </a:r>
+            <a:r>
               <a:rPr lang="zh-CN" altLang="en-US" sz="2400" dirty="0">
                 <a:ea typeface="Microsoft YaHei UI" panose="020B0503020204020204" pitchFamily="34" charset="-122"/>
               </a:rPr>
-              <a:t>方法：正知、舍、勤</a:t>
-            </a:r>
+              <a:t>：正知、舍、勤</a:t>
+            </a:r>
+            <a:endParaRPr lang="zh-CN" altLang="en-US" sz="2400" dirty="0">
+              <a:ea typeface="Microsoft YaHei UI" panose="020B0503020204020204" pitchFamily="34" charset="-122"/>
+            </a:endParaRPr>
           </a:p>
           <a:p>
             <a:pPr>
@@ -4536,8 +7615,17 @@
               <a:rPr lang="zh-CN" altLang="en-US" sz="2400" dirty="0">
                 <a:ea typeface="Microsoft YaHei UI" panose="020B0503020204020204" pitchFamily="34" charset="-122"/>
               </a:rPr>
-              <a:t>安住心、摄住心、解住心是修行中最重要、最难、最弱、最复杂、最痛苦、最不容易通过的三个阶段，心如被风吹在空中的白纸一样，肯本没有自由，也如陡山水一样，各种各样强有力的杂念。我们要像抗洪一样，要加倍努力通过这三个阶段。经过努力，心一定会被调伏。</a:t>
-            </a:r>
+              <a:t>安住心、摄住心、解住心是修行中最重要、最难、最弱、最复杂、最痛苦、最不容易通过的三个阶段，心如被风吹在空中的白纸一样，肯本没有自由，也如陡山水一样，各种各样强有力的杂念。我们要像抗洪一样，要加倍努力通过这三个阶段。经过努力，心一定会被</a:t>
+            </a:r>
+            <a:r>
+              <a:rPr lang="zh-CN" altLang="en-US" sz="2400" dirty="0">
+                <a:ea typeface="Microsoft YaHei UI" panose="020B0503020204020204" pitchFamily="34" charset="-122"/>
+              </a:rPr>
+              <a:t>调伏。</a:t>
+            </a:r>
+            <a:endParaRPr lang="zh-CN" altLang="en-US" sz="2400" dirty="0">
+              <a:ea typeface="Microsoft YaHei UI" panose="020B0503020204020204" pitchFamily="34" charset="-122"/>
+            </a:endParaRPr>
           </a:p>
         </p:txBody>
       </p:sp>
@@ -4550,10 +7638,10 @@
           <p:nvPr/>
         </p:nvPicPr>
         <p:blipFill>
-          <a:blip r:embed="rId3" cstate="screen">
+          <a:blip r:embed="rId1" cstate="print">
             <a:extLst>
               <a:ext uri="{28A0092B-C50C-407E-A947-70E740481C1C}">
-                <a14:useLocalDpi xmlns:a14="http://schemas.microsoft.com/office/drawing/2010/main"/>
+                <a14:useLocalDpi xmlns:a14="http://schemas.microsoft.com/office/drawing/2010/main" val="0"/>
               </a:ext>
             </a:extLst>
           </a:blip>
@@ -4578,13 +7666,7 @@
           <p:nvPr/>
         </p:nvPicPr>
         <p:blipFill rotWithShape="1">
-          <a:blip r:embed="rId4" cstate="screen">
-            <a:extLst>
-              <a:ext uri="{28A0092B-C50C-407E-A947-70E740481C1C}">
-                <a14:useLocalDpi xmlns:a14="http://schemas.microsoft.com/office/drawing/2010/main"/>
-              </a:ext>
-            </a:extLst>
-          </a:blip>
+          <a:blip r:embed="rId2"/>
           <a:srcRect/>
           <a:stretch>
             <a:fillRect/>
@@ -4613,7 +7695,7 @@
 </file>
 
 <file path=ppt/slides/slide16.xml><?xml version="1.0" encoding="utf-8"?>
-<p:sld xmlns:a14="http://schemas.microsoft.com/office/drawing/2010/main" xmlns:a="http://schemas.openxmlformats.org/drawingml/2006/main" xmlns:r="http://schemas.openxmlformats.org/officeDocument/2006/relationships" xmlns:p="http://schemas.openxmlformats.org/presentationml/2006/main">
+<p:sld xmlns:a="http://schemas.openxmlformats.org/drawingml/2006/main" xmlns:r="http://schemas.openxmlformats.org/officeDocument/2006/relationships" xmlns:p="http://schemas.openxmlformats.org/presentationml/2006/main">
   <p:cSld>
     <p:spTree>
       <p:nvGrpSpPr>
@@ -4656,8 +7738,17 @@
               <a:rPr lang="zh-CN" altLang="en-US" dirty="0">
                 <a:ea typeface="Microsoft YaHei UI" panose="020B0503020204020204" pitchFamily="34" charset="-122"/>
               </a:rPr>
-              <a:t>      六、九住心</a:t>
-            </a:r>
+              <a:t> </a:t>
+            </a:r>
+            <a:r>
+              <a:rPr lang="zh-CN" altLang="en-US" dirty="0" smtClean="0">
+                <a:ea typeface="Microsoft YaHei UI" panose="020B0503020204020204" pitchFamily="34" charset="-122"/>
+              </a:rPr>
+              <a:t>     六、九住心</a:t>
+            </a:r>
+            <a:endParaRPr lang="zh-CN" altLang="en-US" dirty="0" smtClean="0">
+              <a:ea typeface="Microsoft YaHei UI" panose="020B0503020204020204" pitchFamily="34" charset="-122"/>
+            </a:endParaRPr>
           </a:p>
         </p:txBody>
       </p:sp>
@@ -4694,6 +7785,9 @@
               </a:rPr>
               <a:t>思考题</a:t>
             </a:r>
+            <a:endParaRPr lang="zh-CN" altLang="en-US" sz="2400" dirty="0">
+              <a:ea typeface="Microsoft YaHei UI" panose="020B0503020204020204" pitchFamily="34" charset="-122"/>
+            </a:endParaRPr>
           </a:p>
           <a:p>
             <a:pPr>
@@ -4705,9 +7799,15 @@
               <a:rPr lang="zh-CN" altLang="en-US" sz="2400" dirty="0">
                 <a:ea typeface="Microsoft YaHei UI" panose="020B0503020204020204" pitchFamily="34" charset="-122"/>
               </a:rPr>
-              <a:t>一、学完这节课，您有什么感受或想要分享的？</a:t>
-            </a:r>
-            <a:endParaRPr lang="en-US" altLang="zh-CN" sz="2400" dirty="0">
+              <a:t>一、学完这节课，您有什么感受或想要分享的</a:t>
+            </a:r>
+            <a:r>
+              <a:rPr lang="zh-CN" altLang="en-US" sz="2400" dirty="0" smtClean="0">
+                <a:ea typeface="Microsoft YaHei UI" panose="020B0503020204020204" pitchFamily="34" charset="-122"/>
+              </a:rPr>
+              <a:t>？</a:t>
+            </a:r>
+            <a:endParaRPr lang="en-US" altLang="zh-CN" sz="2400" dirty="0" smtClean="0">
               <a:ea typeface="Microsoft YaHei UI" panose="020B0503020204020204" pitchFamily="34" charset="-122"/>
             </a:endParaRPr>
           </a:p>
@@ -4718,12 +7818,24 @@
               </a:lnSpc>
             </a:pPr>
             <a:r>
+              <a:rPr lang="zh-CN" altLang="en-US" sz="2400" dirty="0" smtClean="0">
+                <a:ea typeface="Microsoft YaHei UI" panose="020B0503020204020204" pitchFamily="34" charset="-122"/>
+              </a:rPr>
+              <a:t>二</a:t>
+            </a:r>
+            <a:r>
               <a:rPr lang="zh-CN" altLang="en-US" sz="2400" dirty="0">
                 <a:ea typeface="Microsoft YaHei UI" panose="020B0503020204020204" pitchFamily="34" charset="-122"/>
               </a:rPr>
-              <a:t>二、实际修行中（请结合念观修莲师七句祈祷文或莲师心咒），您会遇到哪些问题，您如何对治？</a:t>
-            </a:r>
-            <a:endParaRPr lang="en-US" altLang="zh-CN" sz="2400" dirty="0">
+              <a:t>、实际修行中（请结合念观修莲师七句祈祷文或莲师心咒），您会遇到哪些问题，您如何对治</a:t>
+            </a:r>
+            <a:r>
+              <a:rPr lang="zh-CN" altLang="en-US" sz="2400" dirty="0" smtClean="0">
+                <a:ea typeface="Microsoft YaHei UI" panose="020B0503020204020204" pitchFamily="34" charset="-122"/>
+              </a:rPr>
+              <a:t>？</a:t>
+            </a:r>
+            <a:endParaRPr lang="en-US" altLang="zh-CN" sz="2400" dirty="0" smtClean="0">
               <a:ea typeface="Microsoft YaHei UI" panose="020B0503020204020204" pitchFamily="34" charset="-122"/>
             </a:endParaRPr>
           </a:p>
@@ -4734,12 +7846,24 @@
               </a:lnSpc>
             </a:pPr>
             <a:r>
+              <a:rPr lang="zh-CN" altLang="en-US" sz="2400" dirty="0" smtClean="0">
+                <a:ea typeface="Microsoft YaHei UI" panose="020B0503020204020204" pitchFamily="34" charset="-122"/>
+              </a:rPr>
+              <a:t>三</a:t>
+            </a:r>
+            <a:r>
               <a:rPr lang="zh-CN" altLang="en-US" sz="2400" dirty="0">
                 <a:ea typeface="Microsoft YaHei UI" panose="020B0503020204020204" pitchFamily="34" charset="-122"/>
               </a:rPr>
-              <a:t>三、禅定的五种过患是什么？每一种过患需要哪种方法对治？</a:t>
-            </a:r>
-            <a:endParaRPr lang="en-US" altLang="zh-CN" sz="2400" dirty="0">
+              <a:t>、禅定的五种过患是什么？每一种过患需要哪种方法对治</a:t>
+            </a:r>
+            <a:r>
+              <a:rPr lang="zh-CN" altLang="en-US" sz="2400" dirty="0" smtClean="0">
+                <a:ea typeface="Microsoft YaHei UI" panose="020B0503020204020204" pitchFamily="34" charset="-122"/>
+              </a:rPr>
+              <a:t>？</a:t>
+            </a:r>
+            <a:endParaRPr lang="en-US" altLang="zh-CN" sz="2400" dirty="0" smtClean="0">
               <a:ea typeface="Microsoft YaHei UI" panose="020B0503020204020204" pitchFamily="34" charset="-122"/>
             </a:endParaRPr>
           </a:p>
@@ -4750,12 +7874,24 @@
               </a:lnSpc>
             </a:pPr>
             <a:r>
+              <a:rPr lang="zh-CN" altLang="en-US" sz="2400" dirty="0" smtClean="0">
+                <a:ea typeface="Microsoft YaHei UI" panose="020B0503020204020204" pitchFamily="34" charset="-122"/>
+              </a:rPr>
+              <a:t>四</a:t>
+            </a:r>
+            <a:r>
               <a:rPr lang="zh-CN" altLang="en-US" sz="2400" dirty="0">
                 <a:ea typeface="Microsoft YaHei UI" panose="020B0503020204020204" pitchFamily="34" charset="-122"/>
               </a:rPr>
-              <a:t>四、上师反复提到正知、正念，为什么？如何保持正知、正念？</a:t>
-            </a:r>
-            <a:endParaRPr lang="en-US" altLang="zh-CN" sz="2400" dirty="0">
+              <a:t>、上师反复提到正知、正念，为什么？如何保持正知、正念</a:t>
+            </a:r>
+            <a:r>
+              <a:rPr lang="zh-CN" altLang="en-US" sz="2400" dirty="0" smtClean="0">
+                <a:ea typeface="Microsoft YaHei UI" panose="020B0503020204020204" pitchFamily="34" charset="-122"/>
+              </a:rPr>
+              <a:t>？</a:t>
+            </a:r>
+            <a:endParaRPr lang="en-US" altLang="zh-CN" sz="2400" dirty="0" smtClean="0">
               <a:ea typeface="Microsoft YaHei UI" panose="020B0503020204020204" pitchFamily="34" charset="-122"/>
             </a:endParaRPr>
           </a:p>
@@ -4766,11 +7902,26 @@
               </a:lnSpc>
             </a:pPr>
             <a:r>
+              <a:rPr lang="zh-CN" altLang="en-US" sz="2400" dirty="0" smtClean="0">
+                <a:ea typeface="Microsoft YaHei UI" panose="020B0503020204020204" pitchFamily="34" charset="-122"/>
+              </a:rPr>
+              <a:t>五</a:t>
+            </a:r>
+            <a:r>
               <a:rPr lang="zh-CN" altLang="en-US" sz="2400" dirty="0">
                 <a:ea typeface="Microsoft YaHei UI" panose="020B0503020204020204" pitchFamily="34" charset="-122"/>
               </a:rPr>
-              <a:t>五、刚开始禅修，心很散乱，各种各样的杂念，甚至比不修更严重是正常现象吗？为什么？</a:t>
-            </a:r>
+              <a:t>、刚开始禅修，心很散乱，各种各样的杂念，甚至比不修更严重是正常现象吗？</a:t>
+            </a:r>
+            <a:r>
+              <a:rPr lang="zh-CN" altLang="en-US" sz="2400" dirty="0">
+                <a:ea typeface="Microsoft YaHei UI" panose="020B0503020204020204" pitchFamily="34" charset="-122"/>
+              </a:rPr>
+              <a:t>为什么？</a:t>
+            </a:r>
+            <a:endParaRPr lang="zh-CN" altLang="en-US" sz="2400" dirty="0">
+              <a:ea typeface="Microsoft YaHei UI" panose="020B0503020204020204" pitchFamily="34" charset="-122"/>
+            </a:endParaRPr>
           </a:p>
           <a:p>
             <a:pPr>
@@ -4782,8 +7933,17 @@
               <a:rPr lang="zh-CN" altLang="en-US" sz="2400" dirty="0">
                 <a:ea typeface="Microsoft YaHei UI" panose="020B0503020204020204" pitchFamily="34" charset="-122"/>
               </a:rPr>
-              <a:t>六、学佛很多年没有调伏自心，是什么原因？</a:t>
-            </a:r>
+              <a:t>六、学佛很多年没有调伏自心，是什么</a:t>
+            </a:r>
+            <a:r>
+              <a:rPr lang="zh-CN" altLang="en-US" sz="2400" dirty="0">
+                <a:ea typeface="Microsoft YaHei UI" panose="020B0503020204020204" pitchFamily="34" charset="-122"/>
+              </a:rPr>
+              <a:t>原因？</a:t>
+            </a:r>
+            <a:endParaRPr lang="zh-CN" altLang="en-US" sz="2400" dirty="0">
+              <a:ea typeface="Microsoft YaHei UI" panose="020B0503020204020204" pitchFamily="34" charset="-122"/>
+            </a:endParaRPr>
           </a:p>
         </p:txBody>
       </p:sp>
@@ -4796,10 +7956,10 @@
           <p:nvPr/>
         </p:nvPicPr>
         <p:blipFill>
-          <a:blip r:embed="rId3" cstate="screen">
+          <a:blip r:embed="rId1" cstate="print">
             <a:extLst>
               <a:ext uri="{28A0092B-C50C-407E-A947-70E740481C1C}">
-                <a14:useLocalDpi xmlns:a14="http://schemas.microsoft.com/office/drawing/2010/main"/>
+                <a14:useLocalDpi xmlns:a14="http://schemas.microsoft.com/office/drawing/2010/main" val="0"/>
               </a:ext>
             </a:extLst>
           </a:blip>
@@ -4824,13 +7984,7 @@
           <p:nvPr/>
         </p:nvPicPr>
         <p:blipFill rotWithShape="1">
-          <a:blip r:embed="rId4" cstate="screen">
-            <a:extLst>
-              <a:ext uri="{28A0092B-C50C-407E-A947-70E740481C1C}">
-                <a14:useLocalDpi xmlns:a14="http://schemas.microsoft.com/office/drawing/2010/main"/>
-              </a:ext>
-            </a:extLst>
-          </a:blip>
+          <a:blip r:embed="rId2"/>
           <a:srcRect/>
           <a:stretch>
             <a:fillRect/>
@@ -4859,7 +8013,7 @@
 </file>
 
 <file path=ppt/slides/slide2.xml><?xml version="1.0" encoding="utf-8"?>
-<p:sld xmlns:a14="http://schemas.microsoft.com/office/drawing/2010/main" xmlns:a="http://schemas.openxmlformats.org/drawingml/2006/main" xmlns:r="http://schemas.openxmlformats.org/officeDocument/2006/relationships" xmlns:p="http://schemas.openxmlformats.org/presentationml/2006/main">
+<p:sld xmlns:a="http://schemas.openxmlformats.org/drawingml/2006/main" xmlns:r="http://schemas.openxmlformats.org/officeDocument/2006/relationships" xmlns:p="http://schemas.openxmlformats.org/presentationml/2006/main">
   <p:cSld>
     <p:spTree>
       <p:nvGrpSpPr>
@@ -4925,13 +8079,7 @@
           <p:nvPr/>
         </p:nvPicPr>
         <p:blipFill rotWithShape="1">
-          <a:blip r:embed="rId2" cstate="screen">
-            <a:extLst>
-              <a:ext uri="{28A0092B-C50C-407E-A947-70E740481C1C}">
-                <a14:useLocalDpi xmlns:a14="http://schemas.microsoft.com/office/drawing/2010/main"/>
-              </a:ext>
-            </a:extLst>
-          </a:blip>
+          <a:blip r:embed="rId1"/>
           <a:srcRect/>
           <a:stretch>
             <a:fillRect/>
@@ -4960,7 +8108,7 @@
         <p:spPr>
           <a:xfrm>
             <a:off x="5537200" y="1462137"/>
-            <a:ext cx="6654800" cy="5077460"/>
+            <a:ext cx="6654800" cy="3415030"/>
           </a:xfrm>
           <a:prstGeom prst="rect">
             <a:avLst/>
@@ -4995,17 +8143,18 @@
                 <a:sym typeface="Rockwell" panose="02060503020205020403"/>
               </a:rPr>
             </a:br>
-            <a:endParaRPr lang="en-US" altLang="zh-CN" sz="3600" dirty="0">
-              <a:solidFill>
-                <a:srgbClr val="C00000"/>
-              </a:solidFill>
-              <a:latin typeface="黑体" panose="02010609060101010101" pitchFamily="49" charset="-122"/>
-              <a:ea typeface="黑体" panose="02010609060101010101" pitchFamily="49" charset="-122"/>
-              <a:cs typeface="Rockwell" panose="02060503020205020403"/>
-              <a:sym typeface="Rockwell" panose="02060503020205020403"/>
-            </a:endParaRPr>
-          </a:p>
-          <a:p>
+            <a:r>
+              <a:rPr lang="zh-CN" altLang="en-US" sz="3600" dirty="0" smtClean="0">
+                <a:solidFill>
+                  <a:srgbClr val="C00000"/>
+                </a:solidFill>
+                <a:latin typeface="黑体" panose="02010609060101010101" pitchFamily="49" charset="-122"/>
+                <a:ea typeface="黑体" panose="02010609060101010101" pitchFamily="49" charset="-122"/>
+                <a:cs typeface="Rockwell" panose="02060503020205020403"/>
+                <a:sym typeface="Rockwell" panose="02060503020205020403"/>
+              </a:rPr>
+              <a:t>看</a:t>
+            </a:r>
             <a:r>
               <a:rPr lang="zh-CN" altLang="en-US" sz="3600" dirty="0">
                 <a:solidFill>
@@ -5016,10 +8165,10 @@
                 <a:cs typeface="Rockwell" panose="02060503020205020403"/>
                 <a:sym typeface="Rockwell" panose="02060503020205020403"/>
               </a:rPr>
-              <a:t>看视频</a:t>
-            </a:r>
-            <a:r>
-              <a:rPr lang="en-US" altLang="zh-CN" sz="3600" dirty="0">
+              <a:t>视频</a:t>
+            </a:r>
+            <a:r>
+              <a:rPr lang="en-US" altLang="zh-CN" sz="3600" dirty="0" smtClean="0">
                 <a:solidFill>
                   <a:srgbClr val="C00000"/>
                 </a:solidFill>
@@ -5031,7 +8180,7 @@
               <a:t>:</a:t>
             </a:r>
             <a:r>
-              <a:rPr lang="zh-CN" altLang="en-US" sz="3600" dirty="0">
+              <a:rPr lang="zh-CN" altLang="en-US" sz="3600" dirty="0" smtClean="0">
                 <a:solidFill>
                   <a:srgbClr val="C00000"/>
                 </a:solidFill>
@@ -5043,7 +8192,7 @@
               <a:t>介绍</a:t>
             </a:r>
             <a:r>
-              <a:rPr lang="en-US" altLang="zh-CN" sz="3600" dirty="0">
+              <a:rPr lang="en-US" altLang="zh-CN" sz="3600" dirty="0" smtClean="0">
                 <a:solidFill>
                   <a:srgbClr val="C00000"/>
                 </a:solidFill>
@@ -5055,7 +8204,7 @@
               <a:t>01</a:t>
             </a:r>
             <a:r>
-              <a:rPr lang="zh-CN" altLang="en-US" sz="3600" dirty="0">
+              <a:rPr lang="zh-CN" altLang="en-US" sz="3600" dirty="0" smtClean="0">
                 <a:solidFill>
                   <a:srgbClr val="C00000"/>
                 </a:solidFill>
@@ -5077,6 +8226,18 @@
                 <a:sym typeface="Rockwell" panose="02060503020205020403"/>
               </a:rPr>
             </a:br>
+            <a:r>
+              <a:rPr lang="zh-CN" altLang="en-US" sz="3600" dirty="0">
+                <a:solidFill>
+                  <a:srgbClr val="C00000"/>
+                </a:solidFill>
+                <a:latin typeface="黑体" panose="02010609060101010101" pitchFamily="49" charset="-122"/>
+                <a:ea typeface="黑体" panose="02010609060101010101" pitchFamily="49" charset="-122"/>
+                <a:cs typeface="Rockwell" panose="02060503020205020403"/>
+                <a:sym typeface="Rockwell" panose="02060503020205020403"/>
+              </a:rPr>
+              <a:t>读法本</a:t>
+            </a:r>
             <a:endParaRPr lang="en-US" altLang="zh-CN" sz="3600" dirty="0">
               <a:solidFill>
                 <a:srgbClr val="C00000"/>
@@ -5089,7 +8250,7 @@
           </a:p>
           <a:p>
             <a:r>
-              <a:rPr lang="zh-CN" altLang="en-US" sz="3600" dirty="0">
+              <a:rPr lang="zh-CN" altLang="en-US" sz="3600" dirty="0" smtClean="0">
                 <a:solidFill>
                   <a:srgbClr val="C00000"/>
                 </a:solidFill>
@@ -5111,17 +8272,18 @@
                 <a:sym typeface="Rockwell" panose="02060503020205020403"/>
               </a:rPr>
             </a:br>
-            <a:endParaRPr lang="en-US" altLang="zh-CN" sz="3600" dirty="0">
-              <a:solidFill>
-                <a:srgbClr val="C00000"/>
-              </a:solidFill>
-              <a:latin typeface="黑体" panose="02010609060101010101" pitchFamily="49" charset="-122"/>
-              <a:ea typeface="黑体" panose="02010609060101010101" pitchFamily="49" charset="-122"/>
-              <a:cs typeface="Rockwell" panose="02060503020205020403"/>
-              <a:sym typeface="Rockwell" panose="02060503020205020403"/>
-            </a:endParaRPr>
-          </a:p>
-          <a:p>
+            <a:r>
+              <a:rPr lang="zh-CN" altLang="en-US" sz="3600" dirty="0" smtClean="0">
+                <a:solidFill>
+                  <a:srgbClr val="C00000"/>
+                </a:solidFill>
+                <a:latin typeface="黑体" panose="02010609060101010101" pitchFamily="49" charset="-122"/>
+                <a:ea typeface="黑体" panose="02010609060101010101" pitchFamily="49" charset="-122"/>
+                <a:cs typeface="Rockwell" panose="02060503020205020403"/>
+                <a:sym typeface="Rockwell" panose="02060503020205020403"/>
+              </a:rPr>
+              <a:t>法</a:t>
+            </a:r>
             <a:r>
               <a:rPr lang="zh-CN" altLang="en-US" sz="3600" dirty="0">
                 <a:solidFill>
@@ -5132,7 +8294,7 @@
                 <a:cs typeface="Rockwell" panose="02060503020205020403"/>
                 <a:sym typeface="Rockwell" panose="02060503020205020403"/>
               </a:rPr>
-              <a:t>法义讨论 </a:t>
+              <a:t>义讨论 </a:t>
             </a:r>
             <a:br>
               <a:rPr lang="zh-CN" altLang="en-US" sz="3600" dirty="0">
@@ -5145,17 +8307,18 @@
                 <a:sym typeface="Rockwell" panose="02060503020205020403"/>
               </a:rPr>
             </a:br>
-            <a:endParaRPr lang="en-US" altLang="zh-CN" sz="3600" dirty="0">
-              <a:solidFill>
-                <a:srgbClr val="C00000"/>
-              </a:solidFill>
-              <a:latin typeface="黑体" panose="02010609060101010101" pitchFamily="49" charset="-122"/>
-              <a:ea typeface="黑体" panose="02010609060101010101" pitchFamily="49" charset="-122"/>
-              <a:cs typeface="Rockwell" panose="02060503020205020403"/>
-              <a:sym typeface="Rockwell" panose="02060503020205020403"/>
-            </a:endParaRPr>
-          </a:p>
-          <a:p>
+            <a:r>
+              <a:rPr lang="zh-CN" altLang="en-US" sz="3600" dirty="0" smtClean="0">
+                <a:solidFill>
+                  <a:srgbClr val="C00000"/>
+                </a:solidFill>
+                <a:latin typeface="黑体" panose="02010609060101010101" pitchFamily="49" charset="-122"/>
+                <a:ea typeface="黑体" panose="02010609060101010101" pitchFamily="49" charset="-122"/>
+                <a:cs typeface="Rockwell" panose="02060503020205020403"/>
+                <a:sym typeface="Rockwell" panose="02060503020205020403"/>
+              </a:rPr>
+              <a:t>课后</a:t>
+            </a:r>
             <a:r>
               <a:rPr lang="zh-CN" altLang="en-US" sz="3600" dirty="0">
                 <a:solidFill>
@@ -5166,7 +8329,7 @@
                 <a:cs typeface="Rockwell" panose="02060503020205020403"/>
                 <a:sym typeface="Rockwell" panose="02060503020205020403"/>
               </a:rPr>
-              <a:t>课后回向</a:t>
+              <a:t>回向</a:t>
             </a:r>
             <a:endParaRPr lang="zh-CN" altLang="en-US" sz="3600" dirty="0">
               <a:latin typeface="黑体" panose="02010609060101010101" pitchFamily="49" charset="-122"/>
@@ -5182,13 +8345,7 @@
           <p:nvPr/>
         </p:nvPicPr>
         <p:blipFill rotWithShape="1">
-          <a:blip r:embed="rId3" cstate="screen">
-            <a:extLst>
-              <a:ext uri="{28A0092B-C50C-407E-A947-70E740481C1C}">
-                <a14:useLocalDpi xmlns:a14="http://schemas.microsoft.com/office/drawing/2010/main"/>
-              </a:ext>
-            </a:extLst>
-          </a:blip>
+          <a:blip r:embed="rId2"/>
           <a:srcRect/>
           <a:stretch>
             <a:fillRect/>
@@ -5217,7 +8374,7 @@
 </file>
 
 <file path=ppt/slides/slide3.xml><?xml version="1.0" encoding="utf-8"?>
-<p:sld xmlns:a14="http://schemas.microsoft.com/office/drawing/2010/main" xmlns:a="http://schemas.openxmlformats.org/drawingml/2006/main" xmlns:r="http://schemas.openxmlformats.org/officeDocument/2006/relationships" xmlns:p="http://schemas.openxmlformats.org/presentationml/2006/main">
+<p:sld xmlns:a="http://schemas.openxmlformats.org/drawingml/2006/main" xmlns:r="http://schemas.openxmlformats.org/officeDocument/2006/relationships" xmlns:p="http://schemas.openxmlformats.org/presentationml/2006/main">
   <p:cSld>
     <p:spTree>
       <p:nvGrpSpPr>
@@ -5255,13 +8412,13 @@
           <a:p>
             <a:pPr rtl="0"/>
             <a:r>
-              <a:rPr lang="en-US" dirty="0">
+              <a:rPr lang="en-US" dirty="0" smtClean="0">
                 <a:ea typeface="Microsoft YaHei UI" panose="020B0503020204020204" pitchFamily="34" charset="-122"/>
               </a:rPr>
               <a:t>01</a:t>
             </a:r>
             <a:r>
-              <a:rPr lang="zh-CN" altLang="en-US" dirty="0">
+              <a:rPr lang="zh-CN" altLang="en-US" dirty="0" smtClean="0">
                 <a:ea typeface="Microsoft YaHei UI" panose="020B0503020204020204" pitchFamily="34" charset="-122"/>
               </a:rPr>
               <a:t>禅修要诀</a:t>
@@ -5309,9 +8466,15 @@
               <a:rPr lang="zh-CN" altLang="en-US" sz="2300" dirty="0">
                 <a:ea typeface="Microsoft YaHei UI" panose="020B0503020204020204" pitchFamily="34" charset="-122"/>
               </a:rPr>
-              <a:t>开篇上师说，今天的课是一个非常具体和通用的修法，无论是修出离心、菩提心、空性，或修生起次第和圆满次第。所有的修法都要通过这种方法去修，都是讲修行时怎么去修，修行时出现修行的障碍，怎么去处理。       </a:t>
-            </a:r>
-            <a:endParaRPr lang="en-US" altLang="zh-CN" sz="2300" dirty="0">
+              <a:t>开篇上师说，今天的课是一个非常具体和通用的修法，无论是修出离心、菩提心、空性，或修生起次第和圆满次第。所有的修法都要通过这种方法去修，都是讲修行时怎么去修，修行</a:t>
+            </a:r>
+            <a:r>
+              <a:rPr lang="zh-CN" altLang="en-US" sz="2300" dirty="0">
+                <a:ea typeface="Microsoft YaHei UI" panose="020B0503020204020204" pitchFamily="34" charset="-122"/>
+              </a:rPr>
+              <a:t>时出现修行的障碍，怎么去处理。       </a:t>
+            </a:r>
+            <a:endParaRPr lang="en-US" altLang="zh-CN" sz="2300" dirty="0" smtClean="0">
               <a:ea typeface="Microsoft YaHei UI" panose="020B0503020204020204" pitchFamily="34" charset="-122"/>
             </a:endParaRPr>
           </a:p>
@@ -5344,12 +8507,24 @@
               </a:spcAft>
             </a:pPr>
             <a:r>
+              <a:rPr lang="zh-CN" altLang="en-US" sz="2300" dirty="0" smtClean="0">
+                <a:ea typeface="Microsoft YaHei UI" panose="020B0503020204020204" pitchFamily="34" charset="-122"/>
+              </a:rPr>
+              <a:t>所有</a:t>
+            </a:r>
+            <a:r>
               <a:rPr lang="zh-CN" altLang="en-US" sz="2300" dirty="0">
                 <a:ea typeface="Microsoft YaHei UI" panose="020B0503020204020204" pitchFamily="34" charset="-122"/>
               </a:rPr>
-              <a:t>所有闻思的最终目标是修行，最高的目标是成佛，成佛怎么成，不是听闻佛法才能成佛，也不是思考这个问题就可以成佛，唯一的发方法就是修行。     </a:t>
-            </a:r>
-            <a:endParaRPr lang="en-US" altLang="zh-CN" sz="2300" dirty="0">
+              <a:t>闻思</a:t>
+            </a:r>
+            <a:r>
+              <a:rPr lang="zh-CN" altLang="en-US" sz="2300" dirty="0">
+                <a:ea typeface="Microsoft YaHei UI" panose="020B0503020204020204" pitchFamily="34" charset="-122"/>
+              </a:rPr>
+              <a:t>的最终目标是修行，最高的目标是成佛，成佛怎么成，不是听闻佛法才能成佛，也不是思考这个问题就可以成佛，唯一的发方法就是修行。     </a:t>
+            </a:r>
+            <a:endParaRPr lang="en-US" altLang="zh-CN" sz="2300" dirty="0" smtClean="0">
               <a:ea typeface="Microsoft YaHei UI" panose="020B0503020204020204" pitchFamily="34" charset="-122"/>
             </a:endParaRPr>
           </a:p>
@@ -5382,10 +8557,16 @@
               </a:spcAft>
             </a:pPr>
             <a:r>
+              <a:rPr lang="zh-CN" altLang="en-US" sz="2300" dirty="0" smtClean="0">
+                <a:ea typeface="Microsoft YaHei UI" panose="020B0503020204020204" pitchFamily="34" charset="-122"/>
+              </a:rPr>
+              <a:t>修行</a:t>
+            </a:r>
+            <a:r>
               <a:rPr lang="zh-CN" altLang="en-US" sz="2300" dirty="0">
                 <a:ea typeface="Microsoft YaHei UI" panose="020B0503020204020204" pitchFamily="34" charset="-122"/>
               </a:rPr>
-              <a:t>修行修不好，心散乱，原因是没有具体的方法或没有掌握好修行的方法</a:t>
+              <a:t>修不好，心散乱，原因是没有具体的方法或没有掌握好修行的方法</a:t>
             </a:r>
             <a:r>
               <a:rPr lang="en-US" altLang="zh-CN" sz="2300" dirty="0">
@@ -5414,10 +8595,10 @@
           <p:nvPr/>
         </p:nvPicPr>
         <p:blipFill>
-          <a:blip r:embed="rId3" cstate="screen">
+          <a:blip r:embed="rId1" cstate="print">
             <a:extLst>
               <a:ext uri="{28A0092B-C50C-407E-A947-70E740481C1C}">
-                <a14:useLocalDpi xmlns:a14="http://schemas.microsoft.com/office/drawing/2010/main"/>
+                <a14:useLocalDpi xmlns:a14="http://schemas.microsoft.com/office/drawing/2010/main" val="0"/>
               </a:ext>
             </a:extLst>
           </a:blip>
@@ -5442,13 +8623,7 @@
           <p:nvPr/>
         </p:nvPicPr>
         <p:blipFill rotWithShape="1">
-          <a:blip r:embed="rId4" cstate="screen">
-            <a:extLst>
-              <a:ext uri="{28A0092B-C50C-407E-A947-70E740481C1C}">
-                <a14:useLocalDpi xmlns:a14="http://schemas.microsoft.com/office/drawing/2010/main"/>
-              </a:ext>
-            </a:extLst>
-          </a:blip>
+          <a:blip r:embed="rId2"/>
           <a:srcRect/>
           <a:stretch>
             <a:fillRect/>
@@ -5477,7 +8652,7 @@
 </file>
 
 <file path=ppt/slides/slide4.xml><?xml version="1.0" encoding="utf-8"?>
-<p:sld xmlns:a14="http://schemas.microsoft.com/office/drawing/2010/main" xmlns:a="http://schemas.openxmlformats.org/drawingml/2006/main" xmlns:r="http://schemas.openxmlformats.org/officeDocument/2006/relationships" xmlns:p="http://schemas.openxmlformats.org/presentationml/2006/main">
+<p:sld xmlns:a="http://schemas.openxmlformats.org/drawingml/2006/main" xmlns:r="http://schemas.openxmlformats.org/officeDocument/2006/relationships" xmlns:p="http://schemas.openxmlformats.org/presentationml/2006/main">
   <p:cSld>
     <p:spTree>
       <p:nvGrpSpPr>
@@ -5515,7 +8690,7 @@
           <a:p>
             <a:pPr rtl="0"/>
             <a:r>
-              <a:rPr lang="zh-CN" altLang="en-US" dirty="0">
+              <a:rPr lang="zh-CN" altLang="en-US" dirty="0" smtClean="0">
                 <a:ea typeface="Microsoft YaHei UI" panose="020B0503020204020204" pitchFamily="34" charset="-122"/>
               </a:rPr>
               <a:t>一、禅定的五种过患</a:t>
@@ -5560,11 +8735,14 @@
               </a:spcAft>
             </a:pPr>
             <a:r>
-              <a:rPr lang="zh-CN" sz="2300" dirty="0">
+              <a:rPr lang="zh-CN" sz="2300" dirty="0" smtClean="0">
                 <a:ea typeface="Microsoft YaHei UI" panose="020B0503020204020204" pitchFamily="34" charset="-122"/>
               </a:rPr>
               <a:t>如果有这五种障碍，没有办法进行禅定与修行</a:t>
             </a:r>
+            <a:endParaRPr lang="zh-CN" sz="2300" dirty="0" smtClean="0">
+              <a:ea typeface="Microsoft YaHei UI" panose="020B0503020204020204" pitchFamily="34" charset="-122"/>
+            </a:endParaRPr>
           </a:p>
           <a:p>
             <a:pPr rtl="0" fontAlgn="auto">
@@ -5576,20 +8754,23 @@
               </a:spcAft>
             </a:pPr>
             <a:r>
-              <a:rPr lang="zh-CN" sz="2300" dirty="0">
+              <a:rPr lang="zh-CN" sz="2300" dirty="0" smtClean="0">
                 <a:solidFill>
                   <a:srgbClr val="FF0000"/>
                 </a:solidFill>
                 <a:ea typeface="Microsoft YaHei UI" panose="020B0503020204020204" pitchFamily="34" charset="-122"/>
               </a:rPr>
-              <a:t>（一）懈怠</a:t>
-            </a:r>
-            <a:r>
-              <a:rPr lang="zh-CN" sz="2300" dirty="0">
+              <a:t>（一）懈怠：</a:t>
+            </a:r>
+            <a:r>
+              <a:rPr lang="zh-CN" sz="2300" dirty="0" smtClean="0">
                 <a:ea typeface="Microsoft YaHei UI" panose="020B0503020204020204" pitchFamily="34" charset="-122"/>
               </a:rPr>
               <a:t>是贪着吃喝玩乐而不想修行的念头。</a:t>
             </a:r>
+            <a:endParaRPr lang="zh-CN" sz="2300" dirty="0" smtClean="0">
+              <a:ea typeface="Microsoft YaHei UI" panose="020B0503020204020204" pitchFamily="34" charset="-122"/>
+            </a:endParaRPr>
           </a:p>
           <a:p>
             <a:pPr rtl="0" fontAlgn="auto">
@@ -5601,21 +8782,27 @@
               </a:spcAft>
             </a:pPr>
             <a:r>
-              <a:rPr lang="zh-CN" sz="2300" dirty="0">
+              <a:rPr lang="zh-CN" sz="2300" dirty="0" smtClean="0">
                 <a:solidFill>
                   <a:srgbClr val="FF0000"/>
                 </a:solidFill>
                 <a:ea typeface="Microsoft YaHei UI" panose="020B0503020204020204" pitchFamily="34" charset="-122"/>
               </a:rPr>
-              <a:t>（二）遗忘圣言</a:t>
-            </a:r>
-            <a:r>
-              <a:rPr lang="zh-CN" sz="2300" dirty="0">
-                <a:ea typeface="Microsoft YaHei UI" panose="020B0503020204020204" pitchFamily="34" charset="-122"/>
-              </a:rPr>
-              <a:t>就是修禅定的时候，把上师讲的诀窍都给忘了，致使无法正常修行。</a:t>
-            </a:r>
-            <a:endParaRPr lang="en-US" altLang="zh-CN" sz="2300" dirty="0">
+              <a:t>（二）遗忘圣言：</a:t>
+            </a:r>
+            <a:r>
+              <a:rPr lang="zh-CN" sz="2300" dirty="0" smtClean="0">
+                <a:ea typeface="Microsoft YaHei UI" panose="020B0503020204020204" pitchFamily="34" charset="-122"/>
+              </a:rPr>
+              <a:t>就是修禅定的时候，把上师讲的诀窍都给忘了，致使无法正常修行</a:t>
+            </a:r>
+            <a:r>
+              <a:rPr lang="zh-CN" sz="2300" dirty="0" smtClean="0">
+                <a:ea typeface="Microsoft YaHei UI" panose="020B0503020204020204" pitchFamily="34" charset="-122"/>
+              </a:rPr>
+              <a:t>。</a:t>
+            </a:r>
+            <a:endParaRPr lang="en-US" altLang="zh-CN" sz="2300" dirty="0" smtClean="0">
               <a:ea typeface="Microsoft YaHei UI" panose="020B0503020204020204" pitchFamily="34" charset="-122"/>
             </a:endParaRPr>
           </a:p>
@@ -5629,20 +8816,38 @@
               </a:spcAft>
             </a:pPr>
             <a:r>
-              <a:rPr lang="zh-CN" sz="2300" dirty="0">
+              <a:rPr lang="zh-CN" sz="2300" dirty="0" smtClean="0">
                 <a:solidFill>
                   <a:srgbClr val="FF0000"/>
                 </a:solidFill>
                 <a:ea typeface="Microsoft YaHei UI" panose="020B0503020204020204" pitchFamily="34" charset="-122"/>
               </a:rPr>
-              <a:t>（三）昏沈和掉举</a:t>
-            </a:r>
-            <a:r>
-              <a:rPr lang="zh-CN" sz="2300" dirty="0">
-                <a:ea typeface="Microsoft YaHei UI" panose="020B0503020204020204" pitchFamily="34" charset="-122"/>
-              </a:rPr>
-              <a:t>：昏沈属于无明烦恼，掉举属于贪心烦恼。</a:t>
-            </a:r>
+              <a:t>（</a:t>
+            </a:r>
+            <a:r>
+              <a:rPr lang="zh-CN" sz="2300" dirty="0" smtClean="0">
+                <a:solidFill>
+                  <a:srgbClr val="FF0000"/>
+                </a:solidFill>
+                <a:ea typeface="Microsoft YaHei UI" panose="020B0503020204020204" pitchFamily="34" charset="-122"/>
+              </a:rPr>
+              <a:t>三）昏沈和掉举：</a:t>
+            </a:r>
+            <a:r>
+              <a:rPr lang="zh-CN" sz="2300" dirty="0" smtClean="0">
+                <a:ea typeface="Microsoft YaHei UI" panose="020B0503020204020204" pitchFamily="34" charset="-122"/>
+              </a:rPr>
+              <a:t>昏沈属于无明烦恼，掉举属于贪心烦恼</a:t>
+            </a:r>
+            <a:r>
+              <a:rPr lang="zh-CN" sz="2300" dirty="0" smtClean="0">
+                <a:ea typeface="Microsoft YaHei UI" panose="020B0503020204020204" pitchFamily="34" charset="-122"/>
+              </a:rPr>
+              <a:t>。</a:t>
+            </a:r>
+            <a:endParaRPr lang="zh-CN" sz="2300" dirty="0" smtClean="0">
+              <a:ea typeface="Microsoft YaHei UI" panose="020B0503020204020204" pitchFamily="34" charset="-122"/>
+            </a:endParaRPr>
           </a:p>
           <a:p>
             <a:pPr rtl="0" fontAlgn="auto">
@@ -5654,7 +8859,7 @@
               </a:spcAft>
             </a:pPr>
             <a:r>
-              <a:rPr lang="zh-CN" sz="2300" dirty="0">
+              <a:rPr lang="zh-CN" sz="2300" dirty="0" smtClean="0">
                 <a:solidFill>
                   <a:srgbClr val="FF0000"/>
                 </a:solidFill>
@@ -5663,11 +8868,14 @@
               <a:t>（四）不行对治：</a:t>
             </a:r>
             <a:r>
-              <a:rPr lang="zh-CN" sz="2300" dirty="0">
+              <a:rPr lang="zh-CN" sz="2300" dirty="0" smtClean="0">
                 <a:ea typeface="Microsoft YaHei UI" panose="020B0503020204020204" pitchFamily="34" charset="-122"/>
               </a:rPr>
               <a:t>对昏沈、掉举，不控制、不对治，任其发展。</a:t>
             </a:r>
+            <a:endParaRPr lang="zh-CN" sz="2300" dirty="0" smtClean="0">
+              <a:ea typeface="Microsoft YaHei UI" panose="020B0503020204020204" pitchFamily="34" charset="-122"/>
+            </a:endParaRPr>
           </a:p>
           <a:p>
             <a:pPr rtl="0" fontAlgn="auto">
@@ -5679,7 +8887,7 @@
               </a:spcAft>
             </a:pPr>
             <a:r>
-              <a:rPr lang="zh-CN" sz="2300" dirty="0">
+              <a:rPr lang="zh-CN" sz="2300" dirty="0" smtClean="0">
                 <a:solidFill>
                   <a:srgbClr val="FF0000"/>
                 </a:solidFill>
@@ -5688,12 +8896,24 @@
               <a:t>（五）无沈掉时行对治：</a:t>
             </a:r>
             <a:r>
-              <a:rPr lang="zh-CN" sz="2300" dirty="0">
-                <a:ea typeface="Microsoft YaHei UI" panose="020B0503020204020204" pitchFamily="34" charset="-122"/>
-              </a:rPr>
-              <a:t>心没有昏沈、掉举的时候，却强行去扰乱这个状态。</a:t>
-            </a:r>
-            <a:endParaRPr lang="en-US" altLang="zh-CN" sz="2300" dirty="0">
+              <a:rPr lang="zh-CN" sz="2300" dirty="0" smtClean="0">
+                <a:ea typeface="Microsoft YaHei UI" panose="020B0503020204020204" pitchFamily="34" charset="-122"/>
+              </a:rPr>
+              <a:t>心</a:t>
+            </a:r>
+            <a:r>
+              <a:rPr lang="zh-CN" sz="2300" dirty="0" smtClean="0">
+                <a:ea typeface="Microsoft YaHei UI" panose="020B0503020204020204" pitchFamily="34" charset="-122"/>
+              </a:rPr>
+              <a:t>没有昏沈、掉举的时候，却强行去扰乱这个状态</a:t>
+            </a:r>
+            <a:r>
+              <a:rPr lang="zh-CN" sz="2300" dirty="0" smtClean="0">
+                <a:ea typeface="Microsoft YaHei UI" panose="020B0503020204020204" pitchFamily="34" charset="-122"/>
+              </a:rPr>
+              <a:t>。</a:t>
+            </a:r>
+            <a:endParaRPr lang="en-US" altLang="zh-CN" sz="2300" dirty="0" smtClean="0">
               <a:ea typeface="Microsoft YaHei UI" panose="020B0503020204020204" pitchFamily="34" charset="-122"/>
             </a:endParaRPr>
           </a:p>
@@ -5707,10 +8927,22 @@
               </a:spcAft>
             </a:pPr>
             <a:r>
+              <a:rPr lang="zh-CN" altLang="en-US" sz="2300" dirty="0" smtClean="0">
+                <a:ea typeface="Microsoft YaHei UI" panose="020B0503020204020204" pitchFamily="34" charset="-122"/>
+              </a:rPr>
+              <a:t>懈怠</a:t>
+            </a:r>
+            <a:r>
               <a:rPr lang="zh-CN" altLang="en-US" sz="2300" dirty="0">
                 <a:ea typeface="Microsoft YaHei UI" panose="020B0503020204020204" pitchFamily="34" charset="-122"/>
               </a:rPr>
-              <a:t>懈怠和遗忘圣言影响我们无法进入禅定与修行。昏沉与掉举会影响禅定的本质，也是禅定的最大障碍。不对治行和无沈掉时行对治会影响禅定的发展。</a:t>
+              <a:t>和遗忘圣言影响我们无法进入禅定与修行。昏沉与掉举会影响禅定的本质，也是禅定的最大障碍。不行</a:t>
+            </a:r>
+            <a:r>
+              <a:rPr lang="zh-CN" altLang="en-US" sz="2300" dirty="0">
+                <a:ea typeface="Microsoft YaHei UI" panose="020B0503020204020204" pitchFamily="34" charset="-122"/>
+              </a:rPr>
+              <a:t>对治和无沈掉时行对治会影响禅定的发展。</a:t>
             </a:r>
             <a:endParaRPr lang="en-US" altLang="zh-CN" sz="2300" dirty="0">
               <a:ea typeface="Microsoft YaHei UI" panose="020B0503020204020204" pitchFamily="34" charset="-122"/>
@@ -5725,7 +8957,7 @@
                 <a:spcPts val="0"/>
               </a:spcAft>
             </a:pPr>
-            <a:endParaRPr lang="zh-CN" sz="2300" dirty="0">
+            <a:endParaRPr lang="zh-CN" sz="2300" dirty="0" smtClean="0">
               <a:ea typeface="Microsoft YaHei UI" panose="020B0503020204020204" pitchFamily="34" charset="-122"/>
             </a:endParaRPr>
           </a:p>
@@ -5746,10 +8978,10 @@
           <p:nvPr/>
         </p:nvPicPr>
         <p:blipFill>
-          <a:blip r:embed="rId3" cstate="screen">
+          <a:blip r:embed="rId1" cstate="print">
             <a:extLst>
               <a:ext uri="{28A0092B-C50C-407E-A947-70E740481C1C}">
-                <a14:useLocalDpi xmlns:a14="http://schemas.microsoft.com/office/drawing/2010/main"/>
+                <a14:useLocalDpi xmlns:a14="http://schemas.microsoft.com/office/drawing/2010/main" val="0"/>
               </a:ext>
             </a:extLst>
           </a:blip>
@@ -5774,13 +9006,7 @@
           <p:nvPr/>
         </p:nvPicPr>
         <p:blipFill rotWithShape="1">
-          <a:blip r:embed="rId4" cstate="screen">
-            <a:extLst>
-              <a:ext uri="{28A0092B-C50C-407E-A947-70E740481C1C}">
-                <a14:useLocalDpi xmlns:a14="http://schemas.microsoft.com/office/drawing/2010/main"/>
-              </a:ext>
-            </a:extLst>
-          </a:blip>
+          <a:blip r:embed="rId2"/>
           <a:srcRect/>
           <a:stretch>
             <a:fillRect/>
@@ -5809,7 +9035,7 @@
 </file>
 
 <file path=ppt/slides/slide5.xml><?xml version="1.0" encoding="utf-8"?>
-<p:sld xmlns:a14="http://schemas.microsoft.com/office/drawing/2010/main" xmlns:a="http://schemas.openxmlformats.org/drawingml/2006/main" xmlns:r="http://schemas.openxmlformats.org/officeDocument/2006/relationships" xmlns:p="http://schemas.openxmlformats.org/presentationml/2006/main">
+<p:sld xmlns:a="http://schemas.openxmlformats.org/drawingml/2006/main" xmlns:r="http://schemas.openxmlformats.org/officeDocument/2006/relationships" xmlns:p="http://schemas.openxmlformats.org/presentationml/2006/main">
   <p:cSld>
     <p:spTree>
       <p:nvGrpSpPr>
@@ -5847,11 +9073,14 @@
           <a:p>
             <a:pPr rtl="0"/>
             <a:r>
-              <a:rPr lang="zh-CN" altLang="en-US" dirty="0">
+              <a:rPr lang="zh-CN" altLang="en-US" dirty="0" smtClean="0">
                 <a:ea typeface="Microsoft YaHei UI" panose="020B0503020204020204" pitchFamily="34" charset="-122"/>
               </a:rPr>
               <a:t>二、五种过患的八种对治方法</a:t>
             </a:r>
+            <a:endParaRPr lang="zh-CN" altLang="en-US" dirty="0" smtClean="0">
+              <a:ea typeface="Microsoft YaHei UI" panose="020B0503020204020204" pitchFamily="34" charset="-122"/>
+            </a:endParaRPr>
           </a:p>
         </p:txBody>
       </p:sp>
@@ -5873,69 +9102,138 @@
         </p:spPr>
         <p:txBody>
           <a:bodyPr rtlCol="0">
-            <a:normAutofit/>
+            <a:normAutofit fontScale="90000" lnSpcReduction="20000"/>
           </a:bodyPr>
           <a:lstStyle/>
           <a:p>
             <a:pPr rtl="0"/>
             <a:r>
-              <a:rPr lang="zh-CN" sz="2700" dirty="0">
+              <a:rPr lang="zh-CN" sz="2700" dirty="0" smtClean="0">
                 <a:ea typeface="Microsoft YaHei UI" panose="020B0503020204020204" pitchFamily="34" charset="-122"/>
               </a:rPr>
               <a:t>（一）信：对禅定的信心。</a:t>
             </a:r>
+            <a:endParaRPr lang="zh-CN" sz="2700" dirty="0" smtClean="0">
+              <a:ea typeface="Microsoft YaHei UI" panose="020B0503020204020204" pitchFamily="34" charset="-122"/>
+            </a:endParaRPr>
           </a:p>
           <a:p>
             <a:pPr rtl="0"/>
             <a:r>
-              <a:rPr lang="zh-CN" sz="2700" dirty="0">
-                <a:ea typeface="Microsoft YaHei UI" panose="020B0503020204020204" pitchFamily="34" charset="-122"/>
-              </a:rPr>
-              <a:t>信心有三种：第一是相信禅定的方法，第二是对禅定有兴趣，第三是渴望追求禅定的境界。</a:t>
-            </a:r>
+              <a:rPr lang="zh-CN" sz="2700" dirty="0" smtClean="0">
+                <a:ea typeface="Microsoft YaHei UI" panose="020B0503020204020204" pitchFamily="34" charset="-122"/>
+              </a:rPr>
+              <a:t>信心有三种：第一是相信禅定的方法。</a:t>
+            </a:r>
+            <a:endParaRPr lang="zh-CN" sz="2700" dirty="0" smtClean="0">
+              <a:ea typeface="Microsoft YaHei UI" panose="020B0503020204020204" pitchFamily="34" charset="-122"/>
+            </a:endParaRPr>
           </a:p>
           <a:p>
             <a:pPr rtl="0"/>
             <a:r>
-              <a:rPr lang="zh-CN" sz="2700" dirty="0">
-                <a:ea typeface="Microsoft YaHei UI" panose="020B0503020204020204" pitchFamily="34" charset="-122"/>
-              </a:rPr>
-              <a:t>（二）欲：追求、希求禅定</a:t>
-            </a:r>
+              <a:rPr lang="en-US" altLang="zh-CN" sz="2700" dirty="0" smtClean="0">
+                <a:ea typeface="Microsoft YaHei UI" panose="020B0503020204020204" pitchFamily="34" charset="-122"/>
+              </a:rPr>
+              <a:t>                  </a:t>
+            </a:r>
+            <a:r>
+              <a:rPr lang="zh-CN" sz="2700" dirty="0" smtClean="0">
+                <a:ea typeface="Microsoft YaHei UI" panose="020B0503020204020204" pitchFamily="34" charset="-122"/>
+              </a:rPr>
+              <a:t>第二是对禅定有兴趣。</a:t>
+            </a:r>
+            <a:endParaRPr lang="zh-CN" sz="2700" dirty="0" smtClean="0">
+              <a:ea typeface="Microsoft YaHei UI" panose="020B0503020204020204" pitchFamily="34" charset="-122"/>
+            </a:endParaRPr>
           </a:p>
           <a:p>
             <a:pPr rtl="0"/>
             <a:r>
-              <a:rPr lang="zh-CN" sz="2700" dirty="0">
-                <a:ea typeface="Microsoft YaHei UI" panose="020B0503020204020204" pitchFamily="34" charset="-122"/>
-              </a:rPr>
-              <a:t>（三）勤：精进、努力</a:t>
-            </a:r>
+              <a:rPr lang="zh-CN" sz="2700" dirty="0" smtClean="0">
+                <a:ea typeface="Microsoft YaHei UI" panose="020B0503020204020204" pitchFamily="34" charset="-122"/>
+              </a:rPr>
+              <a:t> </a:t>
+            </a:r>
+            <a:r>
+              <a:rPr lang="en-US" altLang="zh-CN" sz="2700" dirty="0" smtClean="0">
+                <a:ea typeface="Microsoft YaHei UI" panose="020B0503020204020204" pitchFamily="34" charset="-122"/>
+              </a:rPr>
+              <a:t>                 </a:t>
+            </a:r>
+            <a:r>
+              <a:rPr lang="zh-CN" sz="2700" dirty="0" smtClean="0">
+                <a:ea typeface="Microsoft YaHei UI" panose="020B0503020204020204" pitchFamily="34" charset="-122"/>
+              </a:rPr>
+              <a:t>第三是</a:t>
+            </a:r>
+            <a:r>
+              <a:rPr lang="zh-CN" sz="2700" dirty="0" smtClean="0">
+                <a:ea typeface="Microsoft YaHei UI" panose="020B0503020204020204" pitchFamily="34" charset="-122"/>
+              </a:rPr>
+              <a:t>渴望追求禅定的境界。</a:t>
+            </a:r>
+            <a:endParaRPr lang="zh-CN" sz="2700" dirty="0" smtClean="0">
+              <a:ea typeface="Microsoft YaHei UI" panose="020B0503020204020204" pitchFamily="34" charset="-122"/>
+            </a:endParaRPr>
           </a:p>
           <a:p>
             <a:pPr rtl="0"/>
             <a:r>
-              <a:rPr lang="zh-CN" sz="2700" dirty="0">
+              <a:rPr lang="zh-CN" sz="2700" dirty="0" smtClean="0">
+                <a:ea typeface="Microsoft YaHei UI" panose="020B0503020204020204" pitchFamily="34" charset="-122"/>
+              </a:rPr>
+              <a:t>（二）欲：</a:t>
+            </a:r>
+            <a:r>
+              <a:rPr lang="zh-CN" sz="2700" dirty="0" smtClean="0">
+                <a:ea typeface="Microsoft YaHei UI" panose="020B0503020204020204" pitchFamily="34" charset="-122"/>
+              </a:rPr>
+              <a:t>追求、希求禅定。</a:t>
+            </a:r>
+            <a:endParaRPr lang="zh-CN" sz="2700" dirty="0" smtClean="0">
+              <a:ea typeface="Microsoft YaHei UI" panose="020B0503020204020204" pitchFamily="34" charset="-122"/>
+            </a:endParaRPr>
+          </a:p>
+          <a:p>
+            <a:pPr rtl="0"/>
+            <a:r>
+              <a:rPr lang="zh-CN" sz="2700" dirty="0" smtClean="0">
+                <a:ea typeface="Microsoft YaHei UI" panose="020B0503020204020204" pitchFamily="34" charset="-122"/>
+              </a:rPr>
+              <a:t>（三）勤：精进、努力。</a:t>
+            </a:r>
+            <a:endParaRPr lang="zh-CN" sz="2700" dirty="0" smtClean="0">
+              <a:ea typeface="Microsoft YaHei UI" panose="020B0503020204020204" pitchFamily="34" charset="-122"/>
+            </a:endParaRPr>
+          </a:p>
+          <a:p>
+            <a:pPr rtl="0"/>
+            <a:r>
+              <a:rPr lang="zh-CN" sz="2700" dirty="0" smtClean="0">
                 <a:ea typeface="Microsoft YaHei UI" panose="020B0503020204020204" pitchFamily="34" charset="-122"/>
               </a:rPr>
               <a:t>（四）轻安：禅定的喜悦</a:t>
             </a:r>
             <a:r>
-              <a:rPr lang="en-US" altLang="zh-CN" sz="2700" dirty="0">
+              <a:rPr lang="en-US" altLang="zh-CN" sz="2700" dirty="0" smtClean="0">
                 <a:ea typeface="Microsoft YaHei UI" panose="020B0503020204020204" pitchFamily="34" charset="-122"/>
               </a:rPr>
               <a:t>——</a:t>
             </a:r>
             <a:r>
-              <a:rPr lang="zh-CN" sz="2700" dirty="0">
-                <a:ea typeface="Microsoft YaHei UI" panose="020B0503020204020204" pitchFamily="34" charset="-122"/>
-              </a:rPr>
-              <a:t>心里很平静，身体很放松</a:t>
-            </a:r>
+              <a:rPr lang="zh-CN" sz="2700" dirty="0" smtClean="0">
+                <a:ea typeface="Microsoft YaHei UI" panose="020B0503020204020204" pitchFamily="34" charset="-122"/>
+              </a:rPr>
+              <a:t>心里很平静，身体很放松。</a:t>
+            </a:r>
+            <a:endParaRPr lang="zh-CN" sz="2700" dirty="0" smtClean="0">
+              <a:ea typeface="Microsoft YaHei UI" panose="020B0503020204020204" pitchFamily="34" charset="-122"/>
+            </a:endParaRPr>
           </a:p>
           <a:p>
             <a:pPr rtl="0"/>
-            <a:endParaRPr lang="zh-CN" sz="2700" dirty="0">
+            <a:endParaRPr lang="zh-CN" sz="2700" dirty="0" smtClean="0">
               <a:ea typeface="Microsoft YaHei UI" panose="020B0503020204020204" pitchFamily="34" charset="-122"/>
             </a:endParaRPr>
           </a:p>
@@ -5950,10 +9248,10 @@
           <p:nvPr/>
         </p:nvPicPr>
         <p:blipFill>
-          <a:blip r:embed="rId3" cstate="screen">
+          <a:blip r:embed="rId1" cstate="print">
             <a:extLst>
               <a:ext uri="{28A0092B-C50C-407E-A947-70E740481C1C}">
-                <a14:useLocalDpi xmlns:a14="http://schemas.microsoft.com/office/drawing/2010/main"/>
+                <a14:useLocalDpi xmlns:a14="http://schemas.microsoft.com/office/drawing/2010/main" val="0"/>
               </a:ext>
             </a:extLst>
           </a:blip>
@@ -5978,13 +9276,7 @@
           <p:nvPr/>
         </p:nvPicPr>
         <p:blipFill rotWithShape="1">
-          <a:blip r:embed="rId4" cstate="screen">
-            <a:extLst>
-              <a:ext uri="{28A0092B-C50C-407E-A947-70E740481C1C}">
-                <a14:useLocalDpi xmlns:a14="http://schemas.microsoft.com/office/drawing/2010/main"/>
-              </a:ext>
-            </a:extLst>
-          </a:blip>
+          <a:blip r:embed="rId2"/>
           <a:srcRect/>
           <a:stretch>
             <a:fillRect/>
@@ -6013,7 +9305,7 @@
 </file>
 
 <file path=ppt/slides/slide6.xml><?xml version="1.0" encoding="utf-8"?>
-<p:sld xmlns:a14="http://schemas.microsoft.com/office/drawing/2010/main" xmlns:a="http://schemas.openxmlformats.org/drawingml/2006/main" xmlns:r="http://schemas.openxmlformats.org/officeDocument/2006/relationships" xmlns:p="http://schemas.openxmlformats.org/presentationml/2006/main">
+<p:sld xmlns:a="http://schemas.openxmlformats.org/drawingml/2006/main" xmlns:r="http://schemas.openxmlformats.org/officeDocument/2006/relationships" xmlns:p="http://schemas.openxmlformats.org/presentationml/2006/main">
   <p:cSld>
     <p:spTree>
       <p:nvGrpSpPr>
@@ -6051,11 +9343,14 @@
           <a:p>
             <a:pPr rtl="0"/>
             <a:r>
-              <a:rPr lang="zh-CN" altLang="en-US" dirty="0">
+              <a:rPr lang="zh-CN" altLang="en-US" dirty="0" smtClean="0">
                 <a:ea typeface="Microsoft YaHei UI" panose="020B0503020204020204" pitchFamily="34" charset="-122"/>
               </a:rPr>
               <a:t>二、五种过患的八种对治方法</a:t>
             </a:r>
+            <a:endParaRPr lang="zh-CN" altLang="en-US" dirty="0" smtClean="0">
+              <a:ea typeface="Microsoft YaHei UI" panose="020B0503020204020204" pitchFamily="34" charset="-122"/>
+            </a:endParaRPr>
           </a:p>
         </p:txBody>
       </p:sp>
@@ -6083,35 +9378,59 @@
           <a:p>
             <a:pPr rtl="0"/>
             <a:r>
-              <a:rPr lang="zh-CN" sz="2700" dirty="0">
-                <a:ea typeface="Microsoft YaHei UI" panose="020B0503020204020204" pitchFamily="34" charset="-122"/>
-              </a:rPr>
-              <a:t>（五）正念：一直不离开、不遗忘修行的目标。</a:t>
-            </a:r>
-            <a:endParaRPr lang="en-US" altLang="zh-CN" sz="2700" dirty="0">
+              <a:rPr lang="zh-CN" sz="2700" dirty="0" smtClean="0">
+                <a:ea typeface="Microsoft YaHei UI" panose="020B0503020204020204" pitchFamily="34" charset="-122"/>
+              </a:rPr>
+              <a:t>（五）正念：一直不离开、不遗忘修行的目标</a:t>
+            </a:r>
+            <a:r>
+              <a:rPr lang="zh-CN" sz="2700" dirty="0" smtClean="0">
+                <a:ea typeface="Microsoft YaHei UI" panose="020B0503020204020204" pitchFamily="34" charset="-122"/>
+              </a:rPr>
+              <a:t>。</a:t>
+            </a:r>
+            <a:endParaRPr lang="en-US" altLang="zh-CN" sz="2700" dirty="0" smtClean="0">
               <a:ea typeface="Microsoft YaHei UI" panose="020B0503020204020204" pitchFamily="34" charset="-122"/>
             </a:endParaRPr>
           </a:p>
           <a:p>
             <a:r>
-              <a:rPr lang="zh-CN" sz="2700" dirty="0">
-                <a:ea typeface="Microsoft YaHei UI" panose="020B0503020204020204" pitchFamily="34" charset="-122"/>
-              </a:rPr>
-              <a:t>（六）正知：</a:t>
+              <a:rPr lang="zh-CN" sz="2700" dirty="0" smtClean="0">
+                <a:ea typeface="Microsoft YaHei UI" panose="020B0503020204020204" pitchFamily="34" charset="-122"/>
+              </a:rPr>
+              <a:t>（</a:t>
+            </a:r>
+            <a:r>
+              <a:rPr lang="zh-CN" sz="2700" dirty="0" smtClean="0">
+                <a:ea typeface="Microsoft YaHei UI" panose="020B0503020204020204" pitchFamily="34" charset="-122"/>
+              </a:rPr>
+              <a:t>六）正知</a:t>
+            </a:r>
+            <a:r>
+              <a:rPr lang="zh-CN" sz="2700" dirty="0" smtClean="0">
+                <a:ea typeface="Microsoft YaHei UI" panose="020B0503020204020204" pitchFamily="34" charset="-122"/>
+              </a:rPr>
+              <a:t>：</a:t>
             </a:r>
             <a:r>
               <a:rPr lang="zh-CN" altLang="en-US" sz="2700" dirty="0">
                 <a:ea typeface="Microsoft YaHei UI" panose="020B0503020204020204" pitchFamily="34" charset="-122"/>
               </a:rPr>
-              <a:t>侧面的监视或者观察自己的修行，有没有昏沉掉举，都清清楚楚。</a:t>
-            </a:r>
-            <a:endParaRPr lang="en-US" altLang="zh-CN" sz="2700" dirty="0">
+              <a:t>侧面的监视或者观察自己的修行，有没有昏沉掉举，都清清楚楚</a:t>
+            </a:r>
+            <a:r>
+              <a:rPr lang="zh-CN" altLang="en-US" sz="2700" dirty="0" smtClean="0">
+                <a:ea typeface="Microsoft YaHei UI" panose="020B0503020204020204" pitchFamily="34" charset="-122"/>
+              </a:rPr>
+              <a:t>。</a:t>
+            </a:r>
+            <a:endParaRPr lang="en-US" altLang="zh-CN" sz="2700" dirty="0" smtClean="0">
               <a:ea typeface="Microsoft YaHei UI" panose="020B0503020204020204" pitchFamily="34" charset="-122"/>
             </a:endParaRPr>
           </a:p>
           <a:p>
             <a:r>
-              <a:rPr lang="zh-CN" sz="2700" dirty="0">
+              <a:rPr lang="zh-CN" sz="2700" dirty="0" smtClean="0">
                 <a:ea typeface="Microsoft YaHei UI" panose="020B0503020204020204" pitchFamily="34" charset="-122"/>
               </a:rPr>
               <a:t>（</a:t>
@@ -6123,80 +9442,113 @@
               <a:t>七</a:t>
             </a:r>
             <a:r>
-              <a:rPr lang="zh-CN" sz="2700" dirty="0">
-                <a:ea typeface="Microsoft YaHei UI" panose="020B0503020204020204" pitchFamily="34" charset="-122"/>
-              </a:rPr>
-              <a:t>）作思：对昏沈、掉举，一定要采取控制、对治的措施。</a:t>
-            </a:r>
+              <a:rPr lang="zh-CN" sz="2700" dirty="0" smtClean="0">
+                <a:ea typeface="Microsoft YaHei UI" panose="020B0503020204020204" pitchFamily="34" charset="-122"/>
+              </a:rPr>
+              <a:t>）</a:t>
+            </a:r>
+            <a:r>
+              <a:rPr lang="zh-CN" sz="2700" dirty="0" smtClean="0">
+                <a:ea typeface="Microsoft YaHei UI" panose="020B0503020204020204" pitchFamily="34" charset="-122"/>
+              </a:rPr>
+              <a:t>作思：对昏沈、掉举，一定要采取控制、对治的措施。</a:t>
+            </a:r>
+            <a:endParaRPr lang="zh-CN" sz="2700" dirty="0" smtClean="0">
+              <a:ea typeface="Microsoft YaHei UI" panose="020B0503020204020204" pitchFamily="34" charset="-122"/>
+            </a:endParaRPr>
           </a:p>
           <a:p>
             <a:pPr rtl="0"/>
             <a:r>
-              <a:rPr lang="zh-CN" sz="2700" dirty="0">
+              <a:rPr lang="zh-CN" sz="2700" dirty="0" smtClean="0">
                 <a:ea typeface="Microsoft YaHei UI" panose="020B0503020204020204" pitchFamily="34" charset="-122"/>
               </a:rPr>
               <a:t>（</a:t>
             </a:r>
             <a:r>
+              <a:rPr lang="zh-CN" altLang="en-US" sz="2700" dirty="0" smtClean="0">
+                <a:ea typeface="Microsoft YaHei UI" panose="020B0503020204020204" pitchFamily="34" charset="-122"/>
+              </a:rPr>
+              <a:t>八</a:t>
+            </a:r>
+            <a:r>
+              <a:rPr lang="zh-CN" sz="2700" dirty="0" smtClean="0">
+                <a:ea typeface="Microsoft YaHei UI" panose="020B0503020204020204" pitchFamily="34" charset="-122"/>
+              </a:rPr>
+              <a:t>）</a:t>
+            </a:r>
+            <a:r>
+              <a:rPr lang="zh-CN" sz="2700" dirty="0" smtClean="0">
+                <a:ea typeface="Microsoft YaHei UI" panose="020B0503020204020204" pitchFamily="34" charset="-122"/>
+              </a:rPr>
+              <a:t>舍：</a:t>
+            </a:r>
+            <a:r>
+              <a:rPr sz="2700" dirty="0" smtClean="0">
+                <a:ea typeface="Microsoft YaHei UI" panose="020B0503020204020204" pitchFamily="34" charset="-122"/>
+              </a:rPr>
+              <a:t>如果没有昏沈、掉举</a:t>
+            </a:r>
+            <a:r>
+              <a:rPr lang="zh-CN" sz="2700" dirty="0" smtClean="0">
+                <a:ea typeface="Microsoft YaHei UI" panose="020B0503020204020204" pitchFamily="34" charset="-122"/>
+              </a:rPr>
+              <a:t>时，</a:t>
+            </a:r>
+            <a:r>
+              <a:rPr sz="2700" dirty="0" smtClean="0">
+                <a:ea typeface="Microsoft YaHei UI" panose="020B0503020204020204" pitchFamily="34" charset="-122"/>
+              </a:rPr>
+              <a:t>就要保</a:t>
+            </a:r>
+            <a:r>
+              <a:rPr lang="zh-CN" sz="2700" dirty="0" smtClean="0">
+                <a:ea typeface="Microsoft YaHei UI" panose="020B0503020204020204" pitchFamily="34" charset="-122"/>
+              </a:rPr>
+              <a:t>留、持续</a:t>
+            </a:r>
+            <a:r>
+              <a:rPr sz="2700" dirty="0" smtClean="0">
+                <a:ea typeface="Microsoft YaHei UI" panose="020B0503020204020204" pitchFamily="34" charset="-122"/>
+              </a:rPr>
+              <a:t>心的平静</a:t>
+            </a:r>
+            <a:r>
+              <a:rPr lang="zh-CN" sz="2700" dirty="0" smtClean="0">
+                <a:ea typeface="Microsoft YaHei UI" panose="020B0503020204020204" pitchFamily="34" charset="-122"/>
+              </a:rPr>
+              <a:t>。</a:t>
+            </a:r>
+            <a:endParaRPr sz="2700" dirty="0" smtClean="0">
+              <a:ea typeface="Microsoft YaHei UI" panose="020B0503020204020204" pitchFamily="34" charset="-122"/>
+            </a:endParaRPr>
+          </a:p>
+          <a:p>
+            <a:r>
               <a:rPr lang="zh-CN" altLang="en-US" sz="2700" dirty="0">
                 <a:ea typeface="Microsoft YaHei UI" panose="020B0503020204020204" pitchFamily="34" charset="-122"/>
               </a:rPr>
-              <a:t>八</a:t>
-            </a:r>
-            <a:r>
-              <a:rPr lang="zh-CN" sz="2700" dirty="0">
-                <a:ea typeface="Microsoft YaHei UI" panose="020B0503020204020204" pitchFamily="34" charset="-122"/>
-              </a:rPr>
-              <a:t>）舍：</a:t>
-            </a:r>
-            <a:r>
-              <a:rPr sz="2700" dirty="0">
-                <a:ea typeface="Microsoft YaHei UI" panose="020B0503020204020204" pitchFamily="34" charset="-122"/>
-              </a:rPr>
-              <a:t>如果没有昏沈、掉举</a:t>
-            </a:r>
-            <a:r>
-              <a:rPr lang="zh-CN" sz="2700" dirty="0">
-                <a:ea typeface="Microsoft YaHei UI" panose="020B0503020204020204" pitchFamily="34" charset="-122"/>
-              </a:rPr>
-              <a:t>时，</a:t>
-            </a:r>
-            <a:r>
-              <a:rPr sz="2700" dirty="0">
-                <a:ea typeface="Microsoft YaHei UI" panose="020B0503020204020204" pitchFamily="34" charset="-122"/>
-              </a:rPr>
-              <a:t>就要保</a:t>
-            </a:r>
-            <a:r>
-              <a:rPr lang="zh-CN" sz="2700" dirty="0">
-                <a:ea typeface="Microsoft YaHei UI" panose="020B0503020204020204" pitchFamily="34" charset="-122"/>
-              </a:rPr>
-              <a:t>留、持续</a:t>
-            </a:r>
-            <a:r>
-              <a:rPr sz="2700" dirty="0">
-                <a:ea typeface="Microsoft YaHei UI" panose="020B0503020204020204" pitchFamily="34" charset="-122"/>
-              </a:rPr>
-              <a:t>心的平静</a:t>
-            </a:r>
-            <a:r>
-              <a:rPr lang="zh-CN" sz="2700" dirty="0">
-                <a:ea typeface="Microsoft YaHei UI" panose="020B0503020204020204" pitchFamily="34" charset="-122"/>
-              </a:rPr>
-              <a:t>。</a:t>
-            </a:r>
-            <a:endParaRPr sz="2700" dirty="0">
-              <a:ea typeface="Microsoft YaHei UI" panose="020B0503020204020204" pitchFamily="34" charset="-122"/>
-            </a:endParaRPr>
-          </a:p>
-          <a:p>
+              <a:t>信、欲、勤、轻安对治（驱除）懒惰。正念、正知对治昏沉掉举和遗忘圣言。作思对治不行对治。舍对治无沈掉时行的对治</a:t>
+            </a:r>
+            <a:r>
+              <a:rPr lang="zh-CN" altLang="en-US" sz="2700" dirty="0" smtClean="0">
+                <a:ea typeface="Microsoft YaHei UI" panose="020B0503020204020204" pitchFamily="34" charset="-122"/>
+              </a:rPr>
+              <a:t>。最</a:t>
+            </a:r>
             <a:r>
               <a:rPr lang="zh-CN" altLang="en-US" sz="2700" dirty="0">
                 <a:ea typeface="Microsoft YaHei UI" panose="020B0503020204020204" pitchFamily="34" charset="-122"/>
               </a:rPr>
-              <a:t>信、欲、勤、轻安对治（驱除）懒惰。正念、正知对治昏沉掉举和遗忘圣言。作思对治不行对治。舍对治无沈掉时行的对治。最重要的后四个，正念、正知、作思、舍。</a:t>
-            </a:r>
-            <a:endParaRPr lang="zh-CN" sz="2700" dirty="0">
+              <a:t>重要的后四个，正念、正知、作思、</a:t>
+            </a:r>
+            <a:r>
+              <a:rPr lang="zh-CN" altLang="en-US" sz="2700" dirty="0" smtClean="0">
+                <a:ea typeface="Microsoft YaHei UI" panose="020B0503020204020204" pitchFamily="34" charset="-122"/>
+              </a:rPr>
+              <a:t>舍。</a:t>
+            </a:r>
+            <a:endParaRPr lang="zh-CN" sz="2700" dirty="0" smtClean="0">
               <a:ea typeface="Microsoft YaHei UI" panose="020B0503020204020204" pitchFamily="34" charset="-122"/>
             </a:endParaRPr>
           </a:p>
@@ -6211,10 +9563,10 @@
           <p:nvPr/>
         </p:nvPicPr>
         <p:blipFill>
-          <a:blip r:embed="rId3" cstate="screen">
+          <a:blip r:embed="rId1" cstate="print">
             <a:extLst>
               <a:ext uri="{28A0092B-C50C-407E-A947-70E740481C1C}">
-                <a14:useLocalDpi xmlns:a14="http://schemas.microsoft.com/office/drawing/2010/main"/>
+                <a14:useLocalDpi xmlns:a14="http://schemas.microsoft.com/office/drawing/2010/main" val="0"/>
               </a:ext>
             </a:extLst>
           </a:blip>
@@ -6239,13 +9591,7 @@
           <p:nvPr/>
         </p:nvPicPr>
         <p:blipFill rotWithShape="1">
-          <a:blip r:embed="rId4" cstate="screen">
-            <a:extLst>
-              <a:ext uri="{28A0092B-C50C-407E-A947-70E740481C1C}">
-                <a14:useLocalDpi xmlns:a14="http://schemas.microsoft.com/office/drawing/2010/main"/>
-              </a:ext>
-            </a:extLst>
-          </a:blip>
+          <a:blip r:embed="rId2"/>
           <a:srcRect/>
           <a:stretch>
             <a:fillRect/>
@@ -6274,7 +9620,7 @@
 </file>
 
 <file path=ppt/slides/slide7.xml><?xml version="1.0" encoding="utf-8"?>
-<p:sld xmlns:a14="http://schemas.microsoft.com/office/drawing/2010/main" xmlns:a="http://schemas.openxmlformats.org/drawingml/2006/main" xmlns:r="http://schemas.openxmlformats.org/officeDocument/2006/relationships" xmlns:p="http://schemas.openxmlformats.org/presentationml/2006/main">
+<p:sld xmlns:a="http://schemas.openxmlformats.org/drawingml/2006/main" xmlns:r="http://schemas.openxmlformats.org/officeDocument/2006/relationships" xmlns:p="http://schemas.openxmlformats.org/presentationml/2006/main">
   <p:cSld>
     <p:spTree>
       <p:nvGrpSpPr>
@@ -6312,7 +9658,7 @@
           <a:p>
             <a:pPr rtl="0"/>
             <a:r>
-              <a:rPr lang="zh-CN" altLang="en-US" dirty="0">
+              <a:rPr lang="zh-CN" altLang="en-US" dirty="0" smtClean="0">
                 <a:ea typeface="Microsoft YaHei UI" panose="020B0503020204020204" pitchFamily="34" charset="-122"/>
               </a:rPr>
               <a:t>三、六力</a:t>
@@ -6351,11 +9697,14 @@
               </a:lnSpc>
             </a:pPr>
             <a:r>
-              <a:rPr lang="zh-CN" altLang="en-US" sz="2900" dirty="0">
+              <a:rPr lang="zh-CN" altLang="en-US" sz="2900" dirty="0" smtClean="0">
                 <a:ea typeface="Microsoft YaHei UI" panose="020B0503020204020204" pitchFamily="34" charset="-122"/>
               </a:rPr>
               <a:t>（一）闻力：即听闻的力量。</a:t>
             </a:r>
+            <a:endParaRPr lang="zh-CN" altLang="en-US" sz="2900" dirty="0" smtClean="0">
+              <a:ea typeface="Microsoft YaHei UI" panose="020B0503020204020204" pitchFamily="34" charset="-122"/>
+            </a:endParaRPr>
           </a:p>
           <a:p>
             <a:pPr rtl="0">
@@ -6364,11 +9713,14 @@
               </a:lnSpc>
             </a:pPr>
             <a:r>
-              <a:rPr lang="zh-CN" altLang="en-US" sz="2900" dirty="0">
+              <a:rPr lang="zh-CN" altLang="en-US" sz="2900" dirty="0" smtClean="0">
                 <a:ea typeface="Microsoft YaHei UI" panose="020B0503020204020204" pitchFamily="34" charset="-122"/>
               </a:rPr>
               <a:t>（二）思力：即思考的力量。</a:t>
             </a:r>
+            <a:endParaRPr lang="zh-CN" altLang="en-US" sz="2900" dirty="0" smtClean="0">
+              <a:ea typeface="Microsoft YaHei UI" panose="020B0503020204020204" pitchFamily="34" charset="-122"/>
+            </a:endParaRPr>
           </a:p>
           <a:p>
             <a:pPr>
@@ -6377,11 +9729,26 @@
               </a:lnSpc>
             </a:pPr>
             <a:r>
+              <a:rPr lang="zh-CN" altLang="en-US" sz="2900" dirty="0" smtClean="0">
+                <a:ea typeface="Microsoft YaHei UI" panose="020B0503020204020204" pitchFamily="34" charset="-122"/>
+              </a:rPr>
+              <a:t>（三）正念</a:t>
+            </a:r>
+            <a:r>
+              <a:rPr lang="zh-CN" altLang="en-US" sz="2900" dirty="0" smtClean="0">
+                <a:ea typeface="Microsoft YaHei UI" panose="020B0503020204020204" pitchFamily="34" charset="-122"/>
+              </a:rPr>
+              <a:t>力：正念是一直</a:t>
+            </a:r>
+            <a:r>
               <a:rPr lang="zh-CN" altLang="en-US" sz="2900" dirty="0">
                 <a:ea typeface="Microsoft YaHei UI" panose="020B0503020204020204" pitchFamily="34" charset="-122"/>
               </a:rPr>
-              <a:t>（三）正念力：正念是一直不离开、不遗忘修行的目标。</a:t>
-            </a:r>
+              <a:t>不离开、不遗忘修行的目标。</a:t>
+            </a:r>
+            <a:endParaRPr lang="zh-CN" altLang="en-US" sz="2900" dirty="0" smtClean="0">
+              <a:ea typeface="Microsoft YaHei UI" panose="020B0503020204020204" pitchFamily="34" charset="-122"/>
+            </a:endParaRPr>
           </a:p>
           <a:p>
             <a:pPr rtl="0">
@@ -6390,11 +9757,14 @@
               </a:lnSpc>
             </a:pPr>
             <a:r>
-              <a:rPr lang="zh-CN" altLang="en-US" sz="2900" dirty="0">
+              <a:rPr lang="zh-CN" altLang="en-US" sz="2900" dirty="0" smtClean="0">
                 <a:ea typeface="Microsoft YaHei UI" panose="020B0503020204020204" pitchFamily="34" charset="-122"/>
               </a:rPr>
               <a:t>（四）正知力</a:t>
             </a:r>
+            <a:endParaRPr lang="zh-CN" altLang="en-US" sz="2900" dirty="0" smtClean="0">
+              <a:ea typeface="Microsoft YaHei UI" panose="020B0503020204020204" pitchFamily="34" charset="-122"/>
+            </a:endParaRPr>
           </a:p>
           <a:p>
             <a:pPr rtl="0">
@@ -6403,11 +9773,14 @@
               </a:lnSpc>
             </a:pPr>
             <a:r>
-              <a:rPr lang="zh-CN" altLang="en-US" sz="2900" dirty="0">
+              <a:rPr lang="zh-CN" altLang="en-US" sz="2900" dirty="0" smtClean="0">
                 <a:ea typeface="Microsoft YaHei UI" panose="020B0503020204020204" pitchFamily="34" charset="-122"/>
               </a:rPr>
               <a:t>（五）精进力</a:t>
             </a:r>
+            <a:endParaRPr lang="zh-CN" altLang="en-US" sz="2900" dirty="0" smtClean="0">
+              <a:ea typeface="Microsoft YaHei UI" panose="020B0503020204020204" pitchFamily="34" charset="-122"/>
+            </a:endParaRPr>
           </a:p>
           <a:p>
             <a:pPr rtl="0">
@@ -6416,11 +9789,14 @@
               </a:lnSpc>
             </a:pPr>
             <a:r>
-              <a:rPr lang="zh-CN" altLang="en-US" sz="2900" dirty="0">
+              <a:rPr lang="zh-CN" altLang="en-US" sz="2900" dirty="0" smtClean="0">
                 <a:ea typeface="Microsoft YaHei UI" panose="020B0503020204020204" pitchFamily="34" charset="-122"/>
               </a:rPr>
               <a:t>（六）串习力：串习就是修行。</a:t>
             </a:r>
+            <a:endParaRPr lang="zh-CN" altLang="en-US" sz="2900" dirty="0" smtClean="0">
+              <a:ea typeface="Microsoft YaHei UI" panose="020B0503020204020204" pitchFamily="34" charset="-122"/>
+            </a:endParaRPr>
           </a:p>
         </p:txBody>
       </p:sp>
@@ -6433,10 +9809,10 @@
           <p:nvPr/>
         </p:nvPicPr>
         <p:blipFill>
-          <a:blip r:embed="rId3" cstate="screen">
+          <a:blip r:embed="rId1" cstate="print">
             <a:extLst>
               <a:ext uri="{28A0092B-C50C-407E-A947-70E740481C1C}">
-                <a14:useLocalDpi xmlns:a14="http://schemas.microsoft.com/office/drawing/2010/main"/>
+                <a14:useLocalDpi xmlns:a14="http://schemas.microsoft.com/office/drawing/2010/main" val="0"/>
               </a:ext>
             </a:extLst>
           </a:blip>
@@ -6461,13 +9837,7 @@
           <p:nvPr/>
         </p:nvPicPr>
         <p:blipFill rotWithShape="1">
-          <a:blip r:embed="rId4" cstate="screen">
-            <a:extLst>
-              <a:ext uri="{28A0092B-C50C-407E-A947-70E740481C1C}">
-                <a14:useLocalDpi xmlns:a14="http://schemas.microsoft.com/office/drawing/2010/main"/>
-              </a:ext>
-            </a:extLst>
-          </a:blip>
+          <a:blip r:embed="rId2"/>
           <a:srcRect/>
           <a:stretch>
             <a:fillRect/>
@@ -6496,7 +9866,7 @@
 </file>
 
 <file path=ppt/slides/slide8.xml><?xml version="1.0" encoding="utf-8"?>
-<p:sld xmlns:a14="http://schemas.microsoft.com/office/drawing/2010/main" xmlns:a="http://schemas.openxmlformats.org/drawingml/2006/main" xmlns:r="http://schemas.openxmlformats.org/officeDocument/2006/relationships" xmlns:p="http://schemas.openxmlformats.org/presentationml/2006/main">
+<p:sld xmlns:a="http://schemas.openxmlformats.org/drawingml/2006/main" xmlns:r="http://schemas.openxmlformats.org/officeDocument/2006/relationships" xmlns:p="http://schemas.openxmlformats.org/presentationml/2006/main">
   <p:cSld>
     <p:spTree>
       <p:nvGrpSpPr>
@@ -6535,10 +9905,16 @@
           <a:lstStyle/>
           <a:p>
             <a:r>
+              <a:rPr lang="zh-CN" altLang="en-US" dirty="0" smtClean="0">
+                <a:ea typeface="Microsoft YaHei UI" panose="020B0503020204020204" pitchFamily="34" charset="-122"/>
+              </a:rPr>
+              <a:t>四、四作</a:t>
+            </a:r>
+            <a:r>
               <a:rPr lang="zh-CN" altLang="en-US" dirty="0">
                 <a:ea typeface="Microsoft YaHei UI" panose="020B0503020204020204" pitchFamily="34" charset="-122"/>
               </a:rPr>
-              <a:t>四、四作意（禅修的四个过程）</a:t>
+              <a:t>意（禅修的四个过程）</a:t>
             </a:r>
             <a:endParaRPr lang="en-US" dirty="0">
               <a:ea typeface="Microsoft YaHei UI" panose="020B0503020204020204" pitchFamily="34" charset="-122"/>
@@ -6574,23 +9950,32 @@
               </a:lnSpc>
             </a:pPr>
             <a:r>
-              <a:rPr sz="2600" dirty="0">
-                <a:ea typeface="Microsoft YaHei UI" panose="020B0503020204020204" pitchFamily="34" charset="-122"/>
-              </a:rPr>
-              <a:t>（一）力励运转作意</a:t>
-            </a:r>
-            <a:r>
-              <a:rPr lang="zh-CN" sz="2600" dirty="0">
+              <a:rPr sz="2600" dirty="0" smtClean="0">
+                <a:ea typeface="Microsoft YaHei UI" panose="020B0503020204020204" pitchFamily="34" charset="-122"/>
+              </a:rPr>
+              <a:t>（</a:t>
+            </a:r>
+            <a:r>
+              <a:rPr sz="2600" dirty="0" smtClean="0">
+                <a:ea typeface="Microsoft YaHei UI" panose="020B0503020204020204" pitchFamily="34" charset="-122"/>
+              </a:rPr>
+              <a:t>一）力励运转作意</a:t>
+            </a:r>
+            <a:r>
+              <a:rPr lang="zh-CN" sz="2600" dirty="0" smtClean="0">
                 <a:ea typeface="Microsoft YaHei UI" panose="020B0503020204020204" pitchFamily="34" charset="-122"/>
               </a:rPr>
               <a:t>：</a:t>
             </a:r>
             <a:r>
-              <a:rPr sz="2600" dirty="0">
+              <a:rPr sz="2600" dirty="0" smtClean="0">
                 <a:ea typeface="Microsoft YaHei UI" panose="020B0503020204020204" pitchFamily="34" charset="-122"/>
               </a:rPr>
               <a:t>刚开始修禅的时候，修行人心静不下来，很痛苦，这时候需要费很大的劲，所以叫力励运转作意。</a:t>
             </a:r>
+            <a:endParaRPr sz="2600" dirty="0" smtClean="0">
+              <a:ea typeface="Microsoft YaHei UI" panose="020B0503020204020204" pitchFamily="34" charset="-122"/>
+            </a:endParaRPr>
           </a:p>
           <a:p>
             <a:pPr rtl="0">
@@ -6599,35 +9984,38 @@
               </a:lnSpc>
             </a:pPr>
             <a:r>
-              <a:rPr sz="2600" dirty="0">
+              <a:rPr sz="2600" dirty="0" smtClean="0">
                 <a:ea typeface="Microsoft YaHei UI" panose="020B0503020204020204" pitchFamily="34" charset="-122"/>
               </a:rPr>
               <a:t>（二）有间缺运转作意</a:t>
             </a:r>
             <a:r>
-              <a:rPr lang="zh-CN" sz="2600" dirty="0">
+              <a:rPr lang="zh-CN" sz="2600" dirty="0" smtClean="0">
                 <a:ea typeface="Microsoft YaHei UI" panose="020B0503020204020204" pitchFamily="34" charset="-122"/>
               </a:rPr>
               <a:t>：</a:t>
             </a:r>
             <a:r>
-              <a:rPr sz="2600" dirty="0">
+              <a:rPr sz="2600" dirty="0" smtClean="0">
                 <a:ea typeface="Microsoft YaHei UI" panose="020B0503020204020204" pitchFamily="34" charset="-122"/>
               </a:rPr>
               <a:t>在</a:t>
             </a:r>
             <a:r>
-              <a:rPr lang="zh-CN" sz="2600" dirty="0">
+              <a:rPr lang="zh-CN" sz="2600" dirty="0" smtClean="0">
                 <a:ea typeface="Microsoft YaHei UI" panose="020B0503020204020204" pitchFamily="34" charset="-122"/>
               </a:rPr>
               <a:t>此阶段</a:t>
             </a:r>
             <a:r>
-              <a:rPr sz="2600" dirty="0">
+              <a:rPr sz="2600" dirty="0" smtClean="0">
                 <a:ea typeface="Microsoft YaHei UI" panose="020B0503020204020204" pitchFamily="34" charset="-122"/>
               </a:rPr>
               <a:t>，即使中间会间断，如果用心、用功，采取措施对治，还是可以继续禅修。</a:t>
             </a:r>
+            <a:endParaRPr sz="2600" dirty="0" smtClean="0">
+              <a:ea typeface="Microsoft YaHei UI" panose="020B0503020204020204" pitchFamily="34" charset="-122"/>
+            </a:endParaRPr>
           </a:p>
           <a:p>
             <a:pPr rtl="0">
@@ -6636,32 +10024,32 @@
               </a:lnSpc>
             </a:pPr>
             <a:r>
-              <a:rPr sz="2600" dirty="0">
+              <a:rPr sz="2600" dirty="0" smtClean="0">
                 <a:ea typeface="Microsoft YaHei UI" panose="020B0503020204020204" pitchFamily="34" charset="-122"/>
               </a:rPr>
               <a:t>（三）无间缺运转作意</a:t>
             </a:r>
             <a:r>
-              <a:rPr lang="zh-CN" sz="2600" dirty="0">
+              <a:rPr lang="zh-CN" sz="2600" dirty="0" smtClean="0">
                 <a:ea typeface="Microsoft YaHei UI" panose="020B0503020204020204" pitchFamily="34" charset="-122"/>
               </a:rPr>
               <a:t>：</a:t>
             </a:r>
             <a:r>
-              <a:rPr sz="2600" dirty="0">
+              <a:rPr sz="2600" dirty="0" smtClean="0">
                 <a:ea typeface="Microsoft YaHei UI" panose="020B0503020204020204" pitchFamily="34" charset="-122"/>
                 <a:sym typeface="+mn-ea"/>
               </a:rPr>
               <a:t>无论任何障碍，都不能间断我们的禅定，所以叫无间缺运转作意。这已经是很高的禅定境界</a:t>
             </a:r>
             <a:r>
-              <a:rPr lang="zh-CN" sz="2600" dirty="0">
+              <a:rPr lang="zh-CN" sz="2600" dirty="0" smtClean="0">
                 <a:ea typeface="Microsoft YaHei UI" panose="020B0503020204020204" pitchFamily="34" charset="-122"/>
                 <a:sym typeface="+mn-ea"/>
               </a:rPr>
               <a:t>。</a:t>
             </a:r>
-            <a:endParaRPr sz="2600" dirty="0">
+            <a:endParaRPr sz="2600" dirty="0" smtClean="0">
               <a:ea typeface="Microsoft YaHei UI" panose="020B0503020204020204" pitchFamily="34" charset="-122"/>
             </a:endParaRPr>
           </a:p>
@@ -6672,30 +10060,33 @@
               </a:lnSpc>
             </a:pPr>
             <a:r>
-              <a:rPr sz="2600" dirty="0">
+              <a:rPr sz="2600" dirty="0" smtClean="0">
                 <a:ea typeface="Microsoft YaHei UI" panose="020B0503020204020204" pitchFamily="34" charset="-122"/>
               </a:rPr>
               <a:t>（四）无功用运转作意</a:t>
             </a:r>
             <a:r>
-              <a:rPr lang="zh-CN" sz="2600" dirty="0">
+              <a:rPr lang="zh-CN" sz="2600" dirty="0" smtClean="0">
                 <a:ea typeface="Microsoft YaHei UI" panose="020B0503020204020204" pitchFamily="34" charset="-122"/>
               </a:rPr>
               <a:t>：</a:t>
             </a:r>
             <a:r>
-              <a:rPr sz="2600" dirty="0">
+              <a:rPr sz="2600" dirty="0" smtClean="0">
                 <a:ea typeface="Microsoft YaHei UI" panose="020B0503020204020204" pitchFamily="34" charset="-122"/>
                 <a:sym typeface="+mn-ea"/>
               </a:rPr>
               <a:t>之前的三个阶段都需要用功才不间断，但此阶段根本不需要用功，自然而然就能安住在禅定当中，根本不会间断。</a:t>
             </a:r>
             <a:r>
-              <a:rPr sz="2600" dirty="0">
+              <a:rPr sz="2600" dirty="0" smtClean="0">
                 <a:ea typeface="Microsoft YaHei UI" panose="020B0503020204020204" pitchFamily="34" charset="-122"/>
               </a:rPr>
               <a:t>这是更高的禅定境界了。</a:t>
             </a:r>
+            <a:endParaRPr sz="2600" dirty="0" smtClean="0">
+              <a:ea typeface="Microsoft YaHei UI" panose="020B0503020204020204" pitchFamily="34" charset="-122"/>
+            </a:endParaRPr>
           </a:p>
         </p:txBody>
       </p:sp>
@@ -6708,10 +10099,10 @@
           <p:nvPr/>
         </p:nvPicPr>
         <p:blipFill>
-          <a:blip r:embed="rId3" cstate="screen">
+          <a:blip r:embed="rId1" cstate="print">
             <a:extLst>
               <a:ext uri="{28A0092B-C50C-407E-A947-70E740481C1C}">
-                <a14:useLocalDpi xmlns:a14="http://schemas.microsoft.com/office/drawing/2010/main"/>
+                <a14:useLocalDpi xmlns:a14="http://schemas.microsoft.com/office/drawing/2010/main" val="0"/>
               </a:ext>
             </a:extLst>
           </a:blip>
@@ -6736,13 +10127,7 @@
           <p:nvPr/>
         </p:nvPicPr>
         <p:blipFill rotWithShape="1">
-          <a:blip r:embed="rId4" cstate="screen">
-            <a:extLst>
-              <a:ext uri="{28A0092B-C50C-407E-A947-70E740481C1C}">
-                <a14:useLocalDpi xmlns:a14="http://schemas.microsoft.com/office/drawing/2010/main"/>
-              </a:ext>
-            </a:extLst>
-          </a:blip>
+          <a:blip r:embed="rId2"/>
           <a:srcRect/>
           <a:stretch>
             <a:fillRect/>
@@ -6771,7 +10156,7 @@
 </file>
 
 <file path=ppt/slides/slide9.xml><?xml version="1.0" encoding="utf-8"?>
-<p:sld xmlns:a14="http://schemas.microsoft.com/office/drawing/2010/main" xmlns:a="http://schemas.openxmlformats.org/drawingml/2006/main" xmlns:r="http://schemas.openxmlformats.org/officeDocument/2006/relationships" xmlns:p="http://schemas.openxmlformats.org/presentationml/2006/main">
+<p:sld xmlns:a="http://schemas.openxmlformats.org/drawingml/2006/main" xmlns:r="http://schemas.openxmlformats.org/officeDocument/2006/relationships" xmlns:p="http://schemas.openxmlformats.org/presentationml/2006/main">
   <p:cSld>
     <p:spTree>
       <p:nvGrpSpPr>
@@ -6810,10 +10195,16 @@
           <a:lstStyle/>
           <a:p>
             <a:r>
+              <a:rPr lang="zh-CN" altLang="en-US" dirty="0" smtClean="0">
+                <a:ea typeface="Microsoft YaHei UI" panose="020B0503020204020204" pitchFamily="34" charset="-122"/>
+              </a:rPr>
+              <a:t>四、四作</a:t>
+            </a:r>
+            <a:r>
               <a:rPr lang="zh-CN" altLang="en-US" dirty="0">
                 <a:ea typeface="Microsoft YaHei UI" panose="020B0503020204020204" pitchFamily="34" charset="-122"/>
               </a:rPr>
-              <a:t>四、四作意（禅修的四个过程）</a:t>
+              <a:t>意（禅修的四个过程）</a:t>
             </a:r>
             <a:endParaRPr lang="en-US" dirty="0">
               <a:ea typeface="Microsoft YaHei UI" panose="020B0503020204020204" pitchFamily="34" charset="-122"/>
@@ -6848,7 +10239,7 @@
                 <a:spcPct val="120000"/>
               </a:lnSpc>
             </a:pPr>
-            <a:endParaRPr lang="en-US" altLang="zh-CN" sz="2600" dirty="0">
+            <a:endParaRPr lang="en-US" altLang="zh-CN" sz="2600" dirty="0" smtClean="0">
               <a:ea typeface="Microsoft YaHei UI" panose="020B0503020204020204" pitchFamily="34" charset="-122"/>
             </a:endParaRPr>
           </a:p>
@@ -6859,10 +10250,16 @@
               </a:lnSpc>
             </a:pPr>
             <a:r>
+              <a:rPr lang="zh-CN" altLang="en-US" sz="2600" dirty="0" smtClean="0">
+                <a:ea typeface="Microsoft YaHei UI" panose="020B0503020204020204" pitchFamily="34" charset="-122"/>
+              </a:rPr>
+              <a:t>这</a:t>
+            </a:r>
+            <a:r>
               <a:rPr lang="zh-CN" altLang="en-US" sz="2600" dirty="0">
                 <a:ea typeface="Microsoft YaHei UI" panose="020B0503020204020204" pitchFamily="34" charset="-122"/>
               </a:rPr>
-              <a:t>这四个禅修的阶段，不是具体的方法，这四个中最高的无功用运转作意，都没有达到四禅八定第一禅。无功运转作意在</a:t>
+              <a:t>四个禅修的阶段，不是具体的方法，这四个中最高的无功用运转作意，都没有达到四禅八定第一禅。无功运转作意在</a:t>
             </a:r>
             <a:r>
               <a:rPr lang="en-US" altLang="zh-CN" sz="2600" dirty="0">
@@ -6886,9 +10283,21 @@
               <a:rPr lang="zh-CN" altLang="en-US" sz="2600" dirty="0">
                 <a:ea typeface="Microsoft YaHei UI" panose="020B0503020204020204" pitchFamily="34" charset="-122"/>
               </a:rPr>
-              <a:t>中叫做欲界一境心。</a:t>
-            </a:r>
-            <a:endParaRPr lang="en-US" altLang="zh-CN" sz="2600" dirty="0">
+              <a:t>中</a:t>
+            </a:r>
+            <a:r>
+              <a:rPr lang="zh-CN" altLang="en-US" sz="2600" dirty="0">
+                <a:ea typeface="Microsoft YaHei UI" panose="020B0503020204020204" pitchFamily="34" charset="-122"/>
+              </a:rPr>
+              <a:t>叫做欲界一境心</a:t>
+            </a:r>
+            <a:r>
+              <a:rPr lang="zh-CN" altLang="en-US" sz="2600" dirty="0" smtClean="0">
+                <a:ea typeface="Microsoft YaHei UI" panose="020B0503020204020204" pitchFamily="34" charset="-122"/>
+              </a:rPr>
+              <a:t>。</a:t>
+            </a:r>
+            <a:endParaRPr lang="en-US" altLang="zh-CN" sz="2600" dirty="0" smtClean="0">
               <a:ea typeface="Microsoft YaHei UI" panose="020B0503020204020204" pitchFamily="34" charset="-122"/>
             </a:endParaRPr>
           </a:p>
@@ -6899,12 +10308,24 @@
               </a:lnSpc>
             </a:pPr>
             <a:r>
+              <a:rPr lang="zh-CN" altLang="en-US" sz="2600" dirty="0" smtClean="0">
+                <a:ea typeface="Microsoft YaHei UI" panose="020B0503020204020204" pitchFamily="34" charset="-122"/>
+              </a:rPr>
+              <a:t>小</a:t>
+            </a:r>
+            <a:r>
               <a:rPr lang="zh-CN" altLang="en-US" sz="2600" dirty="0">
                 <a:ea typeface="Microsoft YaHei UI" panose="020B0503020204020204" pitchFamily="34" charset="-122"/>
               </a:rPr>
-              <a:t>小乘在四禅的基础上才可以证悟见道，大乘佛法的善巧方法比较多，在欲界一境心就可以证悟，证悟一地菩萨。</a:t>
-            </a:r>
-            <a:endParaRPr lang="en-US" altLang="zh-CN" sz="2600" dirty="0">
+              <a:t>乘在四禅的基础上才可以证悟见道，大乘佛法的善巧方法比较多，在欲界一境心就可以证悟，证悟一地菩萨</a:t>
+            </a:r>
+            <a:r>
+              <a:rPr lang="zh-CN" altLang="en-US" sz="2600" dirty="0" smtClean="0">
+                <a:ea typeface="Microsoft YaHei UI" panose="020B0503020204020204" pitchFamily="34" charset="-122"/>
+              </a:rPr>
+              <a:t>。</a:t>
+            </a:r>
+            <a:endParaRPr lang="en-US" altLang="zh-CN" sz="2600" dirty="0" smtClean="0">
               <a:ea typeface="Microsoft YaHei UI" panose="020B0503020204020204" pitchFamily="34" charset="-122"/>
             </a:endParaRPr>
           </a:p>
@@ -6915,11 +10336,26 @@
               </a:lnSpc>
             </a:pPr>
             <a:r>
+              <a:rPr lang="zh-CN" altLang="en-US" sz="2600" dirty="0" smtClean="0">
+                <a:ea typeface="Microsoft YaHei UI" panose="020B0503020204020204" pitchFamily="34" charset="-122"/>
+              </a:rPr>
+              <a:t>按次第四前行、五加</a:t>
+            </a:r>
+            <a:r>
               <a:rPr lang="zh-CN" altLang="en-US" sz="2600" dirty="0">
                 <a:ea typeface="Microsoft YaHei UI" panose="020B0503020204020204" pitchFamily="34" charset="-122"/>
               </a:rPr>
-              <a:t>按次第四前行、五加行修完后，再修一两年的禅定，心静下来，在禅定的基础上再去修大圆满，大圆满在禅定的基础上修是非常好的。</a:t>
-            </a:r>
+              <a:t>行修完后，再修一两年的禅定，心静下来，在禅定的基础上再去修大圆满，大圆满在禅定的基础上修是</a:t>
+            </a:r>
+            <a:r>
+              <a:rPr lang="zh-CN" altLang="en-US" sz="2600" dirty="0">
+                <a:ea typeface="Microsoft YaHei UI" panose="020B0503020204020204" pitchFamily="34" charset="-122"/>
+              </a:rPr>
+              <a:t>非常好的。</a:t>
+            </a:r>
+            <a:endParaRPr lang="zh-CN" altLang="en-US" sz="2600" dirty="0">
+              <a:ea typeface="Microsoft YaHei UI" panose="020B0503020204020204" pitchFamily="34" charset="-122"/>
+            </a:endParaRPr>
           </a:p>
           <a:p>
             <a:pPr>
@@ -6931,7 +10367,13 @@
               <a:rPr lang="zh-CN" altLang="en-US" sz="2600" dirty="0">
                 <a:ea typeface="Microsoft YaHei UI" panose="020B0503020204020204" pitchFamily="34" charset="-122"/>
               </a:rPr>
-              <a:t>大圆满、大手印、密宗，没有禅定也可以证悟，但要具体其他的条件，并且根基成熟的人才可以证悟。</a:t>
+              <a:t>大圆满、大手印、密宗，没有禅定也可以证悟，但需要具体</a:t>
+            </a:r>
+            <a:r>
+              <a:rPr lang="zh-CN" altLang="en-US" sz="2600" dirty="0">
+                <a:ea typeface="Microsoft YaHei UI" panose="020B0503020204020204" pitchFamily="34" charset="-122"/>
+              </a:rPr>
+              <a:t>的其他的条件，并且根基成熟的人才可以证悟。</a:t>
             </a:r>
             <a:r>
               <a:rPr lang="en-US" altLang="zh-CN" sz="2600" dirty="0">
@@ -6949,7 +10391,7 @@
                 <a:spcPct val="120000"/>
               </a:lnSpc>
             </a:pPr>
-            <a:endParaRPr sz="2600" dirty="0">
+            <a:endParaRPr sz="2600" dirty="0" smtClean="0">
               <a:ea typeface="Microsoft YaHei UI" panose="020B0503020204020204" pitchFamily="34" charset="-122"/>
             </a:endParaRPr>
           </a:p>
@@ -6964,10 +10406,10 @@
           <p:nvPr/>
         </p:nvPicPr>
         <p:blipFill>
-          <a:blip r:embed="rId3" cstate="screen">
+          <a:blip r:embed="rId1" cstate="print">
             <a:extLst>
               <a:ext uri="{28A0092B-C50C-407E-A947-70E740481C1C}">
-                <a14:useLocalDpi xmlns:a14="http://schemas.microsoft.com/office/drawing/2010/main"/>
+                <a14:useLocalDpi xmlns:a14="http://schemas.microsoft.com/office/drawing/2010/main" val="0"/>
               </a:ext>
             </a:extLst>
           </a:blip>
@@ -6992,13 +10434,7 @@
           <p:nvPr/>
         </p:nvPicPr>
         <p:blipFill rotWithShape="1">
-          <a:blip r:embed="rId4" cstate="screen">
-            <a:extLst>
-              <a:ext uri="{28A0092B-C50C-407E-A947-70E740481C1C}">
-                <a14:useLocalDpi xmlns:a14="http://schemas.microsoft.com/office/drawing/2010/main"/>
-              </a:ext>
-            </a:extLst>
-          </a:blip>
+          <a:blip r:embed="rId2"/>
           <a:srcRect/>
           <a:stretch>
             <a:fillRect/>
@@ -7027,7 +10463,7 @@
 </file>
 
 <file path=ppt/tags/tag1.xml><?xml version="1.0" encoding="utf-8"?>
-<p:tagLst xmlns:a="http://schemas.openxmlformats.org/drawingml/2006/main" xmlns:r="http://schemas.openxmlformats.org/officeDocument/2006/relationships" xmlns:p="http://schemas.openxmlformats.org/presentationml/2006/main">
+<p:tagLst xmlns:p="http://schemas.openxmlformats.org/presentationml/2006/main">
   <p:tag name="COMMONDATA" val="eyJoZGlkIjoiYzVjMjIyNDc4OGJkZjU3N2VmNDY1ZGY1YTMxOTllZWYifQ=="/>
 </p:tagLst>
 </file>
@@ -7223,8 +10659,6 @@
       </a:bgFillStyleLst>
     </a:fmtScheme>
   </a:themeElements>
-  <a:objectDefaults/>
-  <a:extraClrSchemeLst/>
   <a:extLst>
     <a:ext uri="{05A4C25C-085E-4340-85A3-A5531E510DB2}">
       <thm15:themeFamily xmlns:thm15="http://schemas.microsoft.com/office/thememl/2012/main" name="Office Theme" id="{62F939B6-93AF-4DB8-9C6B-D6C7DFDC589F}" vid="{4A3C46E8-61CC-4603-A589-7422A47A8E4A}"/>
@@ -7484,8 +10918,6 @@
       </a:bgFillStyleLst>
     </a:fmtScheme>
   </a:themeElements>
-  <a:objectDefaults/>
-  <a:extraClrSchemeLst/>
   <a:extLst>
     <a:ext uri="{05A4C25C-085E-4340-85A3-A5531E510DB2}">
       <thm15:themeFamily xmlns:thm15="http://schemas.microsoft.com/office/thememl/2012/main" name="Office Theme" id="{62F939B6-93AF-4DB8-9C6B-D6C7DFDC589F}" vid="{4A3C46E8-61CC-4603-A589-7422A47A8E4A}"/>
@@ -7745,8 +11177,6 @@
       </a:bgFillStyleLst>
     </a:fmtScheme>
   </a:themeElements>
-  <a:objectDefaults/>
-  <a:extraClrSchemeLst/>
   <a:extLst>
     <a:ext uri="{05A4C25C-085E-4340-85A3-A5531E510DB2}">
       <thm15:themeFamily xmlns:thm15="http://schemas.microsoft.com/office/thememl/2012/main" name="Office Theme" id="{62F939B6-93AF-4DB8-9C6B-D6C7DFDC589F}" vid="{4A3C46E8-61CC-4603-A589-7422A47A8E4A}"/>
